--- a/Documentation/VMS_meeting_demo_5-1-15.pptx
+++ b/Documentation/VMS_meeting_demo_5-1-15.pptx
@@ -4,11 +4,22 @@
   <p:sldMasterIdLst>
     <p:sldMasterId id="2147483648" r:id="rId1"/>
   </p:sldMasterIdLst>
+  <p:notesMasterIdLst>
+    <p:notesMasterId r:id="rId14"/>
+  </p:notesMasterIdLst>
   <p:sldIdLst>
-    <p:sldId id="257" r:id="rId2"/>
-    <p:sldId id="258" r:id="rId3"/>
-    <p:sldId id="259" r:id="rId4"/>
-    <p:sldId id="260" r:id="rId5"/>
+    <p:sldId id="270" r:id="rId2"/>
+    <p:sldId id="272" r:id="rId3"/>
+    <p:sldId id="271" r:id="rId4"/>
+    <p:sldId id="268" r:id="rId5"/>
+    <p:sldId id="263" r:id="rId6"/>
+    <p:sldId id="259" r:id="rId7"/>
+    <p:sldId id="266" r:id="rId8"/>
+    <p:sldId id="260" r:id="rId9"/>
+    <p:sldId id="261" r:id="rId10"/>
+    <p:sldId id="257" r:id="rId11"/>
+    <p:sldId id="265" r:id="rId12"/>
+    <p:sldId id="267" r:id="rId13"/>
   </p:sldIdLst>
   <p:sldSz cx="9144000" cy="6858000" type="screen4x3"/>
   <p:notesSz cx="6858000" cy="9144000"/>
@@ -107,7 +118,1195 @@
       </a:defRPr>
     </a:lvl9pPr>
   </p:defaultTextStyle>
+  <p:extLst>
+    <p:ext uri="{521415D9-36F7-43E2-AB2F-B90AF26B5E84}">
+      <p14:sectionLst xmlns:p14="http://schemas.microsoft.com/office/powerpoint/2010/main">
+        <p14:section name="Intro" id="{16AE0457-409F-094A-87F8-E884130FA116}">
+          <p14:sldIdLst>
+            <p14:sldId id="270"/>
+            <p14:sldId id="272"/>
+            <p14:sldId id="271"/>
+          </p14:sldIdLst>
+        </p14:section>
+        <p14:section name="Components" id="{5127606E-C68E-BD4F-89B3-29DD59146E75}">
+          <p14:sldIdLst>
+            <p14:sldId id="268"/>
+            <p14:sldId id="263"/>
+            <p14:sldId id="259"/>
+            <p14:sldId id="266"/>
+          </p14:sldIdLst>
+        </p14:section>
+        <p14:section name="Prototype" id="{94658384-66E6-CF4E-B7DA-DC88D5D005C7}">
+          <p14:sldIdLst>
+            <p14:sldId id="260"/>
+            <p14:sldId id="261"/>
+          </p14:sldIdLst>
+        </p14:section>
+        <p14:section name="Final Design" id="{98CFDD40-7630-A447-92E1-2947EB043EEC}">
+          <p14:sldIdLst>
+            <p14:sldId id="257"/>
+            <p14:sldId id="265"/>
+            <p14:sldId id="267"/>
+          </p14:sldIdLst>
+        </p14:section>
+      </p14:sectionLst>
+    </p:ext>
+  </p:extLst>
 </p:presentation>
+</file>
+
+<file path=ppt/notesMasters/notesMaster1.xml><?xml version="1.0" encoding="utf-8"?>
+<p:notesMaster xmlns:a="http://schemas.openxmlformats.org/drawingml/2006/main" xmlns:r="http://schemas.openxmlformats.org/officeDocument/2006/relationships" xmlns:p="http://schemas.openxmlformats.org/presentationml/2006/main">
+  <p:cSld>
+    <p:bg>
+      <p:bgRef idx="1001">
+        <a:schemeClr val="bg1"/>
+      </p:bgRef>
+    </p:bg>
+    <p:spTree>
+      <p:nvGrpSpPr>
+        <p:cNvPr id="1" name=""/>
+        <p:cNvGrpSpPr/>
+        <p:nvPr/>
+      </p:nvGrpSpPr>
+      <p:grpSpPr>
+        <a:xfrm>
+          <a:off x="0" y="0"/>
+          <a:ext cx="0" cy="0"/>
+          <a:chOff x="0" y="0"/>
+          <a:chExt cx="0" cy="0"/>
+        </a:xfrm>
+      </p:grpSpPr>
+      <p:sp>
+        <p:nvSpPr>
+          <p:cNvPr id="2" name="Header Placeholder 1"/>
+          <p:cNvSpPr>
+            <a:spLocks noGrp="1"/>
+          </p:cNvSpPr>
+          <p:nvPr>
+            <p:ph type="hdr" sz="quarter"/>
+          </p:nvPr>
+        </p:nvSpPr>
+        <p:spPr>
+          <a:xfrm>
+            <a:off x="0" y="0"/>
+            <a:ext cx="2971800" cy="457200"/>
+          </a:xfrm>
+          <a:prstGeom prst="rect">
+            <a:avLst/>
+          </a:prstGeom>
+        </p:spPr>
+        <p:txBody>
+          <a:bodyPr vert="horz" lIns="91440" tIns="45720" rIns="91440" bIns="45720" rtlCol="0"/>
+          <a:lstStyle>
+            <a:lvl1pPr algn="l">
+              <a:defRPr sz="1200"/>
+            </a:lvl1pPr>
+          </a:lstStyle>
+          <a:p>
+            <a:endParaRPr lang="en-US"/>
+          </a:p>
+        </p:txBody>
+      </p:sp>
+      <p:sp>
+        <p:nvSpPr>
+          <p:cNvPr id="3" name="Date Placeholder 2"/>
+          <p:cNvSpPr>
+            <a:spLocks noGrp="1"/>
+          </p:cNvSpPr>
+          <p:nvPr>
+            <p:ph type="dt" idx="1"/>
+          </p:nvPr>
+        </p:nvSpPr>
+        <p:spPr>
+          <a:xfrm>
+            <a:off x="3884613" y="0"/>
+            <a:ext cx="2971800" cy="457200"/>
+          </a:xfrm>
+          <a:prstGeom prst="rect">
+            <a:avLst/>
+          </a:prstGeom>
+        </p:spPr>
+        <p:txBody>
+          <a:bodyPr vert="horz" lIns="91440" tIns="45720" rIns="91440" bIns="45720" rtlCol="0"/>
+          <a:lstStyle>
+            <a:lvl1pPr algn="r">
+              <a:defRPr sz="1200"/>
+            </a:lvl1pPr>
+          </a:lstStyle>
+          <a:p>
+            <a:fld id="{80E7DB3F-FE56-6048-A939-82AEA3344D5B}" type="datetimeFigureOut">
+              <a:rPr lang="en-US" smtClean="0"/>
+              <a:t>4/20/15</a:t>
+            </a:fld>
+            <a:endParaRPr lang="en-US"/>
+          </a:p>
+        </p:txBody>
+      </p:sp>
+      <p:sp>
+        <p:nvSpPr>
+          <p:cNvPr id="4" name="Slide Image Placeholder 3"/>
+          <p:cNvSpPr>
+            <a:spLocks noGrp="1" noRot="1" noChangeAspect="1"/>
+          </p:cNvSpPr>
+          <p:nvPr>
+            <p:ph type="sldImg" idx="2"/>
+          </p:nvPr>
+        </p:nvSpPr>
+        <p:spPr>
+          <a:xfrm>
+            <a:off x="1143000" y="685800"/>
+            <a:ext cx="4572000" cy="3429000"/>
+          </a:xfrm>
+          <a:prstGeom prst="rect">
+            <a:avLst/>
+          </a:prstGeom>
+          <a:noFill/>
+          <a:ln w="12700">
+            <a:solidFill>
+              <a:prstClr val="black"/>
+            </a:solidFill>
+          </a:ln>
+        </p:spPr>
+        <p:txBody>
+          <a:bodyPr vert="horz" lIns="91440" tIns="45720" rIns="91440" bIns="45720" rtlCol="0" anchor="ctr"/>
+          <a:lstStyle/>
+          <a:p>
+            <a:endParaRPr lang="en-US"/>
+          </a:p>
+        </p:txBody>
+      </p:sp>
+      <p:sp>
+        <p:nvSpPr>
+          <p:cNvPr id="5" name="Notes Placeholder 4"/>
+          <p:cNvSpPr>
+            <a:spLocks noGrp="1"/>
+          </p:cNvSpPr>
+          <p:nvPr>
+            <p:ph type="body" sz="quarter" idx="3"/>
+          </p:nvPr>
+        </p:nvSpPr>
+        <p:spPr>
+          <a:xfrm>
+            <a:off x="685800" y="4343400"/>
+            <a:ext cx="5486400" cy="4114800"/>
+          </a:xfrm>
+          <a:prstGeom prst="rect">
+            <a:avLst/>
+          </a:prstGeom>
+        </p:spPr>
+        <p:txBody>
+          <a:bodyPr vert="horz" lIns="91440" tIns="45720" rIns="91440" bIns="45720" rtlCol="0"/>
+          <a:lstStyle/>
+          <a:p>
+            <a:pPr lvl="0"/>
+            <a:r>
+              <a:rPr lang="en-US" smtClean="0"/>
+              <a:t>Click to edit Master text styles</a:t>
+            </a:r>
+          </a:p>
+          <a:p>
+            <a:pPr lvl="1"/>
+            <a:r>
+              <a:rPr lang="en-US" smtClean="0"/>
+              <a:t>Second level</a:t>
+            </a:r>
+          </a:p>
+          <a:p>
+            <a:pPr lvl="2"/>
+            <a:r>
+              <a:rPr lang="en-US" smtClean="0"/>
+              <a:t>Third level</a:t>
+            </a:r>
+          </a:p>
+          <a:p>
+            <a:pPr lvl="3"/>
+            <a:r>
+              <a:rPr lang="en-US" smtClean="0"/>
+              <a:t>Fourth level</a:t>
+            </a:r>
+          </a:p>
+          <a:p>
+            <a:pPr lvl="4"/>
+            <a:r>
+              <a:rPr lang="en-US" smtClean="0"/>
+              <a:t>Fifth level</a:t>
+            </a:r>
+            <a:endParaRPr lang="en-US"/>
+          </a:p>
+        </p:txBody>
+      </p:sp>
+      <p:sp>
+        <p:nvSpPr>
+          <p:cNvPr id="6" name="Footer Placeholder 5"/>
+          <p:cNvSpPr>
+            <a:spLocks noGrp="1"/>
+          </p:cNvSpPr>
+          <p:nvPr>
+            <p:ph type="ftr" sz="quarter" idx="4"/>
+          </p:nvPr>
+        </p:nvSpPr>
+        <p:spPr>
+          <a:xfrm>
+            <a:off x="0" y="8685213"/>
+            <a:ext cx="2971800" cy="457200"/>
+          </a:xfrm>
+          <a:prstGeom prst="rect">
+            <a:avLst/>
+          </a:prstGeom>
+        </p:spPr>
+        <p:txBody>
+          <a:bodyPr vert="horz" lIns="91440" tIns="45720" rIns="91440" bIns="45720" rtlCol="0" anchor="b"/>
+          <a:lstStyle>
+            <a:lvl1pPr algn="l">
+              <a:defRPr sz="1200"/>
+            </a:lvl1pPr>
+          </a:lstStyle>
+          <a:p>
+            <a:endParaRPr lang="en-US"/>
+          </a:p>
+        </p:txBody>
+      </p:sp>
+      <p:sp>
+        <p:nvSpPr>
+          <p:cNvPr id="7" name="Slide Number Placeholder 6"/>
+          <p:cNvSpPr>
+            <a:spLocks noGrp="1"/>
+          </p:cNvSpPr>
+          <p:nvPr>
+            <p:ph type="sldNum" sz="quarter" idx="5"/>
+          </p:nvPr>
+        </p:nvSpPr>
+        <p:spPr>
+          <a:xfrm>
+            <a:off x="3884613" y="8685213"/>
+            <a:ext cx="2971800" cy="457200"/>
+          </a:xfrm>
+          <a:prstGeom prst="rect">
+            <a:avLst/>
+          </a:prstGeom>
+        </p:spPr>
+        <p:txBody>
+          <a:bodyPr vert="horz" lIns="91440" tIns="45720" rIns="91440" bIns="45720" rtlCol="0" anchor="b"/>
+          <a:lstStyle>
+            <a:lvl1pPr algn="r">
+              <a:defRPr sz="1200"/>
+            </a:lvl1pPr>
+          </a:lstStyle>
+          <a:p>
+            <a:fld id="{ED46D96B-3F00-6F43-8F19-5E05A2390332}" type="slidenum">
+              <a:rPr lang="en-US" smtClean="0"/>
+              <a:t>‹#›</a:t>
+            </a:fld>
+            <a:endParaRPr lang="en-US"/>
+          </a:p>
+        </p:txBody>
+      </p:sp>
+    </p:spTree>
+    <p:extLst>
+      <p:ext uri="{BB962C8B-B14F-4D97-AF65-F5344CB8AC3E}">
+        <p14:creationId xmlns:p14="http://schemas.microsoft.com/office/powerpoint/2010/main" val="2117532335"/>
+      </p:ext>
+    </p:extLst>
+  </p:cSld>
+  <p:clrMap bg1="lt1" tx1="dk1" bg2="lt2" tx2="dk2" accent1="accent1" accent2="accent2" accent3="accent3" accent4="accent4" accent5="accent5" accent6="accent6" hlink="hlink" folHlink="folHlink"/>
+  <p:notesStyle>
+    <a:lvl1pPr marL="0" algn="l" defTabSz="457200" rtl="0" eaLnBrk="1" latinLnBrk="0" hangingPunct="1">
+      <a:defRPr sz="1200" kern="1200">
+        <a:solidFill>
+          <a:schemeClr val="tx1"/>
+        </a:solidFill>
+        <a:latin typeface="+mn-lt"/>
+        <a:ea typeface="+mn-ea"/>
+        <a:cs typeface="+mn-cs"/>
+      </a:defRPr>
+    </a:lvl1pPr>
+    <a:lvl2pPr marL="457200" algn="l" defTabSz="457200" rtl="0" eaLnBrk="1" latinLnBrk="0" hangingPunct="1">
+      <a:defRPr sz="1200" kern="1200">
+        <a:solidFill>
+          <a:schemeClr val="tx1"/>
+        </a:solidFill>
+        <a:latin typeface="+mn-lt"/>
+        <a:ea typeface="+mn-ea"/>
+        <a:cs typeface="+mn-cs"/>
+      </a:defRPr>
+    </a:lvl2pPr>
+    <a:lvl3pPr marL="914400" algn="l" defTabSz="457200" rtl="0" eaLnBrk="1" latinLnBrk="0" hangingPunct="1">
+      <a:defRPr sz="1200" kern="1200">
+        <a:solidFill>
+          <a:schemeClr val="tx1"/>
+        </a:solidFill>
+        <a:latin typeface="+mn-lt"/>
+        <a:ea typeface="+mn-ea"/>
+        <a:cs typeface="+mn-cs"/>
+      </a:defRPr>
+    </a:lvl3pPr>
+    <a:lvl4pPr marL="1371600" algn="l" defTabSz="457200" rtl="0" eaLnBrk="1" latinLnBrk="0" hangingPunct="1">
+      <a:defRPr sz="1200" kern="1200">
+        <a:solidFill>
+          <a:schemeClr val="tx1"/>
+        </a:solidFill>
+        <a:latin typeface="+mn-lt"/>
+        <a:ea typeface="+mn-ea"/>
+        <a:cs typeface="+mn-cs"/>
+      </a:defRPr>
+    </a:lvl4pPr>
+    <a:lvl5pPr marL="1828800" algn="l" defTabSz="457200" rtl="0" eaLnBrk="1" latinLnBrk="0" hangingPunct="1">
+      <a:defRPr sz="1200" kern="1200">
+        <a:solidFill>
+          <a:schemeClr val="tx1"/>
+        </a:solidFill>
+        <a:latin typeface="+mn-lt"/>
+        <a:ea typeface="+mn-ea"/>
+        <a:cs typeface="+mn-cs"/>
+      </a:defRPr>
+    </a:lvl5pPr>
+    <a:lvl6pPr marL="2286000" algn="l" defTabSz="457200" rtl="0" eaLnBrk="1" latinLnBrk="0" hangingPunct="1">
+      <a:defRPr sz="1200" kern="1200">
+        <a:solidFill>
+          <a:schemeClr val="tx1"/>
+        </a:solidFill>
+        <a:latin typeface="+mn-lt"/>
+        <a:ea typeface="+mn-ea"/>
+        <a:cs typeface="+mn-cs"/>
+      </a:defRPr>
+    </a:lvl6pPr>
+    <a:lvl7pPr marL="2743200" algn="l" defTabSz="457200" rtl="0" eaLnBrk="1" latinLnBrk="0" hangingPunct="1">
+      <a:defRPr sz="1200" kern="1200">
+        <a:solidFill>
+          <a:schemeClr val="tx1"/>
+        </a:solidFill>
+        <a:latin typeface="+mn-lt"/>
+        <a:ea typeface="+mn-ea"/>
+        <a:cs typeface="+mn-cs"/>
+      </a:defRPr>
+    </a:lvl7pPr>
+    <a:lvl8pPr marL="3200400" algn="l" defTabSz="457200" rtl="0" eaLnBrk="1" latinLnBrk="0" hangingPunct="1">
+      <a:defRPr sz="1200" kern="1200">
+        <a:solidFill>
+          <a:schemeClr val="tx1"/>
+        </a:solidFill>
+        <a:latin typeface="+mn-lt"/>
+        <a:ea typeface="+mn-ea"/>
+        <a:cs typeface="+mn-cs"/>
+      </a:defRPr>
+    </a:lvl8pPr>
+    <a:lvl9pPr marL="3657600" algn="l" defTabSz="457200" rtl="0" eaLnBrk="1" latinLnBrk="0" hangingPunct="1">
+      <a:defRPr sz="1200" kern="1200">
+        <a:solidFill>
+          <a:schemeClr val="tx1"/>
+        </a:solidFill>
+        <a:latin typeface="+mn-lt"/>
+        <a:ea typeface="+mn-ea"/>
+        <a:cs typeface="+mn-cs"/>
+      </a:defRPr>
+    </a:lvl9pPr>
+  </p:notesStyle>
+</p:notesMaster>
+</file>
+
+<file path=ppt/notesSlides/notesSlide1.xml><?xml version="1.0" encoding="utf-8"?>
+<p:notes xmlns:a="http://schemas.openxmlformats.org/drawingml/2006/main" xmlns:r="http://schemas.openxmlformats.org/officeDocument/2006/relationships" xmlns:p="http://schemas.openxmlformats.org/presentationml/2006/main">
+  <p:cSld>
+    <p:spTree>
+      <p:nvGrpSpPr>
+        <p:cNvPr id="1" name=""/>
+        <p:cNvGrpSpPr/>
+        <p:nvPr/>
+      </p:nvGrpSpPr>
+      <p:grpSpPr>
+        <a:xfrm>
+          <a:off x="0" y="0"/>
+          <a:ext cx="0" cy="0"/>
+          <a:chOff x="0" y="0"/>
+          <a:chExt cx="0" cy="0"/>
+        </a:xfrm>
+      </p:grpSpPr>
+      <p:sp>
+        <p:nvSpPr>
+          <p:cNvPr id="215" name="TextShape 1"/>
+          <p:cNvSpPr txBox="1"/>
+          <p:nvPr/>
+        </p:nvSpPr>
+        <p:spPr>
+          <a:xfrm>
+            <a:off x="3884760" y="8685360"/>
+            <a:ext cx="2971440" cy="458280"/>
+          </a:xfrm>
+          <a:prstGeom prst="rect">
+            <a:avLst/>
+          </a:prstGeom>
+        </p:spPr>
+        <p:txBody>
+          <a:bodyPr anchor="b"/>
+          <a:lstStyle/>
+          <a:p>
+            <a:pPr>
+              <a:lnSpc>
+                <a:spcPct val="100000"/>
+              </a:lnSpc>
+            </a:pPr>
+            <a:fld id="{75097D5E-6D6A-4A88-8A78-E80B4554D6B0}" type="slidenum">
+              <a:rPr lang="en-US" sz="1200">
+                <a:solidFill>
+                  <a:srgbClr val="000000"/>
+                </a:solidFill>
+                <a:latin typeface="Times New Roman"/>
+                <a:ea typeface="MS PGothic"/>
+              </a:rPr>
+              <a:t>1</a:t>
+            </a:fld>
+            <a:endParaRPr/>
+          </a:p>
+        </p:txBody>
+      </p:sp>
+      <p:sp>
+        <p:nvSpPr>
+          <p:cNvPr id="216" name="CustomShape 2"/>
+          <p:cNvSpPr/>
+          <p:nvPr/>
+        </p:nvSpPr>
+        <p:spPr>
+          <a:xfrm>
+            <a:off x="3886200" y="8686800"/>
+            <a:ext cx="2971440" cy="456840"/>
+          </a:xfrm>
+          <a:prstGeom prst="rect">
+            <a:avLst/>
+          </a:prstGeom>
+          <a:noFill/>
+          <a:ln>
+            <a:noFill/>
+          </a:ln>
+        </p:spPr>
+        <p:txBody>
+          <a:bodyPr lIns="90000" tIns="46800" rIns="90000" bIns="46800" anchor="b"/>
+          <a:lstStyle/>
+          <a:p>
+            <a:pPr algn="r">
+              <a:lnSpc>
+                <a:spcPct val="100000"/>
+              </a:lnSpc>
+            </a:pPr>
+            <a:fld id="{1A63B496-63EB-4F2C-9B25-871FFC52F846}" type="slidenum">
+              <a:rPr lang="en-US" sz="1200">
+                <a:solidFill>
+                  <a:srgbClr val="000000"/>
+                </a:solidFill>
+                <a:latin typeface="Times New Roman"/>
+                <a:ea typeface="MS PGothic"/>
+              </a:rPr>
+              <a:t>1</a:t>
+            </a:fld>
+            <a:endParaRPr/>
+          </a:p>
+        </p:txBody>
+      </p:sp>
+      <p:sp>
+        <p:nvSpPr>
+          <p:cNvPr id="217" name="CustomShape 3"/>
+          <p:cNvSpPr/>
+          <p:nvPr/>
+        </p:nvSpPr>
+        <p:spPr>
+          <a:xfrm>
+            <a:off x="914400" y="4343400"/>
+            <a:ext cx="5028840" cy="4114440"/>
+          </a:xfrm>
+          <a:prstGeom prst="rect">
+            <a:avLst/>
+          </a:prstGeom>
+          <a:solidFill>
+            <a:srgbClr val="FFFFFF"/>
+          </a:solidFill>
+          <a:ln w="9360">
+            <a:solidFill>
+              <a:srgbClr val="000000"/>
+            </a:solidFill>
+            <a:miter/>
+          </a:ln>
+        </p:spPr>
+      </p:sp>
+    </p:spTree>
+    <p:extLst>
+      <p:ext uri="{BB962C8B-B14F-4D97-AF65-F5344CB8AC3E}">
+        <p14:creationId xmlns:p14="http://schemas.microsoft.com/office/powerpoint/2010/main" val="2233507955"/>
+      </p:ext>
+    </p:extLst>
+  </p:cSld>
+  <p:clrMapOvr>
+    <a:masterClrMapping/>
+  </p:clrMapOvr>
+</p:notes>
+</file>
+
+<file path=ppt/notesSlides/notesSlide2.xml><?xml version="1.0" encoding="utf-8"?>
+<p:notes xmlns:a="http://schemas.openxmlformats.org/drawingml/2006/main" xmlns:r="http://schemas.openxmlformats.org/officeDocument/2006/relationships" xmlns:p="http://schemas.openxmlformats.org/presentationml/2006/main">
+  <p:cSld>
+    <p:bg>
+      <p:bgPr>
+        <a:solidFill>
+          <a:srgbClr val="FFFFFF"/>
+        </a:solidFill>
+        <a:effectLst/>
+      </p:bgPr>
+    </p:bg>
+    <p:spTree>
+      <p:nvGrpSpPr>
+        <p:cNvPr id="1" name=""/>
+        <p:cNvGrpSpPr/>
+        <p:nvPr/>
+      </p:nvGrpSpPr>
+      <p:grpSpPr>
+        <a:xfrm>
+          <a:off x="0" y="0"/>
+          <a:ext cx="0" cy="0"/>
+          <a:chOff x="0" y="0"/>
+          <a:chExt cx="0" cy="0"/>
+        </a:xfrm>
+      </p:grpSpPr>
+      <p:sp>
+        <p:nvSpPr>
+          <p:cNvPr id="7" name="Slide Number Placeholder 6"/>
+          <p:cNvSpPr>
+            <a:spLocks noGrp="1" noChangeArrowheads="1"/>
+          </p:cNvSpPr>
+          <p:nvPr>
+            <p:ph type="sldNum" sz="quarter"/>
+          </p:nvPr>
+        </p:nvSpPr>
+        <p:spPr>
+          <a:noFill/>
+        </p:spPr>
+        <p:txBody>
+          <a:bodyPr/>
+          <a:lstStyle>
+            <a:lvl1pPr>
+              <a:tabLst>
+                <a:tab pos="0" algn="l"/>
+                <a:tab pos="457200" algn="l"/>
+                <a:tab pos="914400" algn="l"/>
+                <a:tab pos="1371600" algn="l"/>
+                <a:tab pos="1828800" algn="l"/>
+                <a:tab pos="2286000" algn="l"/>
+                <a:tab pos="2743200" algn="l"/>
+                <a:tab pos="3200400" algn="l"/>
+                <a:tab pos="3657600" algn="l"/>
+                <a:tab pos="4114800" algn="l"/>
+                <a:tab pos="4572000" algn="l"/>
+                <a:tab pos="5029200" algn="l"/>
+                <a:tab pos="5486400" algn="l"/>
+                <a:tab pos="5943600" algn="l"/>
+                <a:tab pos="6400800" algn="l"/>
+                <a:tab pos="6858000" algn="l"/>
+                <a:tab pos="7315200" algn="l"/>
+                <a:tab pos="7772400" algn="l"/>
+                <a:tab pos="8229600" algn="l"/>
+                <a:tab pos="8686800" algn="l"/>
+                <a:tab pos="9144000" algn="l"/>
+              </a:tabLst>
+              <a:defRPr sz="2400" b="1">
+                <a:solidFill>
+                  <a:schemeClr val="bg1"/>
+                </a:solidFill>
+                <a:latin typeface="Arial" charset="0"/>
+                <a:ea typeface="ＭＳ Ｐゴシック" charset="0"/>
+                <a:cs typeface="ＭＳ Ｐゴシック" charset="0"/>
+              </a:defRPr>
+            </a:lvl1pPr>
+            <a:lvl2pPr>
+              <a:tabLst>
+                <a:tab pos="0" algn="l"/>
+                <a:tab pos="457200" algn="l"/>
+                <a:tab pos="914400" algn="l"/>
+                <a:tab pos="1371600" algn="l"/>
+                <a:tab pos="1828800" algn="l"/>
+                <a:tab pos="2286000" algn="l"/>
+                <a:tab pos="2743200" algn="l"/>
+                <a:tab pos="3200400" algn="l"/>
+                <a:tab pos="3657600" algn="l"/>
+                <a:tab pos="4114800" algn="l"/>
+                <a:tab pos="4572000" algn="l"/>
+                <a:tab pos="5029200" algn="l"/>
+                <a:tab pos="5486400" algn="l"/>
+                <a:tab pos="5943600" algn="l"/>
+                <a:tab pos="6400800" algn="l"/>
+                <a:tab pos="6858000" algn="l"/>
+                <a:tab pos="7315200" algn="l"/>
+                <a:tab pos="7772400" algn="l"/>
+                <a:tab pos="8229600" algn="l"/>
+                <a:tab pos="8686800" algn="l"/>
+                <a:tab pos="9144000" algn="l"/>
+              </a:tabLst>
+              <a:defRPr sz="2400" b="1">
+                <a:solidFill>
+                  <a:schemeClr val="bg1"/>
+                </a:solidFill>
+                <a:latin typeface="Arial" charset="0"/>
+                <a:ea typeface="ＭＳ Ｐゴシック" charset="0"/>
+              </a:defRPr>
+            </a:lvl2pPr>
+            <a:lvl3pPr>
+              <a:tabLst>
+                <a:tab pos="0" algn="l"/>
+                <a:tab pos="457200" algn="l"/>
+                <a:tab pos="914400" algn="l"/>
+                <a:tab pos="1371600" algn="l"/>
+                <a:tab pos="1828800" algn="l"/>
+                <a:tab pos="2286000" algn="l"/>
+                <a:tab pos="2743200" algn="l"/>
+                <a:tab pos="3200400" algn="l"/>
+                <a:tab pos="3657600" algn="l"/>
+                <a:tab pos="4114800" algn="l"/>
+                <a:tab pos="4572000" algn="l"/>
+                <a:tab pos="5029200" algn="l"/>
+                <a:tab pos="5486400" algn="l"/>
+                <a:tab pos="5943600" algn="l"/>
+                <a:tab pos="6400800" algn="l"/>
+                <a:tab pos="6858000" algn="l"/>
+                <a:tab pos="7315200" algn="l"/>
+                <a:tab pos="7772400" algn="l"/>
+                <a:tab pos="8229600" algn="l"/>
+                <a:tab pos="8686800" algn="l"/>
+                <a:tab pos="9144000" algn="l"/>
+              </a:tabLst>
+              <a:defRPr sz="2400" b="1">
+                <a:solidFill>
+                  <a:schemeClr val="bg1"/>
+                </a:solidFill>
+                <a:latin typeface="Arial" charset="0"/>
+                <a:ea typeface="ＭＳ Ｐゴシック" charset="0"/>
+              </a:defRPr>
+            </a:lvl3pPr>
+            <a:lvl4pPr>
+              <a:tabLst>
+                <a:tab pos="0" algn="l"/>
+                <a:tab pos="457200" algn="l"/>
+                <a:tab pos="914400" algn="l"/>
+                <a:tab pos="1371600" algn="l"/>
+                <a:tab pos="1828800" algn="l"/>
+                <a:tab pos="2286000" algn="l"/>
+                <a:tab pos="2743200" algn="l"/>
+                <a:tab pos="3200400" algn="l"/>
+                <a:tab pos="3657600" algn="l"/>
+                <a:tab pos="4114800" algn="l"/>
+                <a:tab pos="4572000" algn="l"/>
+                <a:tab pos="5029200" algn="l"/>
+                <a:tab pos="5486400" algn="l"/>
+                <a:tab pos="5943600" algn="l"/>
+                <a:tab pos="6400800" algn="l"/>
+                <a:tab pos="6858000" algn="l"/>
+                <a:tab pos="7315200" algn="l"/>
+                <a:tab pos="7772400" algn="l"/>
+                <a:tab pos="8229600" algn="l"/>
+                <a:tab pos="8686800" algn="l"/>
+                <a:tab pos="9144000" algn="l"/>
+              </a:tabLst>
+              <a:defRPr sz="2400" b="1">
+                <a:solidFill>
+                  <a:schemeClr val="bg1"/>
+                </a:solidFill>
+                <a:latin typeface="Arial" charset="0"/>
+                <a:ea typeface="ＭＳ Ｐゴシック" charset="0"/>
+              </a:defRPr>
+            </a:lvl4pPr>
+            <a:lvl5pPr>
+              <a:tabLst>
+                <a:tab pos="0" algn="l"/>
+                <a:tab pos="457200" algn="l"/>
+                <a:tab pos="914400" algn="l"/>
+                <a:tab pos="1371600" algn="l"/>
+                <a:tab pos="1828800" algn="l"/>
+                <a:tab pos="2286000" algn="l"/>
+                <a:tab pos="2743200" algn="l"/>
+                <a:tab pos="3200400" algn="l"/>
+                <a:tab pos="3657600" algn="l"/>
+                <a:tab pos="4114800" algn="l"/>
+                <a:tab pos="4572000" algn="l"/>
+                <a:tab pos="5029200" algn="l"/>
+                <a:tab pos="5486400" algn="l"/>
+                <a:tab pos="5943600" algn="l"/>
+                <a:tab pos="6400800" algn="l"/>
+                <a:tab pos="6858000" algn="l"/>
+                <a:tab pos="7315200" algn="l"/>
+                <a:tab pos="7772400" algn="l"/>
+                <a:tab pos="8229600" algn="l"/>
+                <a:tab pos="8686800" algn="l"/>
+                <a:tab pos="9144000" algn="l"/>
+              </a:tabLst>
+              <a:defRPr sz="2400" b="1">
+                <a:solidFill>
+                  <a:schemeClr val="bg1"/>
+                </a:solidFill>
+                <a:latin typeface="Arial" charset="0"/>
+                <a:ea typeface="ＭＳ Ｐゴシック" charset="0"/>
+              </a:defRPr>
+            </a:lvl5pPr>
+            <a:lvl6pPr marL="2514600" indent="-228600" eaLnBrk="0" fontAlgn="base" hangingPunct="0">
+              <a:spcBef>
+                <a:spcPct val="0"/>
+              </a:spcBef>
+              <a:spcAft>
+                <a:spcPct val="0"/>
+              </a:spcAft>
+              <a:buClr>
+                <a:srgbClr val="000000"/>
+              </a:buClr>
+              <a:buSzPct val="100000"/>
+              <a:buFont typeface="Times New Roman" charset="0"/>
+              <a:tabLst>
+                <a:tab pos="0" algn="l"/>
+                <a:tab pos="457200" algn="l"/>
+                <a:tab pos="914400" algn="l"/>
+                <a:tab pos="1371600" algn="l"/>
+                <a:tab pos="1828800" algn="l"/>
+                <a:tab pos="2286000" algn="l"/>
+                <a:tab pos="2743200" algn="l"/>
+                <a:tab pos="3200400" algn="l"/>
+                <a:tab pos="3657600" algn="l"/>
+                <a:tab pos="4114800" algn="l"/>
+                <a:tab pos="4572000" algn="l"/>
+                <a:tab pos="5029200" algn="l"/>
+                <a:tab pos="5486400" algn="l"/>
+                <a:tab pos="5943600" algn="l"/>
+                <a:tab pos="6400800" algn="l"/>
+                <a:tab pos="6858000" algn="l"/>
+                <a:tab pos="7315200" algn="l"/>
+                <a:tab pos="7772400" algn="l"/>
+                <a:tab pos="8229600" algn="l"/>
+                <a:tab pos="8686800" algn="l"/>
+                <a:tab pos="9144000" algn="l"/>
+              </a:tabLst>
+              <a:defRPr sz="2400" b="1">
+                <a:solidFill>
+                  <a:schemeClr val="bg1"/>
+                </a:solidFill>
+                <a:latin typeface="Arial" charset="0"/>
+                <a:ea typeface="ＭＳ Ｐゴシック" charset="0"/>
+              </a:defRPr>
+            </a:lvl6pPr>
+            <a:lvl7pPr marL="2971800" indent="-228600" eaLnBrk="0" fontAlgn="base" hangingPunct="0">
+              <a:spcBef>
+                <a:spcPct val="0"/>
+              </a:spcBef>
+              <a:spcAft>
+                <a:spcPct val="0"/>
+              </a:spcAft>
+              <a:buClr>
+                <a:srgbClr val="000000"/>
+              </a:buClr>
+              <a:buSzPct val="100000"/>
+              <a:buFont typeface="Times New Roman" charset="0"/>
+              <a:tabLst>
+                <a:tab pos="0" algn="l"/>
+                <a:tab pos="457200" algn="l"/>
+                <a:tab pos="914400" algn="l"/>
+                <a:tab pos="1371600" algn="l"/>
+                <a:tab pos="1828800" algn="l"/>
+                <a:tab pos="2286000" algn="l"/>
+                <a:tab pos="2743200" algn="l"/>
+                <a:tab pos="3200400" algn="l"/>
+                <a:tab pos="3657600" algn="l"/>
+                <a:tab pos="4114800" algn="l"/>
+                <a:tab pos="4572000" algn="l"/>
+                <a:tab pos="5029200" algn="l"/>
+                <a:tab pos="5486400" algn="l"/>
+                <a:tab pos="5943600" algn="l"/>
+                <a:tab pos="6400800" algn="l"/>
+                <a:tab pos="6858000" algn="l"/>
+                <a:tab pos="7315200" algn="l"/>
+                <a:tab pos="7772400" algn="l"/>
+                <a:tab pos="8229600" algn="l"/>
+                <a:tab pos="8686800" algn="l"/>
+                <a:tab pos="9144000" algn="l"/>
+              </a:tabLst>
+              <a:defRPr sz="2400" b="1">
+                <a:solidFill>
+                  <a:schemeClr val="bg1"/>
+                </a:solidFill>
+                <a:latin typeface="Arial" charset="0"/>
+                <a:ea typeface="ＭＳ Ｐゴシック" charset="0"/>
+              </a:defRPr>
+            </a:lvl7pPr>
+            <a:lvl8pPr marL="3429000" indent="-228600" eaLnBrk="0" fontAlgn="base" hangingPunct="0">
+              <a:spcBef>
+                <a:spcPct val="0"/>
+              </a:spcBef>
+              <a:spcAft>
+                <a:spcPct val="0"/>
+              </a:spcAft>
+              <a:buClr>
+                <a:srgbClr val="000000"/>
+              </a:buClr>
+              <a:buSzPct val="100000"/>
+              <a:buFont typeface="Times New Roman" charset="0"/>
+              <a:tabLst>
+                <a:tab pos="0" algn="l"/>
+                <a:tab pos="457200" algn="l"/>
+                <a:tab pos="914400" algn="l"/>
+                <a:tab pos="1371600" algn="l"/>
+                <a:tab pos="1828800" algn="l"/>
+                <a:tab pos="2286000" algn="l"/>
+                <a:tab pos="2743200" algn="l"/>
+                <a:tab pos="3200400" algn="l"/>
+                <a:tab pos="3657600" algn="l"/>
+                <a:tab pos="4114800" algn="l"/>
+                <a:tab pos="4572000" algn="l"/>
+                <a:tab pos="5029200" algn="l"/>
+                <a:tab pos="5486400" algn="l"/>
+                <a:tab pos="5943600" algn="l"/>
+                <a:tab pos="6400800" algn="l"/>
+                <a:tab pos="6858000" algn="l"/>
+                <a:tab pos="7315200" algn="l"/>
+                <a:tab pos="7772400" algn="l"/>
+                <a:tab pos="8229600" algn="l"/>
+                <a:tab pos="8686800" algn="l"/>
+                <a:tab pos="9144000" algn="l"/>
+              </a:tabLst>
+              <a:defRPr sz="2400" b="1">
+                <a:solidFill>
+                  <a:schemeClr val="bg1"/>
+                </a:solidFill>
+                <a:latin typeface="Arial" charset="0"/>
+                <a:ea typeface="ＭＳ Ｐゴシック" charset="0"/>
+              </a:defRPr>
+            </a:lvl8pPr>
+            <a:lvl9pPr marL="3886200" indent="-228600" eaLnBrk="0" fontAlgn="base" hangingPunct="0">
+              <a:spcBef>
+                <a:spcPct val="0"/>
+              </a:spcBef>
+              <a:spcAft>
+                <a:spcPct val="0"/>
+              </a:spcAft>
+              <a:buClr>
+                <a:srgbClr val="000000"/>
+              </a:buClr>
+              <a:buSzPct val="100000"/>
+              <a:buFont typeface="Times New Roman" charset="0"/>
+              <a:tabLst>
+                <a:tab pos="0" algn="l"/>
+                <a:tab pos="457200" algn="l"/>
+                <a:tab pos="914400" algn="l"/>
+                <a:tab pos="1371600" algn="l"/>
+                <a:tab pos="1828800" algn="l"/>
+                <a:tab pos="2286000" algn="l"/>
+                <a:tab pos="2743200" algn="l"/>
+                <a:tab pos="3200400" algn="l"/>
+                <a:tab pos="3657600" algn="l"/>
+                <a:tab pos="4114800" algn="l"/>
+                <a:tab pos="4572000" algn="l"/>
+                <a:tab pos="5029200" algn="l"/>
+                <a:tab pos="5486400" algn="l"/>
+                <a:tab pos="5943600" algn="l"/>
+                <a:tab pos="6400800" algn="l"/>
+                <a:tab pos="6858000" algn="l"/>
+                <a:tab pos="7315200" algn="l"/>
+                <a:tab pos="7772400" algn="l"/>
+                <a:tab pos="8229600" algn="l"/>
+                <a:tab pos="8686800" algn="l"/>
+                <a:tab pos="9144000" algn="l"/>
+              </a:tabLst>
+              <a:defRPr sz="2400" b="1">
+                <a:solidFill>
+                  <a:schemeClr val="bg1"/>
+                </a:solidFill>
+                <a:latin typeface="Arial" charset="0"/>
+                <a:ea typeface="ＭＳ Ｐゴシック" charset="0"/>
+              </a:defRPr>
+            </a:lvl9pPr>
+          </a:lstStyle>
+          <a:p>
+            <a:fld id="{704ACE0C-682E-6644-A081-278F26956198}" type="slidenum">
+              <a:rPr lang="en-US" sz="1200" b="0">
+                <a:solidFill>
+                  <a:srgbClr val="000000"/>
+                </a:solidFill>
+                <a:latin typeface="Times New Roman" charset="0"/>
+              </a:rPr>
+              <a:pPr/>
+              <a:t>2</a:t>
+            </a:fld>
+            <a:endParaRPr lang="en-US" sz="1200" b="0">
+              <a:solidFill>
+                <a:srgbClr val="000000"/>
+              </a:solidFill>
+              <a:latin typeface="Times New Roman" charset="0"/>
+            </a:endParaRPr>
+          </a:p>
+        </p:txBody>
+      </p:sp>
+      <p:sp>
+        <p:nvSpPr>
+          <p:cNvPr id="6145" name="Text Box 1"/>
+          <p:cNvSpPr>
+            <a:spLocks noChangeArrowheads="1" noTextEdit="1"/>
+          </p:cNvSpPr>
+          <p:nvPr>
+            <p:ph type="sldImg"/>
+          </p:nvPr>
+        </p:nvSpPr>
+        <p:spPr>
+          <a:xfrm>
+            <a:off x="1143000" y="693738"/>
+            <a:ext cx="4572000" cy="3429000"/>
+          </a:xfrm>
+          <a:solidFill>
+            <a:srgbClr val="FFFFFF"/>
+          </a:solidFill>
+          <a:ln>
+            <a:noFill/>
+          </a:ln>
+          <a:extLst>
+            <a:ext uri="{91240B29-F687-4f45-9708-019B960494DF}">
+              <a14:hiddenLine xmlns:a14="http://schemas.microsoft.com/office/drawing/2010/main" w="9360">
+                <a:solidFill>
+                  <a:srgbClr val="000000"/>
+                </a:solidFill>
+                <a:miter lim="800000"/>
+                <a:headEnd/>
+                <a:tailEnd/>
+              </a14:hiddenLine>
+            </a:ext>
+            <a:ext uri="{AF507438-7753-43e0-B8FC-AC1667EBCBE1}">
+              <a14:hiddenEffects xmlns:a14="http://schemas.microsoft.com/office/drawing/2010/main">
+                <a:effectLst>
+                  <a:outerShdw blurRad="63500" dist="38099" dir="2700000" algn="ctr" rotWithShape="0">
+                    <a:srgbClr val="000000">
+                      <a:alpha val="74997"/>
+                    </a:srgbClr>
+                  </a:outerShdw>
+                </a:effectLst>
+              </a14:hiddenEffects>
+            </a:ext>
+          </a:extLst>
+        </p:spPr>
+      </p:sp>
+      <p:sp>
+        <p:nvSpPr>
+          <p:cNvPr id="6146" name="Text Box 2"/>
+          <p:cNvSpPr>
+            <a:spLocks noChangeArrowheads="1"/>
+          </p:cNvSpPr>
+          <p:nvPr>
+            <p:ph type="body" idx="1"/>
+          </p:nvPr>
+        </p:nvSpPr>
+        <p:spPr>
+          <a:xfrm>
+            <a:off x="685800" y="4341813"/>
+            <a:ext cx="5487988" cy="4032250"/>
+          </a:xfrm>
+          <a:noFill/>
+          <a:ln/>
+          <a:extLst>
+            <a:ext uri="{91240B29-F687-4f45-9708-019B960494DF}">
+              <a14:hiddenLine xmlns:a14="http://schemas.microsoft.com/office/drawing/2010/main" w="9525">
+                <a:solidFill>
+                  <a:srgbClr val="000000"/>
+                </a:solidFill>
+                <a:round/>
+                <a:headEnd/>
+                <a:tailEnd/>
+              </a14:hiddenLine>
+            </a:ext>
+            <a:ext uri="{AF507438-7753-43e0-B8FC-AC1667EBCBE1}">
+              <a14:hiddenEffects xmlns:a14="http://schemas.microsoft.com/office/drawing/2010/main">
+                <a:effectLst>
+                  <a:outerShdw blurRad="63500" dist="38099" dir="2700000" algn="ctr" rotWithShape="0">
+                    <a:srgbClr val="000000">
+                      <a:alpha val="74997"/>
+                    </a:srgbClr>
+                  </a:outerShdw>
+                </a:effectLst>
+              </a14:hiddenEffects>
+            </a:ext>
+          </a:extLst>
+        </p:spPr>
+        <p:txBody>
+          <a:bodyPr wrap="none" anchor="ctr"/>
+          <a:lstStyle/>
+          <a:p>
+            <a:pPr>
+              <a:defRPr/>
+            </a:pPr>
+            <a:endParaRPr lang="en-US" dirty="0"/>
+          </a:p>
+        </p:txBody>
+      </p:sp>
+    </p:spTree>
+  </p:cSld>
+  <p:clrMapOvr>
+    <a:masterClrMapping/>
+  </p:clrMapOvr>
+</p:notes>
+</file>
+
+<file path=ppt/notesSlides/notesSlide3.xml><?xml version="1.0" encoding="utf-8"?>
+<p:notes xmlns:a="http://schemas.openxmlformats.org/drawingml/2006/main" xmlns:r="http://schemas.openxmlformats.org/officeDocument/2006/relationships" xmlns:p="http://schemas.openxmlformats.org/presentationml/2006/main">
+  <p:cSld>
+    <p:spTree>
+      <p:nvGrpSpPr>
+        <p:cNvPr id="1" name=""/>
+        <p:cNvGrpSpPr/>
+        <p:nvPr/>
+      </p:nvGrpSpPr>
+      <p:grpSpPr>
+        <a:xfrm>
+          <a:off x="0" y="0"/>
+          <a:ext cx="0" cy="0"/>
+          <a:chOff x="0" y="0"/>
+          <a:chExt cx="0" cy="0"/>
+        </a:xfrm>
+      </p:grpSpPr>
+      <p:sp>
+        <p:nvSpPr>
+          <p:cNvPr id="2" name="Slide Image Placeholder 1"/>
+          <p:cNvSpPr>
+            <a:spLocks noGrp="1" noRot="1" noChangeAspect="1"/>
+          </p:cNvSpPr>
+          <p:nvPr>
+            <p:ph type="sldImg"/>
+          </p:nvPr>
+        </p:nvSpPr>
+        <p:spPr/>
+      </p:sp>
+      <p:sp>
+        <p:nvSpPr>
+          <p:cNvPr id="3" name="Notes Placeholder 2"/>
+          <p:cNvSpPr>
+            <a:spLocks noGrp="1"/>
+          </p:cNvSpPr>
+          <p:nvPr>
+            <p:ph type="body" idx="1"/>
+          </p:nvPr>
+        </p:nvSpPr>
+        <p:spPr/>
+        <p:txBody>
+          <a:bodyPr/>
+          <a:lstStyle/>
+          <a:p>
+            <a:endParaRPr lang="en-US" dirty="0"/>
+          </a:p>
+        </p:txBody>
+      </p:sp>
+      <p:sp>
+        <p:nvSpPr>
+          <p:cNvPr id="4" name="Slide Number Placeholder 3"/>
+          <p:cNvSpPr>
+            <a:spLocks noGrp="1"/>
+          </p:cNvSpPr>
+          <p:nvPr>
+            <p:ph type="sldNum" sz="quarter" idx="10"/>
+          </p:nvPr>
+        </p:nvSpPr>
+        <p:spPr/>
+        <p:txBody>
+          <a:bodyPr/>
+          <a:lstStyle/>
+          <a:p>
+            <a:fld id="{ED46D96B-3F00-6F43-8F19-5E05A2390332}" type="slidenum">
+              <a:rPr lang="en-US" smtClean="0"/>
+              <a:t>3</a:t>
+            </a:fld>
+            <a:endParaRPr lang="en-US"/>
+          </a:p>
+        </p:txBody>
+      </p:sp>
+    </p:spTree>
+    <p:extLst>
+      <p:ext uri="{BB962C8B-B14F-4D97-AF65-F5344CB8AC3E}">
+        <p14:creationId xmlns:p14="http://schemas.microsoft.com/office/powerpoint/2010/main" val="1145669721"/>
+      </p:ext>
+    </p:extLst>
+  </p:cSld>
+  <p:clrMapOvr>
+    <a:masterClrMapping/>
+  </p:clrMapOvr>
+</p:notes>
+</file>
+
+<file path=ppt/notesSlides/notesSlide4.xml><?xml version="1.0" encoding="utf-8"?>
+<p:notes xmlns:a="http://schemas.openxmlformats.org/drawingml/2006/main" xmlns:r="http://schemas.openxmlformats.org/officeDocument/2006/relationships" xmlns:p="http://schemas.openxmlformats.org/presentationml/2006/main">
+  <p:cSld>
+    <p:spTree>
+      <p:nvGrpSpPr>
+        <p:cNvPr id="1" name=""/>
+        <p:cNvGrpSpPr/>
+        <p:nvPr/>
+      </p:nvGrpSpPr>
+      <p:grpSpPr>
+        <a:xfrm>
+          <a:off x="0" y="0"/>
+          <a:ext cx="0" cy="0"/>
+          <a:chOff x="0" y="0"/>
+          <a:chExt cx="0" cy="0"/>
+        </a:xfrm>
+      </p:grpSpPr>
+      <p:sp>
+        <p:nvSpPr>
+          <p:cNvPr id="2" name="Slide Image Placeholder 1"/>
+          <p:cNvSpPr>
+            <a:spLocks noGrp="1" noRot="1" noChangeAspect="1"/>
+          </p:cNvSpPr>
+          <p:nvPr>
+            <p:ph type="sldImg"/>
+          </p:nvPr>
+        </p:nvSpPr>
+        <p:spPr/>
+      </p:sp>
+      <p:sp>
+        <p:nvSpPr>
+          <p:cNvPr id="3" name="Notes Placeholder 2"/>
+          <p:cNvSpPr>
+            <a:spLocks noGrp="1"/>
+          </p:cNvSpPr>
+          <p:nvPr>
+            <p:ph type="body" idx="1"/>
+          </p:nvPr>
+        </p:nvSpPr>
+        <p:spPr/>
+        <p:txBody>
+          <a:bodyPr/>
+          <a:lstStyle/>
+          <a:p>
+            <a:endParaRPr lang="en-US" dirty="0"/>
+          </a:p>
+        </p:txBody>
+      </p:sp>
+      <p:sp>
+        <p:nvSpPr>
+          <p:cNvPr id="4" name="Slide Number Placeholder 3"/>
+          <p:cNvSpPr>
+            <a:spLocks noGrp="1"/>
+          </p:cNvSpPr>
+          <p:nvPr>
+            <p:ph type="sldNum" sz="quarter" idx="10"/>
+          </p:nvPr>
+        </p:nvSpPr>
+        <p:spPr/>
+        <p:txBody>
+          <a:bodyPr/>
+          <a:lstStyle/>
+          <a:p>
+            <a:fld id="{ED46D96B-3F00-6F43-8F19-5E05A2390332}" type="slidenum">
+              <a:rPr lang="en-US" smtClean="0"/>
+              <a:t>4</a:t>
+            </a:fld>
+            <a:endParaRPr lang="en-US"/>
+          </a:p>
+        </p:txBody>
+      </p:sp>
+    </p:spTree>
+    <p:extLst>
+      <p:ext uri="{BB962C8B-B14F-4D97-AF65-F5344CB8AC3E}">
+        <p14:creationId xmlns:p14="http://schemas.microsoft.com/office/powerpoint/2010/main" val="1145669721"/>
+      </p:ext>
+    </p:extLst>
+  </p:cSld>
+  <p:clrMapOvr>
+    <a:masterClrMapping/>
+  </p:clrMapOvr>
+</p:notes>
 </file>
 
 <file path=ppt/slideLayouts/slideLayout1.xml><?xml version="1.0" encoding="utf-8"?>
@@ -3100,55 +4299,405 @@
       </p:grpSpPr>
       <p:sp>
         <p:nvSpPr>
-          <p:cNvPr id="2" name="Title 1"/>
-          <p:cNvSpPr>
-            <a:spLocks noGrp="1"/>
-          </p:cNvSpPr>
-          <p:nvPr>
-            <p:ph type="title"/>
-          </p:nvPr>
+          <p:cNvPr id="195" name="CustomShape 2"/>
+          <p:cNvSpPr/>
+          <p:nvPr/>
         </p:nvSpPr>
         <p:spPr>
           <a:xfrm>
-            <a:off x="574160" y="218350"/>
-            <a:ext cx="7772400" cy="1470025"/>
+            <a:off x="1142910" y="3127320"/>
+            <a:ext cx="6857730" cy="396360"/>
           </a:xfrm>
+          <a:prstGeom prst="rect">
+            <a:avLst/>
+          </a:prstGeom>
+          <a:noFill/>
+          <a:ln>
+            <a:noFill/>
+          </a:ln>
         </p:spPr>
-        <p:txBody>
-          <a:bodyPr/>
+      </p:sp>
+      <p:sp>
+        <p:nvSpPr>
+          <p:cNvPr id="197" name="CustomShape 4"/>
+          <p:cNvSpPr/>
+          <p:nvPr/>
+        </p:nvSpPr>
+        <p:spPr>
+          <a:xfrm>
+            <a:off x="1142910" y="2928960"/>
+            <a:ext cx="6855300" cy="393480"/>
+          </a:xfrm>
+          <a:prstGeom prst="rect">
+            <a:avLst/>
+          </a:prstGeom>
+          <a:noFill/>
+          <a:ln>
+            <a:noFill/>
+          </a:ln>
+        </p:spPr>
+      </p:sp>
+      <p:grpSp>
+        <p:nvGrpSpPr>
+          <p:cNvPr id="3" name="Group 2"/>
+          <p:cNvGrpSpPr/>
+          <p:nvPr/>
+        </p:nvGrpSpPr>
+        <p:grpSpPr>
+          <a:xfrm>
+            <a:off x="1144260" y="831780"/>
+            <a:ext cx="6857730" cy="3261600"/>
+            <a:chOff x="1144260" y="458640"/>
+            <a:chExt cx="6857730" cy="3261600"/>
+          </a:xfrm>
+        </p:grpSpPr>
+        <p:sp>
+          <p:nvSpPr>
+            <p:cNvPr id="198" name="CustomShape 5"/>
+            <p:cNvSpPr/>
+            <p:nvPr/>
+          </p:nvSpPr>
+          <p:spPr>
+            <a:xfrm>
+              <a:off x="1144260" y="2857680"/>
+              <a:ext cx="6857730" cy="862560"/>
+            </a:xfrm>
+            <a:prstGeom prst="rect">
+              <a:avLst/>
+            </a:prstGeom>
+            <a:noFill/>
+            <a:ln>
+              <a:noFill/>
+            </a:ln>
+          </p:spPr>
+          <p:txBody>
+            <a:bodyPr lIns="90000" tIns="46800" rIns="90000" bIns="46800"/>
+            <a:lstStyle/>
+            <a:p>
+              <a:pPr algn="ctr">
+                <a:lnSpc>
+                  <a:spcPct val="100000"/>
+                </a:lnSpc>
+              </a:pPr>
+              <a:r>
+                <a:rPr lang="en-US" sz="2000" dirty="0">
+                  <a:solidFill>
+                    <a:srgbClr val="000000"/>
+                  </a:solidFill>
+                  <a:latin typeface="Arial"/>
+                  <a:ea typeface="MS PGothic"/>
+                </a:rPr>
+                <a:t>Department of Electrical and Computer Engineering (ECE)</a:t>
+              </a:r>
+              <a:endParaRPr dirty="0"/>
+            </a:p>
+            <a:p>
+              <a:pPr algn="ctr">
+                <a:lnSpc>
+                  <a:spcPct val="100000"/>
+                </a:lnSpc>
+              </a:pPr>
+              <a:endParaRPr dirty="0"/>
+            </a:p>
+          </p:txBody>
+        </p:sp>
+        <p:grpSp>
+          <p:nvGrpSpPr>
+            <p:cNvPr id="2" name="Group 1"/>
+            <p:cNvGrpSpPr/>
+            <p:nvPr/>
+          </p:nvGrpSpPr>
+          <p:grpSpPr>
+            <a:xfrm>
+              <a:off x="1144350" y="458640"/>
+              <a:ext cx="6855300" cy="2945520"/>
+              <a:chOff x="1142910" y="458640"/>
+              <a:chExt cx="6855300" cy="2945520"/>
+            </a:xfrm>
+          </p:grpSpPr>
+          <p:sp>
+            <p:nvSpPr>
+              <p:cNvPr id="194" name="CustomShape 1"/>
+              <p:cNvSpPr/>
+              <p:nvPr/>
+            </p:nvSpPr>
+            <p:spPr>
+              <a:xfrm>
+                <a:off x="1142910" y="1339920"/>
+                <a:ext cx="6850710" cy="1247400"/>
+              </a:xfrm>
+              <a:prstGeom prst="rect">
+                <a:avLst/>
+              </a:prstGeom>
+              <a:noFill/>
+              <a:ln>
+                <a:noFill/>
+              </a:ln>
+            </p:spPr>
+            <p:txBody>
+              <a:bodyPr lIns="90000" tIns="46800" rIns="90000" bIns="46800" anchor="ctr"/>
+              <a:lstStyle/>
+              <a:p>
+                <a:pPr algn="ctr">
+                  <a:lnSpc>
+                    <a:spcPct val="100000"/>
+                  </a:lnSpc>
+                </a:pPr>
+                <a:r>
+                  <a:rPr lang="en-US" sz="4000" dirty="0">
+                    <a:solidFill>
+                      <a:srgbClr val="24459C"/>
+                    </a:solidFill>
+                    <a:latin typeface="Arial"/>
+                    <a:ea typeface="MS PGothic"/>
+                  </a:rPr>
+                  <a:t>Digital Dash</a:t>
+                </a:r>
+                <a:endParaRPr dirty="0"/>
+              </a:p>
+            </p:txBody>
+          </p:sp>
+          <p:sp>
+            <p:nvSpPr>
+              <p:cNvPr id="196" name="CustomShape 3"/>
+              <p:cNvSpPr/>
+              <p:nvPr/>
+            </p:nvSpPr>
+            <p:spPr>
+              <a:xfrm>
+                <a:off x="1142910" y="2541600"/>
+                <a:ext cx="6855300" cy="862560"/>
+              </a:xfrm>
+              <a:prstGeom prst="rect">
+                <a:avLst/>
+              </a:prstGeom>
+              <a:noFill/>
+              <a:ln>
+                <a:noFill/>
+              </a:ln>
+            </p:spPr>
+            <p:txBody>
+              <a:bodyPr lIns="90000" tIns="46800" rIns="90000" bIns="46800"/>
+              <a:lstStyle/>
+              <a:p>
+                <a:pPr algn="ctr">
+                  <a:lnSpc>
+                    <a:spcPct val="100000"/>
+                  </a:lnSpc>
+                </a:pPr>
+                <a:r>
+                  <a:rPr lang="en-US" sz="2000">
+                    <a:solidFill>
+                      <a:srgbClr val="000000"/>
+                    </a:solidFill>
+                    <a:latin typeface="Arial"/>
+                    <a:ea typeface="MS PGothic"/>
+                  </a:rPr>
+                  <a:t>Portland State University</a:t>
+                </a:r>
+                <a:endParaRPr/>
+              </a:p>
+              <a:p>
+                <a:pPr algn="ctr">
+                  <a:lnSpc>
+                    <a:spcPct val="100000"/>
+                  </a:lnSpc>
+                </a:pPr>
+                <a:endParaRPr/>
+              </a:p>
+            </p:txBody>
+          </p:sp>
+          <p:sp>
+            <p:nvSpPr>
+              <p:cNvPr id="199" name="CustomShape 6"/>
+              <p:cNvSpPr/>
+              <p:nvPr/>
+            </p:nvSpPr>
+            <p:spPr>
+              <a:xfrm>
+                <a:off x="2158650" y="458640"/>
+                <a:ext cx="4803840" cy="685440"/>
+              </a:xfrm>
+              <a:prstGeom prst="rect">
+                <a:avLst/>
+              </a:prstGeom>
+              <a:noFill/>
+              <a:ln>
+                <a:noFill/>
+              </a:ln>
+            </p:spPr>
+            <p:txBody>
+              <a:bodyPr lIns="90000" tIns="46800" rIns="90000" bIns="46800"/>
+              <a:lstStyle/>
+              <a:p>
+                <a:pPr algn="ctr">
+                  <a:lnSpc>
+                    <a:spcPct val="100000"/>
+                  </a:lnSpc>
+                </a:pPr>
+                <a:r>
+                  <a:rPr lang="en-US">
+                    <a:solidFill>
+                      <a:srgbClr val="000000"/>
+                    </a:solidFill>
+                    <a:latin typeface="Arial"/>
+                    <a:ea typeface="MS PGothic"/>
+                  </a:rPr>
+                  <a:t>     Sean Koppenhafer, Jaime Rodriguez,</a:t>
+                </a:r>
+                <a:endParaRPr/>
+              </a:p>
+              <a:p>
+                <a:pPr algn="ctr">
+                  <a:lnSpc>
+                    <a:spcPct val="100000"/>
+                  </a:lnSpc>
+                </a:pPr>
+                <a:r>
+                  <a:rPr lang="en-US">
+                    <a:solidFill>
+                      <a:srgbClr val="000000"/>
+                    </a:solidFill>
+                    <a:latin typeface="Arial"/>
+                    <a:ea typeface="MS PGothic"/>
+                  </a:rPr>
+                  <a:t>Chad Thueson, Noah Erickson, Rishal Dass   </a:t>
+                </a:r>
+                <a:endParaRPr/>
+              </a:p>
+            </p:txBody>
+          </p:sp>
+        </p:grpSp>
+      </p:grpSp>
+      <p:sp>
+        <p:nvSpPr>
+          <p:cNvPr id="200" name="CustomShape 7"/>
+          <p:cNvSpPr/>
+          <p:nvPr/>
+        </p:nvSpPr>
+        <p:spPr>
+          <a:xfrm>
+            <a:off x="1153710" y="1077840"/>
+            <a:ext cx="6850710" cy="560160"/>
+          </a:xfrm>
+          <a:prstGeom prst="rect">
+            <a:avLst/>
+          </a:prstGeom>
+          <a:noFill/>
+          <a:ln>
+            <a:noFill/>
+          </a:ln>
+        </p:spPr>
+        <p:txBody>
+          <a:bodyPr lIns="90000" tIns="46800" rIns="90000" bIns="46800" anchor="ctr"/>
           <a:lstStyle/>
           <a:p>
-            <a:r>
-              <a:rPr lang="en-US" sz="2800" b="1" dirty="0" smtClean="0">
-                <a:solidFill>
-                  <a:srgbClr val="24459C"/>
-                </a:solidFill>
-                <a:latin typeface="Arial"/>
-                <a:ea typeface="MS PGothic"/>
-              </a:rPr>
-              <a:t>Prototype boards/Enclosure</a:t>
-            </a:r>
-            <a:r>
-              <a:rPr lang="en-US" dirty="0" smtClean="0"/>
-              <a:t/>
-            </a:r>
-            <a:br>
-              <a:rPr lang="en-US" dirty="0" smtClean="0"/>
-            </a:br>
-            <a:endParaRPr lang="en-US" dirty="0"/>
-          </a:p>
-        </p:txBody>
-      </p:sp>
-      <p:sp>
-        <p:nvSpPr>
-          <p:cNvPr id="10" name="TextBox 9"/>
+            <a:pPr algn="ctr">
+              <a:lnSpc>
+                <a:spcPct val="100000"/>
+              </a:lnSpc>
+            </a:pPr>
+            <a:endParaRPr dirty="0"/>
+          </a:p>
+        </p:txBody>
+      </p:sp>
+      <p:pic>
+        <p:nvPicPr>
+          <p:cNvPr id="6" name="Picture 5" descr="VikingMotorsports.jpg"/>
+          <p:cNvPicPr>
+            <a:picLocks noChangeAspect="1"/>
+          </p:cNvPicPr>
+          <p:nvPr/>
+        </p:nvPicPr>
+        <p:blipFill>
+          <a:blip r:embed="rId3">
+            <a:extLst>
+              <a:ext uri="{28A0092B-C50C-407E-A947-70E740481C1C}">
+                <a14:useLocalDpi xmlns:a14="http://schemas.microsoft.com/office/drawing/2010/main" val="0"/>
+              </a:ext>
+            </a:extLst>
+          </a:blip>
+          <a:stretch>
+            <a:fillRect/>
+          </a:stretch>
+        </p:blipFill>
+        <p:spPr>
+          <a:xfrm>
+            <a:off x="2719043" y="3803454"/>
+            <a:ext cx="3708165" cy="2966532"/>
+          </a:xfrm>
+          <a:prstGeom prst="rect">
+            <a:avLst/>
+          </a:prstGeom>
+        </p:spPr>
+      </p:pic>
+    </p:spTree>
+    <p:extLst>
+      <p:ext uri="{BB962C8B-B14F-4D97-AF65-F5344CB8AC3E}">
+        <p14:creationId xmlns:p14="http://schemas.microsoft.com/office/powerpoint/2010/main" val="78907428"/>
+      </p:ext>
+    </p:extLst>
+  </p:cSld>
+  <p:clrMapOvr>
+    <a:masterClrMapping/>
+  </p:clrMapOvr>
+  <p:timing>
+    <p:tnLst>
+      <p:par>
+        <p:cTn xmlns:p14="http://schemas.microsoft.com/office/powerpoint/2010/main" id="1" dur="indefinite" restart="never" nodeType="tmRoot">
+          <p:childTnLst>
+            <p:seq>
+              <p:cTn id="2" dur="indefinite" nodeType="mainSeq"/>
+              <p:prevCondLst>
+                <p:cond evt="onPrev" delay="0">
+                  <p:tgtEl>
+                    <p:sldTgt/>
+                  </p:tgtEl>
+                </p:cond>
+              </p:prevCondLst>
+              <p:nextCondLst>
+                <p:cond evt="onNext" delay="0">
+                  <p:tgtEl>
+                    <p:sldTgt/>
+                  </p:tgtEl>
+                </p:cond>
+              </p:nextCondLst>
+            </p:seq>
+          </p:childTnLst>
+        </p:cTn>
+      </p:par>
+    </p:tnLst>
+  </p:timing>
+</p:sld>
+</file>
+
+<file path=ppt/slides/slide10.xml><?xml version="1.0" encoding="utf-8"?>
+<p:sld xmlns:a="http://schemas.openxmlformats.org/drawingml/2006/main" xmlns:r="http://schemas.openxmlformats.org/officeDocument/2006/relationships" xmlns:p="http://schemas.openxmlformats.org/presentationml/2006/main">
+  <p:cSld>
+    <p:spTree>
+      <p:nvGrpSpPr>
+        <p:cNvPr id="1" name=""/>
+        <p:cNvGrpSpPr/>
+        <p:nvPr/>
+      </p:nvGrpSpPr>
+      <p:grpSpPr>
+        <a:xfrm>
+          <a:off x="0" y="0"/>
+          <a:ext cx="0" cy="0"/>
+          <a:chOff x="0" y="0"/>
+          <a:chExt cx="0" cy="0"/>
+        </a:xfrm>
+      </p:grpSpPr>
+      <p:sp>
+        <p:nvSpPr>
+          <p:cNvPr id="5" name="TextBox 4"/>
           <p:cNvSpPr txBox="1"/>
           <p:nvPr/>
         </p:nvSpPr>
         <p:spPr>
           <a:xfrm>
-            <a:off x="3814597" y="2318415"/>
-            <a:ext cx="4354589" cy="2585323"/>
+            <a:off x="457110" y="1187638"/>
+            <a:ext cx="4246235" cy="5647699"/>
           </a:xfrm>
           <a:prstGeom prst="rect">
             <a:avLst/>
@@ -3161,55 +4710,20 @@
           </a:bodyPr>
           <a:lstStyle/>
           <a:p>
-            <a:r>
-              <a:rPr lang="en-US" sz="2000" b="1" dirty="0" smtClean="0">
-                <a:solidFill>
-                  <a:srgbClr val="000000"/>
-                </a:solidFill>
-                <a:ea typeface="MS PGothic"/>
-              </a:rPr>
-              <a:t>      Final board has been ORDERED</a:t>
-            </a:r>
-          </a:p>
-          <a:p>
-            <a:pPr marL="800100" lvl="1" indent="-342900">
+            <a:pPr marL="342900" indent="-342900">
               <a:buFont typeface="Arial" panose="020B0604020202020204" pitchFamily="34" charset="0"/>
               <a:buChar char="•"/>
             </a:pPr>
             <a:r>
-              <a:rPr lang="en-US" dirty="0" smtClean="0">
+              <a:rPr lang="en-US" sz="1900" b="1" dirty="0" smtClean="0">
                 <a:solidFill>
                   <a:srgbClr val="000000"/>
                 </a:solidFill>
                 <a:ea typeface="MS PGothic"/>
               </a:rPr>
-              <a:t>Cost: $35.95</a:t>
-            </a:r>
-          </a:p>
-          <a:p>
-            <a:pPr marL="800100" lvl="1" indent="-342900">
-              <a:buFont typeface="Arial" panose="020B0604020202020204" pitchFamily="34" charset="0"/>
-              <a:buChar char="•"/>
-            </a:pPr>
-            <a:r>
-              <a:rPr lang="en-US" dirty="0" smtClean="0">
-                <a:solidFill>
-                  <a:srgbClr val="000000"/>
-                </a:solidFill>
-                <a:ea typeface="MS PGothic"/>
-              </a:rPr>
-              <a:t>Has been sent off to fabrication (notified by </a:t>
-            </a:r>
-            <a:r>
-              <a:rPr lang="en-US" smtClean="0">
-                <a:solidFill>
-                  <a:srgbClr val="000000"/>
-                </a:solidFill>
-                <a:ea typeface="MS PGothic"/>
-              </a:rPr>
-              <a:t>OSH Park)</a:t>
-            </a:r>
-            <a:endParaRPr lang="en-US" dirty="0" smtClean="0">
+              <a:t>Why a custom PCB?</a:t>
+            </a:r>
+            <a:endParaRPr lang="en-US" sz="1900" dirty="0" smtClean="0">
               <a:solidFill>
                 <a:srgbClr val="000000"/>
               </a:solidFill>
@@ -3222,13 +4736,13 @@
               <a:buChar char="•"/>
             </a:pPr>
             <a:r>
-              <a:rPr lang="en-US" dirty="0" smtClean="0">
+              <a:rPr lang="en-US" sz="1900" dirty="0" smtClean="0">
                 <a:solidFill>
                   <a:srgbClr val="000000"/>
                 </a:solidFill>
                 <a:ea typeface="MS PGothic"/>
               </a:rPr>
-              <a:t>May take 2 weeks to deliver</a:t>
+              <a:t>Cut down on total dash board size</a:t>
             </a:r>
           </a:p>
           <a:p>
@@ -3236,22 +4750,7 @@
               <a:buFont typeface="Arial" panose="020B0604020202020204" pitchFamily="34" charset="0"/>
               <a:buChar char="•"/>
             </a:pPr>
-            <a:r>
-              <a:rPr lang="en-US" dirty="0" smtClean="0">
-                <a:solidFill>
-                  <a:srgbClr val="000000"/>
-                </a:solidFill>
-                <a:ea typeface="MS PGothic"/>
-              </a:rPr>
-              <a:t>Already have components for final board</a:t>
-            </a:r>
-          </a:p>
-          <a:p>
-            <a:pPr marL="800100" lvl="1" indent="-342900">
-              <a:buFont typeface="Arial" panose="020B0604020202020204" pitchFamily="34" charset="0"/>
-              <a:buChar char="•"/>
-            </a:pPr>
-            <a:endParaRPr lang="en-US" dirty="0">
+            <a:endParaRPr lang="en-US" sz="1900" dirty="0" smtClean="0">
               <a:solidFill>
                 <a:srgbClr val="000000"/>
               </a:solidFill>
@@ -3259,19 +4758,524 @@
             </a:endParaRPr>
           </a:p>
           <a:p>
-            <a:pPr lvl="1"/>
-            <a:endParaRPr lang="en-US" sz="1600" dirty="0" smtClean="0">
+            <a:pPr marL="800100" lvl="1" indent="-342900">
+              <a:buFont typeface="Arial" panose="020B0604020202020204" pitchFamily="34" charset="0"/>
+              <a:buChar char="•"/>
+            </a:pPr>
+            <a:r>
+              <a:rPr lang="en-US" sz="1900" dirty="0" smtClean="0">
+                <a:solidFill>
+                  <a:srgbClr val="000000"/>
+                </a:solidFill>
+                <a:ea typeface="MS PGothic"/>
+              </a:rPr>
+              <a:t>Designed to plug directly into the back of the screen module</a:t>
+            </a:r>
+          </a:p>
+          <a:p>
+            <a:pPr marL="800100" lvl="1" indent="-342900">
+              <a:buFont typeface="Arial" panose="020B0604020202020204" pitchFamily="34" charset="0"/>
+              <a:buChar char="•"/>
+            </a:pPr>
+            <a:endParaRPr lang="en-US" sz="1900" dirty="0" smtClean="0">
               <a:solidFill>
                 <a:srgbClr val="000000"/>
               </a:solidFill>
               <a:ea typeface="MS PGothic"/>
             </a:endParaRPr>
           </a:p>
+          <a:p>
+            <a:pPr marL="342900" indent="-342900">
+              <a:buFont typeface="Arial" panose="020B0604020202020204" pitchFamily="34" charset="0"/>
+              <a:buChar char="•"/>
+            </a:pPr>
+            <a:r>
+              <a:rPr lang="en-US" sz="1900" b="1" dirty="0" smtClean="0">
+                <a:solidFill>
+                  <a:srgbClr val="000000"/>
+                </a:solidFill>
+                <a:ea typeface="MS PGothic"/>
+              </a:rPr>
+              <a:t>Components</a:t>
+            </a:r>
+          </a:p>
+          <a:p>
+            <a:pPr marL="800100" lvl="1" indent="-342900">
+              <a:buFont typeface="Arial" panose="020B0604020202020204" pitchFamily="34" charset="0"/>
+              <a:buChar char="•"/>
+            </a:pPr>
+            <a:r>
+              <a:rPr lang="en-US" sz="1900" dirty="0" smtClean="0">
+                <a:solidFill>
+                  <a:srgbClr val="000000"/>
+                </a:solidFill>
+                <a:ea typeface="MS PGothic"/>
+              </a:rPr>
+              <a:t>Contains the essentials of an </a:t>
+            </a:r>
+            <a:r>
+              <a:rPr lang="en-US" sz="1900" dirty="0" err="1" smtClean="0">
+                <a:solidFill>
+                  <a:srgbClr val="000000"/>
+                </a:solidFill>
+                <a:ea typeface="MS PGothic"/>
+              </a:rPr>
+              <a:t>Arduino</a:t>
+            </a:r>
+            <a:r>
+              <a:rPr lang="en-US" sz="1900" dirty="0" smtClean="0">
+                <a:solidFill>
+                  <a:srgbClr val="000000"/>
+                </a:solidFill>
+                <a:ea typeface="MS PGothic"/>
+              </a:rPr>
+              <a:t> Due and the prototype power board with CAN transceivers</a:t>
+            </a:r>
+          </a:p>
+          <a:p>
+            <a:pPr marL="800100" lvl="1" indent="-342900">
+              <a:buFont typeface="Arial" panose="020B0604020202020204" pitchFamily="34" charset="0"/>
+              <a:buChar char="•"/>
+            </a:pPr>
+            <a:endParaRPr lang="en-US" sz="1900" dirty="0" smtClean="0">
+              <a:solidFill>
+                <a:srgbClr val="000000"/>
+              </a:solidFill>
+              <a:ea typeface="MS PGothic"/>
+            </a:endParaRPr>
+          </a:p>
+          <a:p>
+            <a:pPr marL="342900" indent="-342900">
+              <a:buFont typeface="Arial" panose="020B0604020202020204" pitchFamily="34" charset="0"/>
+              <a:buChar char="•"/>
+            </a:pPr>
+            <a:r>
+              <a:rPr lang="en-US" sz="1900" b="1" dirty="0">
+                <a:solidFill>
+                  <a:srgbClr val="000000"/>
+                </a:solidFill>
+                <a:ea typeface="MS PGothic"/>
+              </a:rPr>
+              <a:t>Other Details</a:t>
+            </a:r>
+          </a:p>
+          <a:p>
+            <a:pPr marL="800100" lvl="1" indent="-342900">
+              <a:buFont typeface="Arial" panose="020B0604020202020204" pitchFamily="34" charset="0"/>
+              <a:buChar char="•"/>
+            </a:pPr>
+            <a:r>
+              <a:rPr lang="en-US" sz="1900" dirty="0">
+                <a:solidFill>
+                  <a:srgbClr val="000000"/>
+                </a:solidFill>
+                <a:ea typeface="MS PGothic"/>
+              </a:rPr>
+              <a:t>Manufactured by OSH </a:t>
+            </a:r>
+            <a:r>
+              <a:rPr lang="en-US" sz="1900" dirty="0" smtClean="0">
+                <a:solidFill>
+                  <a:srgbClr val="000000"/>
+                </a:solidFill>
+                <a:ea typeface="MS PGothic"/>
+              </a:rPr>
+              <a:t>Park</a:t>
+            </a:r>
+          </a:p>
+          <a:p>
+            <a:pPr marL="800100" lvl="1" indent="-342900">
+              <a:buFont typeface="Arial" panose="020B0604020202020204" pitchFamily="34" charset="0"/>
+              <a:buChar char="•"/>
+            </a:pPr>
+            <a:endParaRPr lang="en-US" sz="1900" dirty="0">
+              <a:solidFill>
+                <a:srgbClr val="000000"/>
+              </a:solidFill>
+              <a:ea typeface="MS PGothic"/>
+            </a:endParaRPr>
+          </a:p>
+          <a:p>
+            <a:pPr marL="800100" lvl="1" indent="-342900">
+              <a:buFont typeface="Arial" panose="020B0604020202020204" pitchFamily="34" charset="0"/>
+              <a:buChar char="•"/>
+            </a:pPr>
+            <a:r>
+              <a:rPr lang="en-US" sz="1900" dirty="0">
+                <a:solidFill>
+                  <a:srgbClr val="000000"/>
+                </a:solidFill>
+                <a:ea typeface="MS PGothic"/>
+              </a:rPr>
+              <a:t>3 boards were </a:t>
+            </a:r>
+            <a:r>
+              <a:rPr lang="en-US" sz="1900" dirty="0" smtClean="0">
+                <a:solidFill>
+                  <a:srgbClr val="000000"/>
+                </a:solidFill>
+                <a:ea typeface="MS PGothic"/>
+              </a:rPr>
+              <a:t>manufactured</a:t>
+            </a:r>
+            <a:endParaRPr lang="en-US" sz="1900" dirty="0">
+              <a:solidFill>
+                <a:srgbClr val="000000"/>
+              </a:solidFill>
+              <a:ea typeface="MS PGothic"/>
+            </a:endParaRPr>
+          </a:p>
+          <a:p>
+            <a:pPr marL="800100" lvl="1" indent="-342900">
+              <a:buFont typeface="Arial" panose="020B0604020202020204" pitchFamily="34" charset="0"/>
+              <a:buChar char="•"/>
+            </a:pPr>
+            <a:endParaRPr lang="en-US" sz="1900" dirty="0">
+              <a:solidFill>
+                <a:srgbClr val="000000"/>
+              </a:solidFill>
+              <a:ea typeface="MS PGothic"/>
+            </a:endParaRPr>
+          </a:p>
+          <a:p>
+            <a:pPr lvl="1"/>
+            <a:endParaRPr lang="en-US" sz="1900" dirty="0" smtClean="0">
+              <a:solidFill>
+                <a:srgbClr val="000000"/>
+              </a:solidFill>
+              <a:ea typeface="MS PGothic"/>
+            </a:endParaRPr>
+          </a:p>
+        </p:txBody>
+      </p:sp>
+      <p:sp>
+        <p:nvSpPr>
+          <p:cNvPr id="6" name="TextShape 1"/>
+          <p:cNvSpPr txBox="1"/>
+          <p:nvPr/>
+        </p:nvSpPr>
+        <p:spPr>
+          <a:xfrm>
+            <a:off x="457110" y="44998"/>
+            <a:ext cx="8229330" cy="1142640"/>
+          </a:xfrm>
+          <a:prstGeom prst="rect">
+            <a:avLst/>
+          </a:prstGeom>
+        </p:spPr>
+        <p:txBody>
+          <a:bodyPr lIns="90000" tIns="46800" rIns="90000" bIns="46800" anchor="ctr"/>
+          <a:lstStyle/>
+          <a:p>
+            <a:pPr>
+              <a:lnSpc>
+                <a:spcPct val="100000"/>
+              </a:lnSpc>
+            </a:pPr>
+            <a:r>
+              <a:rPr lang="en-US" sz="2800" b="1" dirty="0" smtClean="0">
+                <a:solidFill>
+                  <a:srgbClr val="24459C"/>
+                </a:solidFill>
+                <a:latin typeface="Arial"/>
+                <a:ea typeface="MS PGothic"/>
+              </a:rPr>
+              <a:t>Custom PCB</a:t>
+            </a:r>
+            <a:endParaRPr dirty="0"/>
+          </a:p>
+        </p:txBody>
+      </p:sp>
+      <p:sp>
+        <p:nvSpPr>
+          <p:cNvPr id="7" name="TextBox 6"/>
+          <p:cNvSpPr txBox="1"/>
+          <p:nvPr/>
+        </p:nvSpPr>
+        <p:spPr>
+          <a:xfrm>
+            <a:off x="5539425" y="1604308"/>
+            <a:ext cx="3147015" cy="646331"/>
+          </a:xfrm>
+          <a:prstGeom prst="rect">
+            <a:avLst/>
+          </a:prstGeom>
+          <a:noFill/>
+        </p:spPr>
+        <p:txBody>
+          <a:bodyPr wrap="none" rtlCol="0">
+            <a:spAutoFit/>
+          </a:bodyPr>
+          <a:lstStyle/>
+          <a:p>
+            <a:r>
+              <a:rPr lang="en-US" dirty="0" smtClean="0">
+                <a:solidFill>
+                  <a:srgbClr val="FF0000"/>
+                </a:solidFill>
+              </a:rPr>
+              <a:t>Include a side by side picture of</a:t>
+            </a:r>
+            <a:br>
+              <a:rPr lang="en-US" dirty="0" smtClean="0">
+                <a:solidFill>
+                  <a:srgbClr val="FF0000"/>
+                </a:solidFill>
+              </a:rPr>
+            </a:br>
+            <a:r>
+              <a:rPr lang="en-US" dirty="0" smtClean="0">
+                <a:solidFill>
+                  <a:srgbClr val="FF0000"/>
+                </a:solidFill>
+              </a:rPr>
+              <a:t> the </a:t>
+            </a:r>
+            <a:r>
+              <a:rPr lang="en-US" dirty="0" err="1" smtClean="0">
+                <a:solidFill>
+                  <a:srgbClr val="FF0000"/>
+                </a:solidFill>
+              </a:rPr>
+              <a:t>Arduino</a:t>
+            </a:r>
+            <a:r>
+              <a:rPr lang="en-US" dirty="0" smtClean="0">
+                <a:solidFill>
+                  <a:srgbClr val="FF0000"/>
+                </a:solidFill>
+              </a:rPr>
+              <a:t> Due size </a:t>
+            </a:r>
+            <a:r>
+              <a:rPr lang="en-US" dirty="0" err="1" smtClean="0">
+                <a:solidFill>
+                  <a:srgbClr val="FF0000"/>
+                </a:solidFill>
+              </a:rPr>
+              <a:t>vs</a:t>
+            </a:r>
+            <a:r>
+              <a:rPr lang="en-US" dirty="0" smtClean="0">
+                <a:solidFill>
+                  <a:srgbClr val="FF0000"/>
+                </a:solidFill>
+              </a:rPr>
+              <a:t> PCB</a:t>
+            </a:r>
+            <a:endParaRPr lang="en-US" dirty="0">
+              <a:solidFill>
+                <a:srgbClr val="FF0000"/>
+              </a:solidFill>
+            </a:endParaRPr>
+          </a:p>
+        </p:txBody>
+      </p:sp>
+    </p:spTree>
+    <p:extLst>
+      <p:ext uri="{BB962C8B-B14F-4D97-AF65-F5344CB8AC3E}">
+        <p14:creationId xmlns:p14="http://schemas.microsoft.com/office/powerpoint/2010/main" val="2153466265"/>
+      </p:ext>
+    </p:extLst>
+  </p:cSld>
+  <p:clrMapOvr>
+    <a:masterClrMapping/>
+  </p:clrMapOvr>
+</p:sld>
+</file>
+
+<file path=ppt/slides/slide11.xml><?xml version="1.0" encoding="utf-8"?>
+<p:sld xmlns:a="http://schemas.openxmlformats.org/drawingml/2006/main" xmlns:r="http://schemas.openxmlformats.org/officeDocument/2006/relationships" xmlns:p="http://schemas.openxmlformats.org/presentationml/2006/main">
+  <p:cSld>
+    <p:spTree>
+      <p:nvGrpSpPr>
+        <p:cNvPr id="1" name=""/>
+        <p:cNvGrpSpPr/>
+        <p:nvPr/>
+      </p:nvGrpSpPr>
+      <p:grpSpPr>
+        <a:xfrm>
+          <a:off x="0" y="0"/>
+          <a:ext cx="0" cy="0"/>
+          <a:chOff x="0" y="0"/>
+          <a:chExt cx="0" cy="0"/>
+        </a:xfrm>
+      </p:grpSpPr>
+      <p:sp>
+        <p:nvSpPr>
+          <p:cNvPr id="5" name="TextBox 4"/>
+          <p:cNvSpPr txBox="1"/>
+          <p:nvPr/>
+        </p:nvSpPr>
+        <p:spPr>
+          <a:xfrm>
+            <a:off x="457110" y="1187638"/>
+            <a:ext cx="4246235" cy="2431435"/>
+          </a:xfrm>
+          <a:prstGeom prst="rect">
+            <a:avLst/>
+          </a:prstGeom>
+          <a:noFill/>
+        </p:spPr>
+        <p:txBody>
+          <a:bodyPr wrap="square" rtlCol="0">
+            <a:spAutoFit/>
+          </a:bodyPr>
+          <a:lstStyle/>
+          <a:p>
+            <a:pPr marL="342900" indent="-342900">
+              <a:buFont typeface="Arial" panose="020B0604020202020204" pitchFamily="34" charset="0"/>
+              <a:buChar char="•"/>
+            </a:pPr>
+            <a:r>
+              <a:rPr lang="en-US" sz="1900" b="1" dirty="0" smtClean="0">
+                <a:solidFill>
+                  <a:srgbClr val="000000"/>
+                </a:solidFill>
+                <a:ea typeface="MS PGothic"/>
+              </a:rPr>
+              <a:t>Requirements</a:t>
+            </a:r>
+          </a:p>
+          <a:p>
+            <a:pPr marL="800100" lvl="1" indent="-342900">
+              <a:buFont typeface="Arial" panose="020B0604020202020204" pitchFamily="34" charset="0"/>
+              <a:buChar char="•"/>
+            </a:pPr>
+            <a:r>
+              <a:rPr lang="en-US" sz="1900" dirty="0" smtClean="0">
+                <a:solidFill>
+                  <a:srgbClr val="000000"/>
+                </a:solidFill>
+                <a:ea typeface="MS PGothic"/>
+              </a:rPr>
+              <a:t>Waterproof</a:t>
+            </a:r>
+          </a:p>
+          <a:p>
+            <a:pPr marL="800100" lvl="1" indent="-342900">
+              <a:buFont typeface="Arial" panose="020B0604020202020204" pitchFamily="34" charset="0"/>
+              <a:buChar char="•"/>
+            </a:pPr>
+            <a:endParaRPr lang="en-US" sz="1900" dirty="0" smtClean="0">
+              <a:solidFill>
+                <a:srgbClr val="000000"/>
+              </a:solidFill>
+              <a:ea typeface="MS PGothic"/>
+            </a:endParaRPr>
+          </a:p>
+          <a:p>
+            <a:pPr marL="342900" indent="-342900">
+              <a:buFont typeface="Arial" panose="020B0604020202020204" pitchFamily="34" charset="0"/>
+              <a:buChar char="•"/>
+            </a:pPr>
+            <a:r>
+              <a:rPr lang="en-US" sz="1900" b="1" dirty="0" smtClean="0">
+                <a:solidFill>
+                  <a:srgbClr val="000000"/>
+                </a:solidFill>
+                <a:ea typeface="MS PGothic"/>
+              </a:rPr>
+              <a:t>Dimensions</a:t>
+            </a:r>
+            <a:endParaRPr lang="en-US" sz="1900" dirty="0" smtClean="0">
+              <a:solidFill>
+                <a:srgbClr val="000000"/>
+              </a:solidFill>
+              <a:ea typeface="MS PGothic"/>
+            </a:endParaRPr>
+          </a:p>
+          <a:p>
+            <a:pPr marL="800100" lvl="1" indent="-342900">
+              <a:buFont typeface="Arial" panose="020B0604020202020204" pitchFamily="34" charset="0"/>
+              <a:buChar char="•"/>
+            </a:pPr>
+            <a:r>
+              <a:rPr lang="en-US" sz="1900" dirty="0" smtClean="0">
+                <a:solidFill>
+                  <a:srgbClr val="000000"/>
+                </a:solidFill>
+                <a:ea typeface="MS PGothic"/>
+              </a:rPr>
+              <a:t>Must be low profile to fit in dash</a:t>
+            </a:r>
+            <a:endParaRPr lang="en-US" sz="1900" dirty="0">
+              <a:solidFill>
+                <a:srgbClr val="000000"/>
+              </a:solidFill>
+              <a:ea typeface="MS PGothic"/>
+            </a:endParaRPr>
+          </a:p>
+          <a:p>
+            <a:pPr marL="800100" lvl="1" indent="-342900">
+              <a:buFont typeface="Arial" panose="020B0604020202020204" pitchFamily="34" charset="0"/>
+              <a:buChar char="•"/>
+            </a:pPr>
+            <a:endParaRPr lang="en-US" sz="1900" dirty="0" smtClean="0">
+              <a:solidFill>
+                <a:srgbClr val="000000"/>
+              </a:solidFill>
+              <a:ea typeface="MS PGothic"/>
+            </a:endParaRPr>
+          </a:p>
+          <a:p>
+            <a:pPr marL="800100" lvl="1" indent="-342900">
+              <a:buFont typeface="Arial" panose="020B0604020202020204" pitchFamily="34" charset="0"/>
+              <a:buChar char="•"/>
+            </a:pPr>
+            <a:r>
+              <a:rPr lang="en-US" sz="1900" dirty="0" smtClean="0">
+                <a:solidFill>
+                  <a:srgbClr val="000000"/>
+                </a:solidFill>
+                <a:ea typeface="MS PGothic"/>
+              </a:rPr>
+              <a:t>Viewing angle is a bit awkward, through the steering wheel</a:t>
+            </a:r>
+          </a:p>
+        </p:txBody>
+      </p:sp>
+      <p:sp>
+        <p:nvSpPr>
+          <p:cNvPr id="6" name="TextShape 1"/>
+          <p:cNvSpPr txBox="1"/>
+          <p:nvPr/>
+        </p:nvSpPr>
+        <p:spPr>
+          <a:xfrm>
+            <a:off x="457110" y="44998"/>
+            <a:ext cx="8229330" cy="1142640"/>
+          </a:xfrm>
+          <a:prstGeom prst="rect">
+            <a:avLst/>
+          </a:prstGeom>
+        </p:spPr>
+        <p:txBody>
+          <a:bodyPr lIns="90000" tIns="46800" rIns="90000" bIns="46800" anchor="ctr"/>
+          <a:lstStyle/>
+          <a:p>
+            <a:pPr>
+              <a:lnSpc>
+                <a:spcPct val="100000"/>
+              </a:lnSpc>
+            </a:pPr>
+            <a:r>
+              <a:rPr lang="en-US" sz="2800" b="1" dirty="0" smtClean="0">
+                <a:solidFill>
+                  <a:srgbClr val="24459C"/>
+                </a:solidFill>
+                <a:latin typeface="Arial"/>
+                <a:ea typeface="MS PGothic"/>
+              </a:rPr>
+              <a:t>Final Enclosure</a:t>
+            </a:r>
+            <a:endParaRPr dirty="0"/>
+          </a:p>
         </p:txBody>
       </p:sp>
       <p:pic>
         <p:nvPicPr>
-          <p:cNvPr id="1026" name="Picture 2" descr="C:\Users\Rishal\Documents\DigitalDash\images\Board_PICS\Top.png"/>
+          <p:cNvPr id="8" name="Picture 4"/>
           <p:cNvPicPr>
             <a:picLocks noChangeAspect="1" noChangeArrowheads="1"/>
           </p:cNvPicPr>
@@ -3285,20 +5289,123 @@
               </a:ext>
             </a:extLst>
           </a:blip>
+          <a:srcRect t="23772" b="9256"/>
+          <a:stretch>
+            <a:fillRect/>
+          </a:stretch>
+        </p:blipFill>
+        <p:spPr bwMode="auto">
+          <a:xfrm>
+            <a:off x="5151438" y="4356100"/>
+            <a:ext cx="3465512" cy="1739900"/>
+          </a:xfrm>
+          <a:prstGeom prst="rect">
+            <a:avLst/>
+          </a:prstGeom>
+          <a:noFill/>
+          <a:ln>
+            <a:noFill/>
+          </a:ln>
+          <a:effectLst/>
+          <a:extLst>
+            <a:ext uri="{909E8E84-426E-40dd-AFC4-6F175D3DCCD1}">
+              <a14:hiddenFill xmlns:a14="http://schemas.microsoft.com/office/drawing/2010/main">
+                <a:blipFill dpi="0" rotWithShape="0">
+                  <a:blip/>
+                  <a:srcRect t="23772" b="9256"/>
+                  <a:stretch>
+                    <a:fillRect/>
+                  </a:stretch>
+                </a:blipFill>
+              </a14:hiddenFill>
+            </a:ext>
+            <a:ext uri="{91240B29-F687-4f45-9708-019B960494DF}">
+              <a14:hiddenLine xmlns:a14="http://schemas.microsoft.com/office/drawing/2010/main" w="9525">
+                <a:solidFill>
+                  <a:srgbClr val="3465A4"/>
+                </a:solidFill>
+                <a:round/>
+                <a:headEnd/>
+                <a:tailEnd/>
+              </a14:hiddenLine>
+            </a:ext>
+            <a:ext uri="{AF507438-7753-43e0-B8FC-AC1667EBCBE1}">
+              <a14:hiddenEffects xmlns:a14="http://schemas.microsoft.com/office/drawing/2010/main">
+                <a:effectLst>
+                  <a:outerShdw blurRad="63500" dist="38099" dir="2700000" algn="ctr" rotWithShape="0">
+                    <a:srgbClr val="000000">
+                      <a:alpha val="74997"/>
+                    </a:srgbClr>
+                  </a:outerShdw>
+                </a:effectLst>
+              </a14:hiddenEffects>
+            </a:ext>
+          </a:extLst>
+        </p:spPr>
+      </p:pic>
+      <p:pic>
+        <p:nvPicPr>
+          <p:cNvPr id="9" name="Picture 8" descr="Screen Shot 2015-03-31 at 3.00.46 PM.png"/>
+          <p:cNvPicPr>
+            <a:picLocks noChangeAspect="1"/>
+          </p:cNvPicPr>
+          <p:nvPr/>
+        </p:nvPicPr>
+        <p:blipFill>
+          <a:blip r:embed="rId3">
+            <a:extLst>
+              <a:ext uri="{28A0092B-C50C-407E-A947-70E740481C1C}">
+                <a14:useLocalDpi xmlns:a14="http://schemas.microsoft.com/office/drawing/2010/main" val="0"/>
+              </a:ext>
+            </a:extLst>
+          </a:blip>
+          <a:stretch>
+            <a:fillRect/>
+          </a:stretch>
+        </p:blipFill>
+        <p:spPr>
+          <a:xfrm>
+            <a:off x="343557" y="4026778"/>
+            <a:ext cx="3922147" cy="2683797"/>
+          </a:xfrm>
+          <a:prstGeom prst="rect">
+            <a:avLst/>
+          </a:prstGeom>
+        </p:spPr>
+      </p:pic>
+      <p:pic>
+        <p:nvPicPr>
+          <p:cNvPr id="10" name="Picture 1" descr="EV2.JPG"/>
+          <p:cNvPicPr>
+            <a:picLocks noChangeAspect="1"/>
+          </p:cNvPicPr>
+          <p:nvPr/>
+        </p:nvPicPr>
+        <p:blipFill>
+          <a:blip r:embed="rId4">
+            <a:extLst>
+              <a:ext uri="{28A0092B-C50C-407E-A947-70E740481C1C}">
+                <a14:useLocalDpi xmlns:a14="http://schemas.microsoft.com/office/drawing/2010/main" val="0"/>
+              </a:ext>
+            </a:extLst>
+          </a:blip>
           <a:srcRect/>
           <a:stretch>
             <a:fillRect/>
           </a:stretch>
         </p:blipFill>
         <p:spPr bwMode="auto">
-          <a:xfrm rot="5400000">
-            <a:off x="-245268" y="2559173"/>
-            <a:ext cx="4762500" cy="2343150"/>
+          <a:xfrm>
+            <a:off x="5590971" y="597481"/>
+            <a:ext cx="2635785" cy="3514380"/>
           </a:xfrm>
           <a:prstGeom prst="rect">
             <a:avLst/>
           </a:prstGeom>
           <a:noFill/>
+          <a:ln>
+            <a:noFill/>
+          </a:ln>
           <a:extLst>
             <a:ext uri="{909E8E84-426E-40dd-AFC4-6F175D3DCCD1}">
               <a14:hiddenFill xmlns:a14="http://schemas.microsoft.com/office/drawing/2010/main">
@@ -3306,6 +5413,16 @@
                   <a:srgbClr val="FFFFFF"/>
                 </a:solidFill>
               </a14:hiddenFill>
+            </a:ext>
+            <a:ext uri="{91240B29-F687-4f45-9708-019B960494DF}">
+              <a14:hiddenLine xmlns:a14="http://schemas.microsoft.com/office/drawing/2010/main" w="9525">
+                <a:solidFill>
+                  <a:srgbClr val="000000"/>
+                </a:solidFill>
+                <a:miter lim="800000"/>
+                <a:headEnd/>
+                <a:tailEnd/>
+              </a14:hiddenLine>
             </a:ext>
           </a:extLst>
         </p:spPr>
@@ -3313,7 +5430,275 @@
     </p:spTree>
     <p:extLst>
       <p:ext uri="{BB962C8B-B14F-4D97-AF65-F5344CB8AC3E}">
-        <p14:creationId xmlns:p14="http://schemas.microsoft.com/office/powerpoint/2010/main" val="2153466265"/>
+        <p14:creationId xmlns:p14="http://schemas.microsoft.com/office/powerpoint/2010/main" val="3827495067"/>
+      </p:ext>
+    </p:extLst>
+  </p:cSld>
+  <p:clrMapOvr>
+    <a:masterClrMapping/>
+  </p:clrMapOvr>
+</p:sld>
+</file>
+
+<file path=ppt/slides/slide12.xml><?xml version="1.0" encoding="utf-8"?>
+<p:sld xmlns:a="http://schemas.openxmlformats.org/drawingml/2006/main" xmlns:r="http://schemas.openxmlformats.org/officeDocument/2006/relationships" xmlns:p="http://schemas.openxmlformats.org/presentationml/2006/main">
+  <p:cSld>
+    <p:spTree>
+      <p:nvGrpSpPr>
+        <p:cNvPr id="1" name=""/>
+        <p:cNvGrpSpPr/>
+        <p:nvPr/>
+      </p:nvGrpSpPr>
+      <p:grpSpPr>
+        <a:xfrm>
+          <a:off x="0" y="0"/>
+          <a:ext cx="0" cy="0"/>
+          <a:chOff x="0" y="0"/>
+          <a:chExt cx="0" cy="0"/>
+        </a:xfrm>
+      </p:grpSpPr>
+      <p:sp>
+        <p:nvSpPr>
+          <p:cNvPr id="5" name="TextBox 4"/>
+          <p:cNvSpPr txBox="1"/>
+          <p:nvPr/>
+        </p:nvSpPr>
+        <p:spPr>
+          <a:xfrm>
+            <a:off x="457110" y="1187638"/>
+            <a:ext cx="4694328" cy="4185761"/>
+          </a:xfrm>
+          <a:prstGeom prst="rect">
+            <a:avLst/>
+          </a:prstGeom>
+          <a:noFill/>
+        </p:spPr>
+        <p:txBody>
+          <a:bodyPr wrap="square" rtlCol="0">
+            <a:spAutoFit/>
+          </a:bodyPr>
+          <a:lstStyle/>
+          <a:p>
+            <a:pPr marL="342900" indent="-342900">
+              <a:buFont typeface="Arial" panose="020B0604020202020204" pitchFamily="34" charset="0"/>
+              <a:buChar char="•"/>
+            </a:pPr>
+            <a:r>
+              <a:rPr lang="en-US" sz="1900" b="1" dirty="0" smtClean="0">
+                <a:solidFill>
+                  <a:srgbClr val="000000"/>
+                </a:solidFill>
+                <a:ea typeface="MS PGothic"/>
+              </a:rPr>
+              <a:t>Unit </a:t>
+            </a:r>
+            <a:r>
+              <a:rPr lang="en-US" sz="1900" b="1" dirty="0">
+                <a:solidFill>
+                  <a:srgbClr val="000000"/>
+                </a:solidFill>
+                <a:ea typeface="MS PGothic"/>
+              </a:rPr>
+              <a:t>C</a:t>
+            </a:r>
+            <a:r>
+              <a:rPr lang="en-US" sz="1900" b="1" dirty="0" smtClean="0">
+                <a:solidFill>
+                  <a:srgbClr val="000000"/>
+                </a:solidFill>
+                <a:ea typeface="MS PGothic"/>
+              </a:rPr>
+              <a:t>reated to Simulate Car</a:t>
+            </a:r>
+          </a:p>
+          <a:p>
+            <a:pPr marL="800100" lvl="1" indent="-342900">
+              <a:buFont typeface="Arial" panose="020B0604020202020204" pitchFamily="34" charset="0"/>
+              <a:buChar char="•"/>
+            </a:pPr>
+            <a:r>
+              <a:rPr lang="en-US" sz="1900" dirty="0" smtClean="0">
+                <a:solidFill>
+                  <a:srgbClr val="000000"/>
+                </a:solidFill>
+                <a:ea typeface="MS PGothic"/>
+              </a:rPr>
+              <a:t>Runs off the </a:t>
+            </a:r>
+            <a:r>
+              <a:rPr lang="en-US" sz="1900" dirty="0" err="1" smtClean="0">
+                <a:solidFill>
+                  <a:srgbClr val="000000"/>
+                </a:solidFill>
+                <a:ea typeface="MS PGothic"/>
+              </a:rPr>
+              <a:t>Arduino</a:t>
+            </a:r>
+            <a:r>
+              <a:rPr lang="en-US" sz="1900" dirty="0" smtClean="0">
+                <a:solidFill>
+                  <a:srgbClr val="000000"/>
+                </a:solidFill>
+                <a:ea typeface="MS PGothic"/>
+              </a:rPr>
+              <a:t> Due used for prototyping</a:t>
+            </a:r>
+          </a:p>
+          <a:p>
+            <a:pPr marL="800100" lvl="1" indent="-342900">
+              <a:buFont typeface="Arial" panose="020B0604020202020204" pitchFamily="34" charset="0"/>
+              <a:buChar char="•"/>
+            </a:pPr>
+            <a:endParaRPr lang="en-US" sz="1900" dirty="0" smtClean="0">
+              <a:solidFill>
+                <a:srgbClr val="000000"/>
+              </a:solidFill>
+              <a:ea typeface="MS PGothic"/>
+            </a:endParaRPr>
+          </a:p>
+          <a:p>
+            <a:pPr marL="800100" lvl="1" indent="-342900">
+              <a:buFont typeface="Arial" panose="020B0604020202020204" pitchFamily="34" charset="0"/>
+              <a:buChar char="•"/>
+            </a:pPr>
+            <a:r>
+              <a:rPr lang="en-US" sz="1900" dirty="0" smtClean="0">
+                <a:solidFill>
+                  <a:srgbClr val="000000"/>
+                </a:solidFill>
+                <a:ea typeface="MS PGothic"/>
+              </a:rPr>
+              <a:t>Will be used to demonstrate project</a:t>
+            </a:r>
+          </a:p>
+          <a:p>
+            <a:pPr marL="800100" lvl="1" indent="-342900">
+              <a:buFont typeface="Arial" panose="020B0604020202020204" pitchFamily="34" charset="0"/>
+              <a:buChar char="•"/>
+            </a:pPr>
+            <a:endParaRPr lang="en-US" sz="1900" dirty="0" smtClean="0">
+              <a:solidFill>
+                <a:srgbClr val="000000"/>
+              </a:solidFill>
+              <a:ea typeface="MS PGothic"/>
+            </a:endParaRPr>
+          </a:p>
+          <a:p>
+            <a:pPr marL="342900" indent="-342900">
+              <a:buFont typeface="Arial" panose="020B0604020202020204" pitchFamily="34" charset="0"/>
+              <a:buChar char="•"/>
+            </a:pPr>
+            <a:r>
+              <a:rPr lang="en-US" sz="1900" b="1" dirty="0" smtClean="0">
+                <a:solidFill>
+                  <a:srgbClr val="000000"/>
+                </a:solidFill>
+                <a:ea typeface="MS PGothic"/>
+              </a:rPr>
+              <a:t>Hardware</a:t>
+            </a:r>
+          </a:p>
+          <a:p>
+            <a:pPr marL="800100" lvl="1" indent="-342900">
+              <a:buFont typeface="Arial" panose="020B0604020202020204" pitchFamily="34" charset="0"/>
+              <a:buChar char="•"/>
+            </a:pPr>
+            <a:r>
+              <a:rPr lang="en-US" sz="1900" dirty="0" smtClean="0">
+                <a:solidFill>
+                  <a:srgbClr val="000000"/>
+                </a:solidFill>
+                <a:ea typeface="MS PGothic"/>
+              </a:rPr>
+              <a:t>Potentiometers and buttons to simulate functionality of the car</a:t>
+            </a:r>
+          </a:p>
+          <a:p>
+            <a:pPr marL="800100" lvl="1" indent="-342900">
+              <a:buFont typeface="Arial" panose="020B0604020202020204" pitchFamily="34" charset="0"/>
+              <a:buChar char="•"/>
+            </a:pPr>
+            <a:endParaRPr lang="en-US" sz="1900" dirty="0" smtClean="0">
+              <a:solidFill>
+                <a:srgbClr val="000000"/>
+              </a:solidFill>
+              <a:ea typeface="MS PGothic"/>
+            </a:endParaRPr>
+          </a:p>
+          <a:p>
+            <a:pPr marL="342900" indent="-342900">
+              <a:buFont typeface="Arial" panose="020B0604020202020204" pitchFamily="34" charset="0"/>
+              <a:buChar char="•"/>
+            </a:pPr>
+            <a:r>
+              <a:rPr lang="en-US" sz="1900" b="1" dirty="0" smtClean="0">
+                <a:solidFill>
+                  <a:srgbClr val="000000"/>
+                </a:solidFill>
+                <a:ea typeface="MS PGothic"/>
+              </a:rPr>
+              <a:t>Software</a:t>
+            </a:r>
+          </a:p>
+          <a:p>
+            <a:pPr marL="800100" lvl="1" indent="-342900">
+              <a:buFont typeface="Arial" panose="020B0604020202020204" pitchFamily="34" charset="0"/>
+              <a:buChar char="•"/>
+            </a:pPr>
+            <a:r>
+              <a:rPr lang="en-US" sz="1900" dirty="0" smtClean="0">
+                <a:solidFill>
+                  <a:srgbClr val="000000"/>
+                </a:solidFill>
+                <a:ea typeface="MS PGothic"/>
+              </a:rPr>
+              <a:t>Sends input data from potentiometers and buttons to the digital dash unit</a:t>
+            </a:r>
+          </a:p>
+        </p:txBody>
+      </p:sp>
+      <p:sp>
+        <p:nvSpPr>
+          <p:cNvPr id="6" name="TextShape 1"/>
+          <p:cNvSpPr txBox="1"/>
+          <p:nvPr/>
+        </p:nvSpPr>
+        <p:spPr>
+          <a:xfrm>
+            <a:off x="457110" y="44998"/>
+            <a:ext cx="8229330" cy="1142640"/>
+          </a:xfrm>
+          <a:prstGeom prst="rect">
+            <a:avLst/>
+          </a:prstGeom>
+        </p:spPr>
+        <p:txBody>
+          <a:bodyPr lIns="90000" tIns="46800" rIns="90000" bIns="46800" anchor="ctr"/>
+          <a:lstStyle/>
+          <a:p>
+            <a:pPr>
+              <a:lnSpc>
+                <a:spcPct val="100000"/>
+              </a:lnSpc>
+            </a:pPr>
+            <a:r>
+              <a:rPr lang="en-US" sz="2800" b="1" dirty="0" smtClean="0">
+                <a:solidFill>
+                  <a:srgbClr val="24459C"/>
+                </a:solidFill>
+                <a:latin typeface="Arial"/>
+                <a:ea typeface="MS PGothic"/>
+              </a:rPr>
+              <a:t>Demonstration Unit</a:t>
+            </a:r>
+            <a:endParaRPr dirty="0"/>
+          </a:p>
+        </p:txBody>
+      </p:sp>
+    </p:spTree>
+    <p:extLst>
+      <p:ext uri="{BB962C8B-B14F-4D97-AF65-F5344CB8AC3E}">
+        <p14:creationId xmlns:p14="http://schemas.microsoft.com/office/powerpoint/2010/main" val="3927358649"/>
       </p:ext>
     </p:extLst>
   </p:cSld>
@@ -3342,129 +5727,183 @@
       </p:grpSpPr>
       <p:sp>
         <p:nvSpPr>
-          <p:cNvPr id="201" name="TextShape 1"/>
-          <p:cNvSpPr txBox="1"/>
-          <p:nvPr/>
+          <p:cNvPr id="3074" name="Rectangle 2"/>
+          <p:cNvSpPr>
+            <a:spLocks noGrp="1" noChangeArrowheads="1"/>
+          </p:cNvSpPr>
+          <p:nvPr>
+            <p:ph type="body" idx="1"/>
+          </p:nvPr>
         </p:nvSpPr>
         <p:spPr>
           <a:xfrm>
-            <a:off x="457110" y="94145"/>
-            <a:ext cx="8229330" cy="1142640"/>
+            <a:off x="481013" y="1036638"/>
+            <a:ext cx="8228012" cy="4445000"/>
           </a:xfrm>
-          <a:prstGeom prst="rect">
-            <a:avLst/>
-          </a:prstGeom>
         </p:spPr>
         <p:txBody>
-          <a:bodyPr lIns="90000" tIns="46800" rIns="90000" bIns="46800" anchor="ctr"/>
-          <a:lstStyle/>
-          <a:p>
-            <a:pPr algn="ctr">
-              <a:lnSpc>
-                <a:spcPct val="100000"/>
-              </a:lnSpc>
-            </a:pPr>
-            <a:r>
-              <a:rPr lang="en-US" sz="2800" b="1" dirty="0" smtClean="0">
-                <a:solidFill>
-                  <a:srgbClr val="24459C"/>
-                </a:solidFill>
-                <a:latin typeface="Arial"/>
-                <a:ea typeface="MS PGothic"/>
-              </a:rPr>
-              <a:t>Demo Code</a:t>
-            </a:r>
-            <a:endParaRPr dirty="0"/>
-          </a:p>
-        </p:txBody>
-      </p:sp>
-      <p:sp>
-        <p:nvSpPr>
-          <p:cNvPr id="5" name="TextBox 4"/>
-          <p:cNvSpPr txBox="1"/>
-          <p:nvPr/>
-        </p:nvSpPr>
-        <p:spPr>
-          <a:xfrm>
-            <a:off x="3317871" y="1504377"/>
-            <a:ext cx="4707308" cy="3477875"/>
-          </a:xfrm>
-          <a:prstGeom prst="rect">
-            <a:avLst/>
-          </a:prstGeom>
-          <a:noFill/>
-        </p:spPr>
-        <p:txBody>
-          <a:bodyPr wrap="square" rtlCol="0">
-            <a:spAutoFit/>
+          <a:bodyPr>
+            <a:normAutofit/>
           </a:bodyPr>
           <a:lstStyle/>
           <a:p>
-            <a:pPr marL="342900" indent="-342900">
-              <a:buFont typeface="Arial" panose="020B0604020202020204" pitchFamily="34" charset="0"/>
-              <a:buChar char="•"/>
+            <a:pPr marL="391686" indent="-293764">
+              <a:buSzPct val="45000"/>
+              <a:buFont typeface="Wingdings" charset="0"/>
+              <a:buChar char=""/>
+              <a:tabLst>
+                <a:tab pos="656650" algn="l"/>
+                <a:tab pos="1313299" algn="l"/>
+                <a:tab pos="1969949" algn="l"/>
+                <a:tab pos="2626599" algn="l"/>
+                <a:tab pos="3283248" algn="l"/>
+                <a:tab pos="3939898" algn="l"/>
+                <a:tab pos="4596548" algn="l"/>
+                <a:tab pos="5253198" algn="l"/>
+                <a:tab pos="5909847" algn="l"/>
+                <a:tab pos="6566497" algn="l"/>
+                <a:tab pos="7223147" algn="l"/>
+                <a:tab pos="7879796" algn="l"/>
+              </a:tabLst>
+              <a:defRPr/>
             </a:pPr>
             <a:r>
-              <a:rPr lang="en-US" sz="2000" dirty="0" smtClean="0"/>
-              <a:t>Wrote code to test our system, if by chance EV Car is not completed on time</a:t>
-            </a:r>
-          </a:p>
-          <a:p>
-            <a:endParaRPr lang="en-US" sz="2000" dirty="0" smtClean="0"/>
-          </a:p>
-          <a:p>
-            <a:pPr marL="342900" indent="-342900">
-              <a:buFont typeface="Arial" panose="020B0604020202020204" pitchFamily="34" charset="0"/>
-              <a:buChar char="•"/>
+              <a:rPr lang="en-US" sz="2000" dirty="0">
+                <a:cs typeface="+mn-cs"/>
+              </a:rPr>
+              <a:t>Electric systems add complexity and a traditional LED dash won't suffice</a:t>
+            </a:r>
+          </a:p>
+          <a:p>
+            <a:pPr marL="391686" indent="-293764">
+              <a:buSzPct val="45000"/>
+              <a:buFont typeface="Wingdings" charset="0"/>
+              <a:buChar char=""/>
+              <a:tabLst>
+                <a:tab pos="656650" algn="l"/>
+                <a:tab pos="1313299" algn="l"/>
+                <a:tab pos="1969949" algn="l"/>
+                <a:tab pos="2626599" algn="l"/>
+                <a:tab pos="3283248" algn="l"/>
+                <a:tab pos="3939898" algn="l"/>
+                <a:tab pos="4596548" algn="l"/>
+                <a:tab pos="5253198" algn="l"/>
+                <a:tab pos="5909847" algn="l"/>
+                <a:tab pos="6566497" algn="l"/>
+                <a:tab pos="7223147" algn="l"/>
+                <a:tab pos="7879796" algn="l"/>
+              </a:tabLst>
+              <a:defRPr/>
             </a:pPr>
-            <a:r>
-              <a:rPr lang="en-US" sz="2000" dirty="0" smtClean="0"/>
-              <a:t>When testing with EVCU, we are not getting any data from the RMS line.</a:t>
-            </a:r>
-          </a:p>
-          <a:p>
-            <a:pPr marL="342900" indent="-342900">
-              <a:buFont typeface="Arial" panose="020B0604020202020204" pitchFamily="34" charset="0"/>
-              <a:buChar char="•"/>
+            <a:endParaRPr lang="en-US" sz="2000" dirty="0" smtClean="0">
+              <a:cs typeface="+mn-cs"/>
+            </a:endParaRPr>
+          </a:p>
+          <a:p>
+            <a:pPr marL="391686" indent="-293764">
+              <a:buSzPct val="45000"/>
+              <a:buFont typeface="Wingdings" charset="0"/>
+              <a:buChar char=""/>
+              <a:tabLst>
+                <a:tab pos="656650" algn="l"/>
+                <a:tab pos="1313299" algn="l"/>
+                <a:tab pos="1969949" algn="l"/>
+                <a:tab pos="2626599" algn="l"/>
+                <a:tab pos="3283248" algn="l"/>
+                <a:tab pos="3939898" algn="l"/>
+                <a:tab pos="4596548" algn="l"/>
+                <a:tab pos="5253198" algn="l"/>
+                <a:tab pos="5909847" algn="l"/>
+                <a:tab pos="6566497" algn="l"/>
+                <a:tab pos="7223147" algn="l"/>
+                <a:tab pos="7879796" algn="l"/>
+              </a:tabLst>
+              <a:defRPr/>
             </a:pPr>
-            <a:endParaRPr lang="en-US" sz="2000" dirty="0" smtClean="0"/>
-          </a:p>
-          <a:p>
-            <a:pPr marL="342900" indent="-342900">
-              <a:buFont typeface="Arial" panose="020B0604020202020204" pitchFamily="34" charset="0"/>
-              <a:buChar char="•"/>
+            <a:r>
+              <a:rPr lang="en-US" sz="2000" dirty="0" smtClean="0">
+                <a:cs typeface="+mn-cs"/>
+              </a:rPr>
+              <a:t>Drivers </a:t>
+            </a:r>
+            <a:r>
+              <a:rPr lang="en-US" sz="2000" dirty="0">
+                <a:cs typeface="+mn-cs"/>
+              </a:rPr>
+              <a:t>must be aware of system faults and </a:t>
+            </a:r>
+            <a:r>
+              <a:rPr lang="en-US" sz="2000" dirty="0" smtClean="0">
+                <a:cs typeface="+mn-cs"/>
+              </a:rPr>
+              <a:t>warnings</a:t>
+            </a:r>
+          </a:p>
+          <a:p>
+            <a:pPr marL="391686" indent="-293764">
+              <a:buSzPct val="45000"/>
+              <a:buFont typeface="Wingdings" charset="0"/>
+              <a:buChar char=""/>
+              <a:tabLst>
+                <a:tab pos="656650" algn="l"/>
+                <a:tab pos="1313299" algn="l"/>
+                <a:tab pos="1969949" algn="l"/>
+                <a:tab pos="2626599" algn="l"/>
+                <a:tab pos="3283248" algn="l"/>
+                <a:tab pos="3939898" algn="l"/>
+                <a:tab pos="4596548" algn="l"/>
+                <a:tab pos="5253198" algn="l"/>
+                <a:tab pos="5909847" algn="l"/>
+                <a:tab pos="6566497" algn="l"/>
+                <a:tab pos="7223147" algn="l"/>
+                <a:tab pos="7879796" algn="l"/>
+              </a:tabLst>
+              <a:defRPr/>
             </a:pPr>
-            <a:r>
-              <a:rPr lang="en-US" sz="2000" dirty="0" smtClean="0"/>
-              <a:t>We don’t know if the connected car had other components that worked with EVCU</a:t>
-            </a:r>
-          </a:p>
-          <a:p>
-            <a:pPr marL="342900" indent="-342900">
-              <a:buFont typeface="Arial" panose="020B0604020202020204" pitchFamily="34" charset="0"/>
-              <a:buChar char="•"/>
+            <a:endParaRPr lang="en-US" sz="2000" dirty="0">
+              <a:cs typeface="+mn-cs"/>
+            </a:endParaRPr>
+          </a:p>
+          <a:p>
+            <a:pPr marL="391686" indent="-293764">
+              <a:buSzPct val="45000"/>
+              <a:buFont typeface="Wingdings" charset="0"/>
+              <a:buChar char=""/>
+              <a:tabLst>
+                <a:tab pos="656650" algn="l"/>
+                <a:tab pos="1313299" algn="l"/>
+                <a:tab pos="1969949" algn="l"/>
+                <a:tab pos="2626599" algn="l"/>
+                <a:tab pos="3283248" algn="l"/>
+                <a:tab pos="3939898" algn="l"/>
+                <a:tab pos="4596548" algn="l"/>
+                <a:tab pos="5253198" algn="l"/>
+                <a:tab pos="5909847" algn="l"/>
+                <a:tab pos="6566497" algn="l"/>
+                <a:tab pos="7223147" algn="l"/>
+                <a:tab pos="7879796" algn="l"/>
+              </a:tabLst>
+              <a:defRPr/>
             </a:pPr>
-            <a:endParaRPr lang="en-US" sz="2000" dirty="0"/>
-          </a:p>
-          <a:p>
-            <a:pPr marL="342900" indent="-342900">
-              <a:buFont typeface="Arial" panose="020B0604020202020204" pitchFamily="34" charset="0"/>
-              <a:buChar char="•"/>
-            </a:pPr>
-            <a:endParaRPr lang="en-US" sz="2000" dirty="0" smtClean="0"/>
+            <a:r>
+              <a:rPr lang="en-US" sz="2000" dirty="0">
+                <a:cs typeface="+mn-cs"/>
+              </a:rPr>
+              <a:t>An LCD Dashboard must be created to accommodate additional electrical systems</a:t>
+            </a:r>
           </a:p>
         </p:txBody>
       </p:sp>
       <p:pic>
         <p:nvPicPr>
-          <p:cNvPr id="1026" name="Picture 2" descr="http://blog.arduino.cc/wp-content/uploads/2013/07/Arduino_logo_pantone.png"/>
+          <p:cNvPr id="3075" name="Picture 3"/>
           <p:cNvPicPr>
             <a:picLocks noChangeAspect="1" noChangeArrowheads="1"/>
           </p:cNvPicPr>
           <p:nvPr/>
         </p:nvPicPr>
         <p:blipFill>
-          <a:blip r:embed="rId2">
+          <a:blip r:embed="rId3">
             <a:extLst>
               <a:ext uri="{28A0092B-C50C-407E-A947-70E740481C1C}">
                 <a14:useLocalDpi xmlns:a14="http://schemas.microsoft.com/office/drawing/2010/main" val="0"/>
@@ -3478,41 +5917,710 @@
         </p:blipFill>
         <p:spPr bwMode="auto">
           <a:xfrm>
-            <a:off x="116682" y="328247"/>
-            <a:ext cx="3164681" cy="4210050"/>
+            <a:off x="838200" y="4191000"/>
+            <a:ext cx="3368675" cy="2114550"/>
           </a:xfrm>
           <a:prstGeom prst="rect">
             <a:avLst/>
           </a:prstGeom>
           <a:noFill/>
+          <a:ln>
+            <a:noFill/>
+          </a:ln>
+          <a:effectLst/>
           <a:extLst>
             <a:ext uri="{909E8E84-426E-40dd-AFC4-6F175D3DCCD1}">
               <a14:hiddenFill xmlns:a14="http://schemas.microsoft.com/office/drawing/2010/main">
-                <a:solidFill>
-                  <a:srgbClr val="FFFFFF"/>
-                </a:solidFill>
+                <a:blipFill dpi="0" rotWithShape="0">
+                  <a:blip/>
+                  <a:srcRect/>
+                  <a:stretch>
+                    <a:fillRect/>
+                  </a:stretch>
+                </a:blipFill>
               </a14:hiddenFill>
+            </a:ext>
+            <a:ext uri="{91240B29-F687-4f45-9708-019B960494DF}">
+              <a14:hiddenLine xmlns:a14="http://schemas.microsoft.com/office/drawing/2010/main" w="9525">
+                <a:solidFill>
+                  <a:srgbClr val="000000"/>
+                </a:solidFill>
+                <a:round/>
+                <a:headEnd/>
+                <a:tailEnd/>
+              </a14:hiddenLine>
+            </a:ext>
+            <a:ext uri="{AF507438-7753-43e0-B8FC-AC1667EBCBE1}">
+              <a14:hiddenEffects xmlns:a14="http://schemas.microsoft.com/office/drawing/2010/main">
+                <a:effectLst>
+                  <a:outerShdw blurRad="63500" dist="38099" dir="2700000" algn="ctr" rotWithShape="0">
+                    <a:srgbClr val="000000">
+                      <a:alpha val="74997"/>
+                    </a:srgbClr>
+                  </a:outerShdw>
+                </a:effectLst>
+              </a14:hiddenEffects>
             </a:ext>
           </a:extLst>
         </p:spPr>
       </p:pic>
+      <p:pic>
+        <p:nvPicPr>
+          <p:cNvPr id="3076" name="Picture 4"/>
+          <p:cNvPicPr>
+            <a:picLocks noChangeAspect="1" noChangeArrowheads="1"/>
+          </p:cNvPicPr>
+          <p:nvPr/>
+        </p:nvPicPr>
+        <p:blipFill>
+          <a:blip r:embed="rId4">
+            <a:extLst>
+              <a:ext uri="{28A0092B-C50C-407E-A947-70E740481C1C}">
+                <a14:useLocalDpi xmlns:a14="http://schemas.microsoft.com/office/drawing/2010/main" val="0"/>
+              </a:ext>
+            </a:extLst>
+          </a:blip>
+          <a:srcRect/>
+          <a:stretch>
+            <a:fillRect/>
+          </a:stretch>
+        </p:blipFill>
+        <p:spPr bwMode="auto">
+          <a:xfrm>
+            <a:off x="4800600" y="4038600"/>
+            <a:ext cx="3046413" cy="1879600"/>
+          </a:xfrm>
+          <a:prstGeom prst="rect">
+            <a:avLst/>
+          </a:prstGeom>
+          <a:noFill/>
+          <a:ln>
+            <a:noFill/>
+          </a:ln>
+          <a:effectLst/>
+          <a:extLst>
+            <a:ext uri="{909E8E84-426E-40dd-AFC4-6F175D3DCCD1}">
+              <a14:hiddenFill xmlns:a14="http://schemas.microsoft.com/office/drawing/2010/main">
+                <a:blipFill dpi="0" rotWithShape="0">
+                  <a:blip/>
+                  <a:srcRect/>
+                  <a:stretch>
+                    <a:fillRect/>
+                  </a:stretch>
+                </a:blipFill>
+              </a14:hiddenFill>
+            </a:ext>
+            <a:ext uri="{91240B29-F687-4f45-9708-019B960494DF}">
+              <a14:hiddenLine xmlns:a14="http://schemas.microsoft.com/office/drawing/2010/main" w="9525">
+                <a:solidFill>
+                  <a:srgbClr val="000000"/>
+                </a:solidFill>
+                <a:round/>
+                <a:headEnd/>
+                <a:tailEnd/>
+              </a14:hiddenLine>
+            </a:ext>
+            <a:ext uri="{AF507438-7753-43e0-B8FC-AC1667EBCBE1}">
+              <a14:hiddenEffects xmlns:a14="http://schemas.microsoft.com/office/drawing/2010/main">
+                <a:effectLst>
+                  <a:outerShdw blurRad="63500" dist="38099" dir="2700000" algn="ctr" rotWithShape="0">
+                    <a:srgbClr val="000000">
+                      <a:alpha val="74997"/>
+                    </a:srgbClr>
+                  </a:outerShdw>
+                </a:effectLst>
+              </a14:hiddenEffects>
+            </a:ext>
+          </a:extLst>
+        </p:spPr>
+      </p:pic>
+      <p:sp>
+        <p:nvSpPr>
+          <p:cNvPr id="3077" name="Text Box 5"/>
+          <p:cNvSpPr txBox="1">
+            <a:spLocks noChangeArrowheads="1"/>
+          </p:cNvSpPr>
+          <p:nvPr/>
+        </p:nvSpPr>
+        <p:spPr bwMode="auto">
+          <a:xfrm>
+            <a:off x="762000" y="3886200"/>
+            <a:ext cx="3657600" cy="304800"/>
+          </a:xfrm>
+          <a:prstGeom prst="rect">
+            <a:avLst/>
+          </a:prstGeom>
+          <a:noFill/>
+          <a:ln>
+            <a:noFill/>
+          </a:ln>
+          <a:effectLst/>
+          <a:extLst>
+            <a:ext uri="{909E8E84-426E-40dd-AFC4-6F175D3DCCD1}">
+              <a14:hiddenFill xmlns:a14="http://schemas.microsoft.com/office/drawing/2010/main">
+                <a:solidFill>
+                  <a:srgbClr val="FFFFFF"/>
+                </a:solidFill>
+              </a14:hiddenFill>
+            </a:ext>
+            <a:ext uri="{91240B29-F687-4f45-9708-019B960494DF}">
+              <a14:hiddenLine xmlns:a14="http://schemas.microsoft.com/office/drawing/2010/main" w="9525">
+                <a:solidFill>
+                  <a:srgbClr val="000000"/>
+                </a:solidFill>
+                <a:round/>
+                <a:headEnd/>
+                <a:tailEnd/>
+              </a14:hiddenLine>
+            </a:ext>
+            <a:ext uri="{AF507438-7753-43e0-B8FC-AC1667EBCBE1}">
+              <a14:hiddenEffects xmlns:a14="http://schemas.microsoft.com/office/drawing/2010/main">
+                <a:effectLst>
+                  <a:outerShdw blurRad="63500" dist="38099" dir="2700000" algn="ctr" rotWithShape="0">
+                    <a:srgbClr val="000000">
+                      <a:alpha val="74997"/>
+                    </a:srgbClr>
+                  </a:outerShdw>
+                </a:effectLst>
+              </a14:hiddenEffects>
+            </a:ext>
+          </a:extLst>
+        </p:spPr>
+        <p:txBody>
+          <a:bodyPr lIns="81639" tIns="55221" rIns="81639" bIns="40820"/>
+          <a:lstStyle>
+            <a:lvl1pPr>
+              <a:tabLst>
+                <a:tab pos="723900" algn="l"/>
+                <a:tab pos="1447800" algn="l"/>
+                <a:tab pos="2171700" algn="l"/>
+              </a:tabLst>
+              <a:defRPr>
+                <a:solidFill>
+                  <a:srgbClr val="000000"/>
+                </a:solidFill>
+                <a:latin typeface="Arial" charset="0"/>
+                <a:ea typeface="ＭＳ Ｐゴシック" charset="0"/>
+                <a:cs typeface="Arial Unicode MS" charset="0"/>
+              </a:defRPr>
+            </a:lvl1pPr>
+            <a:lvl2pPr>
+              <a:tabLst>
+                <a:tab pos="723900" algn="l"/>
+                <a:tab pos="1447800" algn="l"/>
+                <a:tab pos="2171700" algn="l"/>
+              </a:tabLst>
+              <a:defRPr>
+                <a:solidFill>
+                  <a:srgbClr val="000000"/>
+                </a:solidFill>
+                <a:latin typeface="Arial" charset="0"/>
+                <a:ea typeface="ＭＳ Ｐゴシック" charset="0"/>
+                <a:cs typeface="Arial Unicode MS" charset="0"/>
+              </a:defRPr>
+            </a:lvl2pPr>
+            <a:lvl3pPr>
+              <a:tabLst>
+                <a:tab pos="723900" algn="l"/>
+                <a:tab pos="1447800" algn="l"/>
+                <a:tab pos="2171700" algn="l"/>
+              </a:tabLst>
+              <a:defRPr>
+                <a:solidFill>
+                  <a:srgbClr val="000000"/>
+                </a:solidFill>
+                <a:latin typeface="Arial" charset="0"/>
+                <a:ea typeface="ＭＳ Ｐゴシック" charset="0"/>
+                <a:cs typeface="Arial Unicode MS" charset="0"/>
+              </a:defRPr>
+            </a:lvl3pPr>
+            <a:lvl4pPr>
+              <a:tabLst>
+                <a:tab pos="723900" algn="l"/>
+                <a:tab pos="1447800" algn="l"/>
+                <a:tab pos="2171700" algn="l"/>
+              </a:tabLst>
+              <a:defRPr>
+                <a:solidFill>
+                  <a:srgbClr val="000000"/>
+                </a:solidFill>
+                <a:latin typeface="Arial" charset="0"/>
+                <a:ea typeface="ＭＳ Ｐゴシック" charset="0"/>
+                <a:cs typeface="Arial Unicode MS" charset="0"/>
+              </a:defRPr>
+            </a:lvl4pPr>
+            <a:lvl5pPr>
+              <a:tabLst>
+                <a:tab pos="723900" algn="l"/>
+                <a:tab pos="1447800" algn="l"/>
+                <a:tab pos="2171700" algn="l"/>
+              </a:tabLst>
+              <a:defRPr>
+                <a:solidFill>
+                  <a:srgbClr val="000000"/>
+                </a:solidFill>
+                <a:latin typeface="Arial" charset="0"/>
+                <a:ea typeface="ＭＳ Ｐゴシック" charset="0"/>
+                <a:cs typeface="Arial Unicode MS" charset="0"/>
+              </a:defRPr>
+            </a:lvl5pPr>
+            <a:lvl6pPr marL="2514600" indent="-228600" fontAlgn="base" hangingPunct="0">
+              <a:lnSpc>
+                <a:spcPct val="93000"/>
+              </a:lnSpc>
+              <a:spcBef>
+                <a:spcPct val="0"/>
+              </a:spcBef>
+              <a:spcAft>
+                <a:spcPct val="0"/>
+              </a:spcAft>
+              <a:buClr>
+                <a:srgbClr val="000000"/>
+              </a:buClr>
+              <a:buSzPct val="100000"/>
+              <a:buFont typeface="Times New Roman" charset="0"/>
+              <a:tabLst>
+                <a:tab pos="723900" algn="l"/>
+                <a:tab pos="1447800" algn="l"/>
+                <a:tab pos="2171700" algn="l"/>
+              </a:tabLst>
+              <a:defRPr>
+                <a:solidFill>
+                  <a:srgbClr val="000000"/>
+                </a:solidFill>
+                <a:latin typeface="Arial" charset="0"/>
+                <a:ea typeface="ＭＳ Ｐゴシック" charset="0"/>
+                <a:cs typeface="Arial Unicode MS" charset="0"/>
+              </a:defRPr>
+            </a:lvl6pPr>
+            <a:lvl7pPr marL="2971800" indent="-228600" fontAlgn="base" hangingPunct="0">
+              <a:lnSpc>
+                <a:spcPct val="93000"/>
+              </a:lnSpc>
+              <a:spcBef>
+                <a:spcPct val="0"/>
+              </a:spcBef>
+              <a:spcAft>
+                <a:spcPct val="0"/>
+              </a:spcAft>
+              <a:buClr>
+                <a:srgbClr val="000000"/>
+              </a:buClr>
+              <a:buSzPct val="100000"/>
+              <a:buFont typeface="Times New Roman" charset="0"/>
+              <a:tabLst>
+                <a:tab pos="723900" algn="l"/>
+                <a:tab pos="1447800" algn="l"/>
+                <a:tab pos="2171700" algn="l"/>
+              </a:tabLst>
+              <a:defRPr>
+                <a:solidFill>
+                  <a:srgbClr val="000000"/>
+                </a:solidFill>
+                <a:latin typeface="Arial" charset="0"/>
+                <a:ea typeface="ＭＳ Ｐゴシック" charset="0"/>
+                <a:cs typeface="Arial Unicode MS" charset="0"/>
+              </a:defRPr>
+            </a:lvl7pPr>
+            <a:lvl8pPr marL="3429000" indent="-228600" fontAlgn="base" hangingPunct="0">
+              <a:lnSpc>
+                <a:spcPct val="93000"/>
+              </a:lnSpc>
+              <a:spcBef>
+                <a:spcPct val="0"/>
+              </a:spcBef>
+              <a:spcAft>
+                <a:spcPct val="0"/>
+              </a:spcAft>
+              <a:buClr>
+                <a:srgbClr val="000000"/>
+              </a:buClr>
+              <a:buSzPct val="100000"/>
+              <a:buFont typeface="Times New Roman" charset="0"/>
+              <a:tabLst>
+                <a:tab pos="723900" algn="l"/>
+                <a:tab pos="1447800" algn="l"/>
+                <a:tab pos="2171700" algn="l"/>
+              </a:tabLst>
+              <a:defRPr>
+                <a:solidFill>
+                  <a:srgbClr val="000000"/>
+                </a:solidFill>
+                <a:latin typeface="Arial" charset="0"/>
+                <a:ea typeface="ＭＳ Ｐゴシック" charset="0"/>
+                <a:cs typeface="Arial Unicode MS" charset="0"/>
+              </a:defRPr>
+            </a:lvl8pPr>
+            <a:lvl9pPr marL="3886200" indent="-228600" fontAlgn="base" hangingPunct="0">
+              <a:lnSpc>
+                <a:spcPct val="93000"/>
+              </a:lnSpc>
+              <a:spcBef>
+                <a:spcPct val="0"/>
+              </a:spcBef>
+              <a:spcAft>
+                <a:spcPct val="0"/>
+              </a:spcAft>
+              <a:buClr>
+                <a:srgbClr val="000000"/>
+              </a:buClr>
+              <a:buSzPct val="100000"/>
+              <a:buFont typeface="Times New Roman" charset="0"/>
+              <a:tabLst>
+                <a:tab pos="723900" algn="l"/>
+                <a:tab pos="1447800" algn="l"/>
+                <a:tab pos="2171700" algn="l"/>
+              </a:tabLst>
+              <a:defRPr>
+                <a:solidFill>
+                  <a:srgbClr val="000000"/>
+                </a:solidFill>
+                <a:latin typeface="Arial" charset="0"/>
+                <a:ea typeface="ＭＳ Ｐゴシック" charset="0"/>
+                <a:cs typeface="Arial Unicode MS" charset="0"/>
+              </a:defRPr>
+            </a:lvl9pPr>
+          </a:lstStyle>
+          <a:p>
+            <a:pPr>
+              <a:defRPr/>
+            </a:pPr>
+            <a:r>
+              <a:rPr lang="en-US" sz="1200" b="0" dirty="0" smtClean="0"/>
+              <a:t>Formula SAE Electric Car</a:t>
+            </a:r>
+          </a:p>
+        </p:txBody>
+      </p:sp>
+      <p:sp>
+        <p:nvSpPr>
+          <p:cNvPr id="3078" name="Text Box 6"/>
+          <p:cNvSpPr txBox="1">
+            <a:spLocks noChangeArrowheads="1"/>
+          </p:cNvSpPr>
+          <p:nvPr/>
+        </p:nvSpPr>
+        <p:spPr bwMode="auto">
+          <a:xfrm>
+            <a:off x="4679950" y="3773488"/>
+            <a:ext cx="2871788" cy="314325"/>
+          </a:xfrm>
+          <a:prstGeom prst="rect">
+            <a:avLst/>
+          </a:prstGeom>
+          <a:noFill/>
+          <a:ln>
+            <a:noFill/>
+          </a:ln>
+          <a:effectLst/>
+          <a:extLst>
+            <a:ext uri="{909E8E84-426E-40dd-AFC4-6F175D3DCCD1}">
+              <a14:hiddenFill xmlns:a14="http://schemas.microsoft.com/office/drawing/2010/main">
+                <a:solidFill>
+                  <a:srgbClr val="FFFFFF"/>
+                </a:solidFill>
+              </a14:hiddenFill>
+            </a:ext>
+            <a:ext uri="{91240B29-F687-4f45-9708-019B960494DF}">
+              <a14:hiddenLine xmlns:a14="http://schemas.microsoft.com/office/drawing/2010/main" w="9525">
+                <a:solidFill>
+                  <a:srgbClr val="000000"/>
+                </a:solidFill>
+                <a:round/>
+                <a:headEnd/>
+                <a:tailEnd/>
+              </a14:hiddenLine>
+            </a:ext>
+            <a:ext uri="{AF507438-7753-43e0-B8FC-AC1667EBCBE1}">
+              <a14:hiddenEffects xmlns:a14="http://schemas.microsoft.com/office/drawing/2010/main">
+                <a:effectLst>
+                  <a:outerShdw blurRad="63500" dist="38099" dir="2700000" algn="ctr" rotWithShape="0">
+                    <a:srgbClr val="000000">
+                      <a:alpha val="74997"/>
+                    </a:srgbClr>
+                  </a:outerShdw>
+                </a:effectLst>
+              </a14:hiddenEffects>
+            </a:ext>
+          </a:extLst>
+        </p:spPr>
+        <p:txBody>
+          <a:bodyPr lIns="81639" tIns="55221" rIns="81639" bIns="40820"/>
+          <a:lstStyle>
+            <a:lvl1pPr>
+              <a:tabLst>
+                <a:tab pos="723900" algn="l"/>
+                <a:tab pos="1447800" algn="l"/>
+                <a:tab pos="2171700" algn="l"/>
+                <a:tab pos="2895600" algn="l"/>
+              </a:tabLst>
+              <a:defRPr>
+                <a:solidFill>
+                  <a:srgbClr val="000000"/>
+                </a:solidFill>
+                <a:latin typeface="Arial" charset="0"/>
+                <a:ea typeface="ＭＳ Ｐゴシック" charset="0"/>
+                <a:cs typeface="Arial Unicode MS" charset="0"/>
+              </a:defRPr>
+            </a:lvl1pPr>
+            <a:lvl2pPr>
+              <a:tabLst>
+                <a:tab pos="723900" algn="l"/>
+                <a:tab pos="1447800" algn="l"/>
+                <a:tab pos="2171700" algn="l"/>
+                <a:tab pos="2895600" algn="l"/>
+              </a:tabLst>
+              <a:defRPr>
+                <a:solidFill>
+                  <a:srgbClr val="000000"/>
+                </a:solidFill>
+                <a:latin typeface="Arial" charset="0"/>
+                <a:ea typeface="ＭＳ Ｐゴシック" charset="0"/>
+                <a:cs typeface="Arial Unicode MS" charset="0"/>
+              </a:defRPr>
+            </a:lvl2pPr>
+            <a:lvl3pPr>
+              <a:tabLst>
+                <a:tab pos="723900" algn="l"/>
+                <a:tab pos="1447800" algn="l"/>
+                <a:tab pos="2171700" algn="l"/>
+                <a:tab pos="2895600" algn="l"/>
+              </a:tabLst>
+              <a:defRPr>
+                <a:solidFill>
+                  <a:srgbClr val="000000"/>
+                </a:solidFill>
+                <a:latin typeface="Arial" charset="0"/>
+                <a:ea typeface="ＭＳ Ｐゴシック" charset="0"/>
+                <a:cs typeface="Arial Unicode MS" charset="0"/>
+              </a:defRPr>
+            </a:lvl3pPr>
+            <a:lvl4pPr>
+              <a:tabLst>
+                <a:tab pos="723900" algn="l"/>
+                <a:tab pos="1447800" algn="l"/>
+                <a:tab pos="2171700" algn="l"/>
+                <a:tab pos="2895600" algn="l"/>
+              </a:tabLst>
+              <a:defRPr>
+                <a:solidFill>
+                  <a:srgbClr val="000000"/>
+                </a:solidFill>
+                <a:latin typeface="Arial" charset="0"/>
+                <a:ea typeface="ＭＳ Ｐゴシック" charset="0"/>
+                <a:cs typeface="Arial Unicode MS" charset="0"/>
+              </a:defRPr>
+            </a:lvl4pPr>
+            <a:lvl5pPr>
+              <a:tabLst>
+                <a:tab pos="723900" algn="l"/>
+                <a:tab pos="1447800" algn="l"/>
+                <a:tab pos="2171700" algn="l"/>
+                <a:tab pos="2895600" algn="l"/>
+              </a:tabLst>
+              <a:defRPr>
+                <a:solidFill>
+                  <a:srgbClr val="000000"/>
+                </a:solidFill>
+                <a:latin typeface="Arial" charset="0"/>
+                <a:ea typeface="ＭＳ Ｐゴシック" charset="0"/>
+                <a:cs typeface="Arial Unicode MS" charset="0"/>
+              </a:defRPr>
+            </a:lvl5pPr>
+            <a:lvl6pPr marL="2514600" indent="-228600" fontAlgn="base" hangingPunct="0">
+              <a:lnSpc>
+                <a:spcPct val="93000"/>
+              </a:lnSpc>
+              <a:spcBef>
+                <a:spcPct val="0"/>
+              </a:spcBef>
+              <a:spcAft>
+                <a:spcPct val="0"/>
+              </a:spcAft>
+              <a:buClr>
+                <a:srgbClr val="000000"/>
+              </a:buClr>
+              <a:buSzPct val="100000"/>
+              <a:buFont typeface="Times New Roman" charset="0"/>
+              <a:tabLst>
+                <a:tab pos="723900" algn="l"/>
+                <a:tab pos="1447800" algn="l"/>
+                <a:tab pos="2171700" algn="l"/>
+                <a:tab pos="2895600" algn="l"/>
+              </a:tabLst>
+              <a:defRPr>
+                <a:solidFill>
+                  <a:srgbClr val="000000"/>
+                </a:solidFill>
+                <a:latin typeface="Arial" charset="0"/>
+                <a:ea typeface="ＭＳ Ｐゴシック" charset="0"/>
+                <a:cs typeface="Arial Unicode MS" charset="0"/>
+              </a:defRPr>
+            </a:lvl6pPr>
+            <a:lvl7pPr marL="2971800" indent="-228600" fontAlgn="base" hangingPunct="0">
+              <a:lnSpc>
+                <a:spcPct val="93000"/>
+              </a:lnSpc>
+              <a:spcBef>
+                <a:spcPct val="0"/>
+              </a:spcBef>
+              <a:spcAft>
+                <a:spcPct val="0"/>
+              </a:spcAft>
+              <a:buClr>
+                <a:srgbClr val="000000"/>
+              </a:buClr>
+              <a:buSzPct val="100000"/>
+              <a:buFont typeface="Times New Roman" charset="0"/>
+              <a:tabLst>
+                <a:tab pos="723900" algn="l"/>
+                <a:tab pos="1447800" algn="l"/>
+                <a:tab pos="2171700" algn="l"/>
+                <a:tab pos="2895600" algn="l"/>
+              </a:tabLst>
+              <a:defRPr>
+                <a:solidFill>
+                  <a:srgbClr val="000000"/>
+                </a:solidFill>
+                <a:latin typeface="Arial" charset="0"/>
+                <a:ea typeface="ＭＳ Ｐゴシック" charset="0"/>
+                <a:cs typeface="Arial Unicode MS" charset="0"/>
+              </a:defRPr>
+            </a:lvl7pPr>
+            <a:lvl8pPr marL="3429000" indent="-228600" fontAlgn="base" hangingPunct="0">
+              <a:lnSpc>
+                <a:spcPct val="93000"/>
+              </a:lnSpc>
+              <a:spcBef>
+                <a:spcPct val="0"/>
+              </a:spcBef>
+              <a:spcAft>
+                <a:spcPct val="0"/>
+              </a:spcAft>
+              <a:buClr>
+                <a:srgbClr val="000000"/>
+              </a:buClr>
+              <a:buSzPct val="100000"/>
+              <a:buFont typeface="Times New Roman" charset="0"/>
+              <a:tabLst>
+                <a:tab pos="723900" algn="l"/>
+                <a:tab pos="1447800" algn="l"/>
+                <a:tab pos="2171700" algn="l"/>
+                <a:tab pos="2895600" algn="l"/>
+              </a:tabLst>
+              <a:defRPr>
+                <a:solidFill>
+                  <a:srgbClr val="000000"/>
+                </a:solidFill>
+                <a:latin typeface="Arial" charset="0"/>
+                <a:ea typeface="ＭＳ Ｐゴシック" charset="0"/>
+                <a:cs typeface="Arial Unicode MS" charset="0"/>
+              </a:defRPr>
+            </a:lvl8pPr>
+            <a:lvl9pPr marL="3886200" indent="-228600" fontAlgn="base" hangingPunct="0">
+              <a:lnSpc>
+                <a:spcPct val="93000"/>
+              </a:lnSpc>
+              <a:spcBef>
+                <a:spcPct val="0"/>
+              </a:spcBef>
+              <a:spcAft>
+                <a:spcPct val="0"/>
+              </a:spcAft>
+              <a:buClr>
+                <a:srgbClr val="000000"/>
+              </a:buClr>
+              <a:buSzPct val="100000"/>
+              <a:buFont typeface="Times New Roman" charset="0"/>
+              <a:tabLst>
+                <a:tab pos="723900" algn="l"/>
+                <a:tab pos="1447800" algn="l"/>
+                <a:tab pos="2171700" algn="l"/>
+                <a:tab pos="2895600" algn="l"/>
+              </a:tabLst>
+              <a:defRPr>
+                <a:solidFill>
+                  <a:srgbClr val="000000"/>
+                </a:solidFill>
+                <a:latin typeface="Arial" charset="0"/>
+                <a:ea typeface="ＭＳ Ｐゴシック" charset="0"/>
+                <a:cs typeface="Arial Unicode MS" charset="0"/>
+              </a:defRPr>
+            </a:lvl9pPr>
+          </a:lstStyle>
+          <a:p>
+            <a:pPr>
+              <a:defRPr/>
+            </a:pPr>
+            <a:r>
+              <a:rPr lang="en-US" sz="1200" b="0" dirty="0" smtClean="0"/>
+              <a:t>Current Traditional LED Dash</a:t>
+            </a:r>
+          </a:p>
+        </p:txBody>
+      </p:sp>
+      <p:sp>
+        <p:nvSpPr>
+          <p:cNvPr id="8" name="TextShape 1"/>
+          <p:cNvSpPr txBox="1"/>
+          <p:nvPr/>
+        </p:nvSpPr>
+        <p:spPr>
+          <a:xfrm>
+            <a:off x="457110" y="44998"/>
+            <a:ext cx="8229330" cy="1142640"/>
+          </a:xfrm>
+          <a:prstGeom prst="rect">
+            <a:avLst/>
+          </a:prstGeom>
+        </p:spPr>
+        <p:txBody>
+          <a:bodyPr lIns="90000" tIns="46800" rIns="90000" bIns="46800" anchor="ctr"/>
+          <a:lstStyle/>
+          <a:p>
+            <a:pPr>
+              <a:lnSpc>
+                <a:spcPct val="100000"/>
+              </a:lnSpc>
+            </a:pPr>
+            <a:r>
+              <a:rPr lang="en-US" sz="2800" b="1" dirty="0" smtClean="0">
+                <a:solidFill>
+                  <a:srgbClr val="24459C"/>
+                </a:solidFill>
+                <a:latin typeface="Arial"/>
+                <a:ea typeface="MS PGothic"/>
+              </a:rPr>
+              <a:t>Project Overview</a:t>
+            </a:r>
+            <a:endParaRPr lang="en-US" sz="2800" b="1" dirty="0" smtClean="0">
+              <a:solidFill>
+                <a:srgbClr val="24459C"/>
+              </a:solidFill>
+              <a:latin typeface="Arial"/>
+              <a:ea typeface="MS PGothic"/>
+            </a:endParaRPr>
+          </a:p>
+        </p:txBody>
+      </p:sp>
     </p:spTree>
     <p:extLst>
       <p:ext uri="{BB962C8B-B14F-4D97-AF65-F5344CB8AC3E}">
-        <p14:creationId xmlns:p14="http://schemas.microsoft.com/office/powerpoint/2010/main" val="2327524088"/>
+        <p14:creationId xmlns:p14="http://schemas.microsoft.com/office/powerpoint/2010/main" val="4193173657"/>
       </p:ext>
     </p:extLst>
   </p:cSld>
   <p:clrMapOvr>
     <a:masterClrMapping/>
   </p:clrMapOvr>
+  <p:transition xmlns:p14="http://schemas.microsoft.com/office/powerpoint/2010/main" spd="med"/>
   <p:timing>
     <p:tnLst>
       <p:par>
-        <p:cTn xmlns:p14="http://schemas.microsoft.com/office/powerpoint/2010/main" id="1" dur="indefinite" restart="never" nodeType="tmRoot">
+        <p:cTn xmlns:p14="http://schemas.microsoft.com/office/powerpoint/2010/main" id="1" dur="indefinite" nodeType="tmRoot">
           <p:childTnLst>
-            <p:seq>
-              <p:cTn id="2" nodeType="mainSeq"/>
+            <p:seq concurrent="1" nextAc="seek">
+              <p:cTn id="2" dur="0" nodeType="mainSeq"/>
               <p:prevCondLst>
                 <p:cond evt="onPrev" delay="0">
                   <p:tgtEl>
@@ -3555,13 +6663,13 @@
       </p:grpSpPr>
       <p:sp>
         <p:nvSpPr>
-          <p:cNvPr id="207" name="TextShape 1"/>
+          <p:cNvPr id="6" name="TextShape 1"/>
           <p:cNvSpPr txBox="1"/>
           <p:nvPr/>
         </p:nvSpPr>
         <p:spPr>
           <a:xfrm>
-            <a:off x="457110" y="274680"/>
+            <a:off x="457110" y="44998"/>
             <a:ext cx="8229330" cy="1142640"/>
           </a:xfrm>
           <a:prstGeom prst="rect">
@@ -3585,262 +6693,167 @@
                 <a:latin typeface="Arial"/>
                 <a:ea typeface="MS PGothic"/>
               </a:rPr>
-              <a:t>Display Updates</a:t>
-            </a:r>
-            <a:endParaRPr dirty="0"/>
-          </a:p>
-        </p:txBody>
-      </p:sp>
-      <p:sp>
-        <p:nvSpPr>
-          <p:cNvPr id="208" name="TextShape 2"/>
-          <p:cNvSpPr txBox="1"/>
-          <p:nvPr/>
+              <a:t>Progress</a:t>
+            </a:r>
+          </a:p>
+        </p:txBody>
+      </p:sp>
+      <p:sp>
+        <p:nvSpPr>
+          <p:cNvPr id="20" name="Text Placeholder 19"/>
+          <p:cNvSpPr>
+            <a:spLocks noGrp="1"/>
+          </p:cNvSpPr>
+          <p:nvPr>
+            <p:ph type="body" idx="1"/>
+          </p:nvPr>
         </p:nvSpPr>
         <p:spPr>
           <a:xfrm>
-            <a:off x="457111" y="1260721"/>
-            <a:ext cx="3904337" cy="2896859"/>
+            <a:off x="457200" y="941455"/>
+            <a:ext cx="4040188" cy="639762"/>
           </a:xfrm>
-          <a:prstGeom prst="rect">
-            <a:avLst/>
-          </a:prstGeom>
         </p:spPr>
         <p:txBody>
-          <a:bodyPr lIns="90000" tIns="46800" rIns="90000" bIns="46800"/>
+          <a:bodyPr/>
           <a:lstStyle/>
           <a:p>
-            <a:pPr>
-              <a:lnSpc>
-                <a:spcPct val="100000"/>
-              </a:lnSpc>
-              <a:buFont typeface="Times New Roman"/>
-              <a:buChar char="●"/>
-            </a:pPr>
-            <a:r>
-              <a:rPr lang="en-US" sz="2800" dirty="0">
-                <a:solidFill>
-                  <a:srgbClr val="000000"/>
-                </a:solidFill>
-                <a:latin typeface="Arial"/>
-                <a:ea typeface="MS PGothic"/>
-              </a:rPr>
-              <a:t> </a:t>
-            </a:r>
-            <a:r>
-              <a:rPr lang="en-US" sz="2800" dirty="0" smtClean="0">
-                <a:solidFill>
-                  <a:srgbClr val="000000"/>
-                </a:solidFill>
-                <a:latin typeface="Arial"/>
-                <a:ea typeface="MS PGothic"/>
-              </a:rPr>
-              <a:t>GUI </a:t>
-            </a:r>
-          </a:p>
-          <a:p>
-            <a:pPr marL="0" lvl="1"/>
-            <a:r>
-              <a:rPr lang="en-US" sz="2800" dirty="0" smtClean="0">
-                <a:solidFill>
-                  <a:srgbClr val="000000"/>
-                </a:solidFill>
-                <a:ea typeface="MS PGothic"/>
-              </a:rPr>
-              <a:t>	</a:t>
-            </a:r>
-            <a:r>
-              <a:rPr lang="en-US" dirty="0" smtClean="0">
-                <a:solidFill>
-                  <a:srgbClr val="000000"/>
-                </a:solidFill>
-                <a:ea typeface="MS PGothic"/>
-              </a:rPr>
-              <a:t>- Main </a:t>
-            </a:r>
-            <a:r>
-              <a:rPr lang="en-US" dirty="0">
-                <a:solidFill>
-                  <a:srgbClr val="000000"/>
-                </a:solidFill>
-                <a:ea typeface="MS PGothic"/>
-              </a:rPr>
-              <a:t>screen has been designed</a:t>
-            </a:r>
-          </a:p>
-          <a:p>
-            <a:pPr>
-              <a:lnSpc>
-                <a:spcPct val="100000"/>
-              </a:lnSpc>
-              <a:buFont typeface="Times New Roman"/>
-              <a:buChar char="●"/>
-            </a:pPr>
-            <a:endParaRPr lang="en-US" sz="2800" dirty="0" smtClean="0">
-              <a:solidFill>
-                <a:srgbClr val="000000"/>
-              </a:solidFill>
-              <a:latin typeface="Arial"/>
-              <a:ea typeface="MS PGothic"/>
-            </a:endParaRPr>
-          </a:p>
-          <a:p>
-            <a:pPr>
-              <a:lnSpc>
-                <a:spcPct val="100000"/>
-              </a:lnSpc>
-              <a:buFont typeface="Times New Roman"/>
-              <a:buChar char="●"/>
-            </a:pPr>
-            <a:r>
-              <a:rPr lang="en-US" sz="2800" dirty="0">
-                <a:solidFill>
-                  <a:srgbClr val="000000"/>
-                </a:solidFill>
-                <a:latin typeface="Arial"/>
-                <a:ea typeface="MS PGothic"/>
-              </a:rPr>
-              <a:t> </a:t>
-            </a:r>
-            <a:r>
-              <a:rPr lang="en-US" sz="2800" dirty="0" smtClean="0">
-                <a:solidFill>
-                  <a:srgbClr val="000000"/>
-                </a:solidFill>
-                <a:latin typeface="Arial"/>
-                <a:ea typeface="MS PGothic"/>
-              </a:rPr>
-              <a:t>Subsystem menus</a:t>
-            </a:r>
-          </a:p>
-          <a:p>
-            <a:pPr lvl="1"/>
-            <a:r>
-              <a:rPr lang="en-US" sz="2800" dirty="0" smtClean="0">
-                <a:solidFill>
-                  <a:srgbClr val="000000"/>
-                </a:solidFill>
-                <a:latin typeface="Arial"/>
-                <a:ea typeface="MS PGothic"/>
-              </a:rPr>
-              <a:t>-</a:t>
-            </a:r>
-            <a:r>
-              <a:rPr lang="en-US" dirty="0" smtClean="0">
-                <a:solidFill>
-                  <a:srgbClr val="000000"/>
-                </a:solidFill>
-                <a:latin typeface="Arial"/>
-                <a:ea typeface="MS PGothic"/>
-              </a:rPr>
-              <a:t> Additional screen options to troubleshoot  </a:t>
-            </a:r>
-            <a:endParaRPr dirty="0"/>
-          </a:p>
-          <a:p>
-            <a:pPr>
-              <a:lnSpc>
-                <a:spcPct val="100000"/>
-              </a:lnSpc>
-            </a:pPr>
-            <a:endParaRPr dirty="0"/>
-          </a:p>
-        </p:txBody>
-      </p:sp>
-      <p:pic>
-        <p:nvPicPr>
-          <p:cNvPr id="2" name="Picture 1" descr="MainScreen.PNG"/>
-          <p:cNvPicPr>
-            <a:picLocks noChangeAspect="1"/>
-          </p:cNvPicPr>
-          <p:nvPr/>
-        </p:nvPicPr>
-        <p:blipFill>
-          <a:blip r:embed="rId2">
-            <a:extLst>
-              <a:ext uri="{28A0092B-C50C-407E-A947-70E740481C1C}">
-                <a14:useLocalDpi xmlns:a14="http://schemas.microsoft.com/office/drawing/2010/main" val="0"/>
-              </a:ext>
-            </a:extLst>
-          </a:blip>
-          <a:stretch>
-            <a:fillRect/>
-          </a:stretch>
-        </p:blipFill>
+            <a:r>
+              <a:rPr lang="en-US" dirty="0" smtClean="0"/>
+              <a:t>Completed</a:t>
+            </a:r>
+            <a:endParaRPr lang="en-US" dirty="0"/>
+          </a:p>
+        </p:txBody>
+      </p:sp>
+      <p:sp>
+        <p:nvSpPr>
+          <p:cNvPr id="21" name="Content Placeholder 20"/>
+          <p:cNvSpPr>
+            <a:spLocks noGrp="1"/>
+          </p:cNvSpPr>
+          <p:nvPr>
+            <p:ph sz="half" idx="2"/>
+          </p:nvPr>
+        </p:nvSpPr>
         <p:spPr>
           <a:xfrm>
-            <a:off x="4703345" y="682057"/>
-            <a:ext cx="3457575" cy="3086100"/>
+            <a:off x="457200" y="1581217"/>
+            <a:ext cx="4040188" cy="3951288"/>
           </a:xfrm>
-          <a:prstGeom prst="rect">
-            <a:avLst/>
-          </a:prstGeom>
         </p:spPr>
-      </p:pic>
-      <p:pic>
-        <p:nvPicPr>
-          <p:cNvPr id="3" name="Picture 2" descr="BMS_Error_Screen.PNG"/>
-          <p:cNvPicPr>
-            <a:picLocks noChangeAspect="1"/>
-          </p:cNvPicPr>
-          <p:nvPr/>
-        </p:nvPicPr>
-        <p:blipFill>
-          <a:blip r:embed="rId3">
-            <a:extLst>
-              <a:ext uri="{28A0092B-C50C-407E-A947-70E740481C1C}">
-                <a14:useLocalDpi xmlns:a14="http://schemas.microsoft.com/office/drawing/2010/main" val="0"/>
-              </a:ext>
-            </a:extLst>
-          </a:blip>
-          <a:stretch>
-            <a:fillRect/>
-          </a:stretch>
-        </p:blipFill>
+        <p:txBody>
+          <a:bodyPr/>
+          <a:lstStyle/>
+          <a:p>
+            <a:r>
+              <a:rPr lang="en-US" dirty="0" err="1" smtClean="0"/>
+              <a:t>Arduino</a:t>
+            </a:r>
+            <a:r>
+              <a:rPr lang="en-US" dirty="0" smtClean="0"/>
+              <a:t> can get RMS and BMS data</a:t>
+            </a:r>
+          </a:p>
+          <a:p>
+            <a:r>
+              <a:rPr lang="en-US" dirty="0" smtClean="0"/>
+              <a:t>Screen can output BMS and RMS data</a:t>
+            </a:r>
+          </a:p>
+          <a:p>
+            <a:r>
+              <a:rPr lang="en-US" dirty="0" smtClean="0"/>
+              <a:t>Prototype software and hardware works completely</a:t>
+            </a:r>
+          </a:p>
+          <a:p>
+            <a:r>
+              <a:rPr lang="en-US" dirty="0" smtClean="0"/>
+              <a:t>Lots of documentation</a:t>
+            </a:r>
+            <a:endParaRPr lang="en-US" dirty="0"/>
+          </a:p>
+        </p:txBody>
+      </p:sp>
+      <p:sp>
+        <p:nvSpPr>
+          <p:cNvPr id="22" name="Text Placeholder 21"/>
+          <p:cNvSpPr>
+            <a:spLocks noGrp="1"/>
+          </p:cNvSpPr>
+          <p:nvPr>
+            <p:ph type="body" sz="quarter" idx="3"/>
+          </p:nvPr>
+        </p:nvSpPr>
         <p:spPr>
           <a:xfrm>
-            <a:off x="301291" y="4570264"/>
-            <a:ext cx="2418293" cy="2154054"/>
+            <a:off x="4645025" y="941455"/>
+            <a:ext cx="4041775" cy="639762"/>
           </a:xfrm>
-          <a:prstGeom prst="rect">
-            <a:avLst/>
-          </a:prstGeom>
         </p:spPr>
-      </p:pic>
-      <p:pic>
-        <p:nvPicPr>
-          <p:cNvPr id="4" name="Picture 3" descr="RMS_Error_Screen.PNG"/>
-          <p:cNvPicPr>
-            <a:picLocks noChangeAspect="1"/>
-          </p:cNvPicPr>
-          <p:nvPr/>
-        </p:nvPicPr>
-        <p:blipFill>
-          <a:blip r:embed="rId4">
-            <a:extLst>
-              <a:ext uri="{28A0092B-C50C-407E-A947-70E740481C1C}">
-                <a14:useLocalDpi xmlns:a14="http://schemas.microsoft.com/office/drawing/2010/main" val="0"/>
-              </a:ext>
-            </a:extLst>
-          </a:blip>
-          <a:stretch>
-            <a:fillRect/>
-          </a:stretch>
-        </p:blipFill>
+        <p:txBody>
+          <a:bodyPr/>
+          <a:lstStyle/>
+          <a:p>
+            <a:r>
+              <a:rPr lang="en-US" dirty="0" smtClean="0"/>
+              <a:t>Still to accomplish</a:t>
+            </a:r>
+            <a:endParaRPr lang="en-US" dirty="0"/>
+          </a:p>
+        </p:txBody>
+      </p:sp>
+      <p:sp>
+        <p:nvSpPr>
+          <p:cNvPr id="23" name="Content Placeholder 22"/>
+          <p:cNvSpPr>
+            <a:spLocks noGrp="1"/>
+          </p:cNvSpPr>
+          <p:nvPr>
+            <p:ph sz="quarter" idx="4"/>
+          </p:nvPr>
+        </p:nvSpPr>
         <p:spPr>
           <a:xfrm>
-            <a:off x="3441164" y="4485108"/>
-            <a:ext cx="2524361" cy="2239211"/>
+            <a:off x="4645025" y="1581217"/>
+            <a:ext cx="4041775" cy="3951288"/>
           </a:xfrm>
-          <a:prstGeom prst="rect">
-            <a:avLst/>
-          </a:prstGeom>
         </p:spPr>
-      </p:pic>
+        <p:txBody>
+          <a:bodyPr/>
+          <a:lstStyle/>
+          <a:p>
+            <a:r>
+              <a:rPr lang="en-US" dirty="0" smtClean="0"/>
+              <a:t>Assemble final board</a:t>
+            </a:r>
+          </a:p>
+          <a:p>
+            <a:r>
+              <a:rPr lang="en-US" dirty="0" smtClean="0"/>
+              <a:t>Program final board</a:t>
+            </a:r>
+          </a:p>
+          <a:p>
+            <a:r>
+              <a:rPr lang="en-US" dirty="0" smtClean="0"/>
+              <a:t>Assemble the demo unit</a:t>
+            </a:r>
+          </a:p>
+          <a:p>
+            <a:r>
+              <a:rPr lang="en-US" dirty="0" smtClean="0"/>
+              <a:t>Create enclosure</a:t>
+            </a:r>
+            <a:endParaRPr lang="en-US" dirty="0"/>
+          </a:p>
+        </p:txBody>
+      </p:sp>
     </p:spTree>
     <p:extLst>
       <p:ext uri="{BB962C8B-B14F-4D97-AF65-F5344CB8AC3E}">
-        <p14:creationId xmlns:p14="http://schemas.microsoft.com/office/powerpoint/2010/main" val="2332349970"/>
+        <p14:creationId xmlns:p14="http://schemas.microsoft.com/office/powerpoint/2010/main" val="3067343311"/>
       </p:ext>
     </p:extLst>
   </p:cSld>
@@ -3896,24 +6909,485 @@
       </p:grpSpPr>
       <p:sp>
         <p:nvSpPr>
-          <p:cNvPr id="2" name="Title 1"/>
+          <p:cNvPr id="6" name="TextShape 1"/>
+          <p:cNvSpPr txBox="1"/>
+          <p:nvPr/>
+        </p:nvSpPr>
+        <p:spPr>
+          <a:xfrm>
+            <a:off x="457110" y="44998"/>
+            <a:ext cx="8229330" cy="1142640"/>
+          </a:xfrm>
+          <a:prstGeom prst="rect">
+            <a:avLst/>
+          </a:prstGeom>
+        </p:spPr>
+        <p:txBody>
+          <a:bodyPr lIns="90000" tIns="46800" rIns="90000" bIns="46800" anchor="ctr"/>
+          <a:lstStyle/>
+          <a:p>
+            <a:pPr>
+              <a:lnSpc>
+                <a:spcPct val="100000"/>
+              </a:lnSpc>
+            </a:pPr>
+            <a:r>
+              <a:rPr lang="en-US" sz="2800" b="1" dirty="0" smtClean="0">
+                <a:solidFill>
+                  <a:srgbClr val="24459C"/>
+                </a:solidFill>
+                <a:latin typeface="Arial"/>
+                <a:ea typeface="MS PGothic"/>
+              </a:rPr>
+              <a:t>Block Diagram</a:t>
+            </a:r>
+            <a:endParaRPr dirty="0"/>
+          </a:p>
+        </p:txBody>
+      </p:sp>
+      <p:pic>
+        <p:nvPicPr>
+          <p:cNvPr id="18" name="Picture 17" descr="blockdiagram.png"/>
+          <p:cNvPicPr>
+            <a:picLocks noChangeAspect="1"/>
+          </p:cNvPicPr>
+          <p:nvPr/>
+        </p:nvPicPr>
+        <p:blipFill>
+          <a:blip r:embed="rId3">
+            <a:extLst>
+              <a:ext uri="{28A0092B-C50C-407E-A947-70E740481C1C}">
+                <a14:useLocalDpi xmlns:a14="http://schemas.microsoft.com/office/drawing/2010/main" val="0"/>
+              </a:ext>
+            </a:extLst>
+          </a:blip>
+          <a:stretch>
+            <a:fillRect/>
+          </a:stretch>
+        </p:blipFill>
+        <p:spPr>
+          <a:xfrm>
+            <a:off x="1520519" y="1037111"/>
+            <a:ext cx="6366129" cy="5144917"/>
+          </a:xfrm>
+          <a:prstGeom prst="rect">
+            <a:avLst/>
+          </a:prstGeom>
+        </p:spPr>
+      </p:pic>
+    </p:spTree>
+    <p:extLst>
+      <p:ext uri="{BB962C8B-B14F-4D97-AF65-F5344CB8AC3E}">
+        <p14:creationId xmlns:p14="http://schemas.microsoft.com/office/powerpoint/2010/main" val="3632107080"/>
+      </p:ext>
+    </p:extLst>
+  </p:cSld>
+  <p:clrMapOvr>
+    <a:masterClrMapping/>
+  </p:clrMapOvr>
+  <p:timing>
+    <p:tnLst>
+      <p:par>
+        <p:cTn xmlns:p14="http://schemas.microsoft.com/office/powerpoint/2010/main" id="1" dur="indefinite" restart="never" nodeType="tmRoot">
+          <p:childTnLst>
+            <p:seq>
+              <p:cTn id="2" nodeType="mainSeq"/>
+              <p:prevCondLst>
+                <p:cond evt="onPrev" delay="0">
+                  <p:tgtEl>
+                    <p:sldTgt/>
+                  </p:tgtEl>
+                </p:cond>
+              </p:prevCondLst>
+              <p:nextCondLst>
+                <p:cond evt="onNext" delay="0">
+                  <p:tgtEl>
+                    <p:sldTgt/>
+                  </p:tgtEl>
+                </p:cond>
+              </p:nextCondLst>
+            </p:seq>
+          </p:childTnLst>
+        </p:cTn>
+      </p:par>
+    </p:tnLst>
+  </p:timing>
+</p:sld>
+</file>
+
+<file path=ppt/slides/slide5.xml><?xml version="1.0" encoding="utf-8"?>
+<p:sld xmlns:a="http://schemas.openxmlformats.org/drawingml/2006/main" xmlns:r="http://schemas.openxmlformats.org/officeDocument/2006/relationships" xmlns:p="http://schemas.openxmlformats.org/presentationml/2006/main">
+  <p:cSld>
+    <p:spTree>
+      <p:nvGrpSpPr>
+        <p:cNvPr id="1" name=""/>
+        <p:cNvGrpSpPr/>
+        <p:nvPr/>
+      </p:nvGrpSpPr>
+      <p:grpSpPr>
+        <a:xfrm>
+          <a:off x="0" y="0"/>
+          <a:ext cx="0" cy="0"/>
+          <a:chOff x="0" y="0"/>
+          <a:chExt cx="0" cy="0"/>
+        </a:xfrm>
+      </p:grpSpPr>
+      <p:pic>
+        <p:nvPicPr>
+          <p:cNvPr id="1026" name="Picture 2" descr="http://blog.arduino.cc/wp-content/uploads/2013/07/Arduino_logo_pantone.png"/>
+          <p:cNvPicPr>
+            <a:picLocks noChangeAspect="1" noChangeArrowheads="1"/>
+          </p:cNvPicPr>
+          <p:nvPr/>
+        </p:nvPicPr>
+        <p:blipFill>
+          <a:blip r:embed="rId2">
+            <a:extLst>
+              <a:ext uri="{28A0092B-C50C-407E-A947-70E740481C1C}">
+                <a14:useLocalDpi xmlns:a14="http://schemas.microsoft.com/office/drawing/2010/main" val="0"/>
+              </a:ext>
+            </a:extLst>
+          </a:blip>
+          <a:srcRect/>
+          <a:stretch>
+            <a:fillRect/>
+          </a:stretch>
+        </p:blipFill>
+        <p:spPr bwMode="auto">
+          <a:xfrm>
+            <a:off x="2517231" y="528387"/>
+            <a:ext cx="1426093" cy="1897165"/>
+          </a:xfrm>
+          <a:prstGeom prst="rect">
+            <a:avLst/>
+          </a:prstGeom>
+          <a:noFill/>
+          <a:extLst>
+            <a:ext uri="{909E8E84-426E-40dd-AFC4-6F175D3DCCD1}">
+              <a14:hiddenFill xmlns:a14="http://schemas.microsoft.com/office/drawing/2010/main">
+                <a:solidFill>
+                  <a:srgbClr val="FFFFFF"/>
+                </a:solidFill>
+              </a14:hiddenFill>
+            </a:ext>
+          </a:extLst>
+        </p:spPr>
+      </p:pic>
+      <p:sp>
+        <p:nvSpPr>
+          <p:cNvPr id="6" name="TextShape 1"/>
+          <p:cNvSpPr txBox="1"/>
+          <p:nvPr/>
+        </p:nvSpPr>
+        <p:spPr>
+          <a:xfrm>
+            <a:off x="457110" y="44998"/>
+            <a:ext cx="8229330" cy="1142640"/>
+          </a:xfrm>
+          <a:prstGeom prst="rect">
+            <a:avLst/>
+          </a:prstGeom>
+        </p:spPr>
+        <p:txBody>
+          <a:bodyPr lIns="90000" tIns="46800" rIns="90000" bIns="46800" anchor="ctr"/>
+          <a:lstStyle/>
+          <a:p>
+            <a:pPr>
+              <a:lnSpc>
+                <a:spcPct val="100000"/>
+              </a:lnSpc>
+            </a:pPr>
+            <a:r>
+              <a:rPr lang="en-US" sz="2800" b="1" dirty="0" smtClean="0">
+                <a:solidFill>
+                  <a:srgbClr val="24459C"/>
+                </a:solidFill>
+                <a:latin typeface="Arial"/>
+                <a:ea typeface="MS PGothic"/>
+              </a:rPr>
+              <a:t>Software</a:t>
+            </a:r>
+            <a:endParaRPr dirty="0"/>
+          </a:p>
+        </p:txBody>
+      </p:sp>
+      <p:sp>
+        <p:nvSpPr>
+          <p:cNvPr id="9" name="Text Placeholder 8"/>
           <p:cNvSpPr>
             <a:spLocks noGrp="1"/>
           </p:cNvSpPr>
           <p:nvPr>
-            <p:ph type="title"/>
+            <p:ph type="body" idx="1"/>
           </p:nvPr>
         </p:nvSpPr>
         <p:spPr>
           <a:xfrm>
-            <a:off x="560206" y="0"/>
-            <a:ext cx="7772400" cy="1470025"/>
+            <a:off x="457200" y="1017055"/>
+            <a:ext cx="4040188" cy="639762"/>
           </a:xfrm>
         </p:spPr>
         <p:txBody>
           <a:bodyPr/>
           <a:lstStyle/>
           <a:p>
+            <a:r>
+              <a:rPr lang="en-US" dirty="0" err="1" smtClean="0"/>
+              <a:t>Arduino</a:t>
+            </a:r>
+            <a:r>
+              <a:rPr lang="en-US" dirty="0" smtClean="0"/>
+              <a:t> Code</a:t>
+            </a:r>
+            <a:endParaRPr lang="en-US" dirty="0"/>
+          </a:p>
+        </p:txBody>
+      </p:sp>
+      <p:sp>
+        <p:nvSpPr>
+          <p:cNvPr id="10" name="Content Placeholder 9"/>
+          <p:cNvSpPr>
+            <a:spLocks noGrp="1"/>
+          </p:cNvSpPr>
+          <p:nvPr>
+            <p:ph sz="half" idx="2"/>
+          </p:nvPr>
+        </p:nvSpPr>
+        <p:spPr>
+          <a:xfrm>
+            <a:off x="456840" y="2158165"/>
+            <a:ext cx="4040188" cy="3951288"/>
+          </a:xfrm>
+        </p:spPr>
+        <p:txBody>
+          <a:bodyPr/>
+          <a:lstStyle/>
+          <a:p>
+            <a:r>
+              <a:rPr lang="en-US" dirty="0" smtClean="0"/>
+              <a:t>Searches for specific CAN message ID’s, specified in code</a:t>
+            </a:r>
+          </a:p>
+          <a:p>
+            <a:r>
+              <a:rPr lang="en-US" dirty="0" smtClean="0"/>
+              <a:t>Sends messages via serial to the screen module (uses a </a:t>
+            </a:r>
+            <a:r>
+              <a:rPr lang="en-US" dirty="0" err="1" smtClean="0"/>
+              <a:t>visi</a:t>
+            </a:r>
+            <a:r>
+              <a:rPr lang="en-US" dirty="0" smtClean="0"/>
+              <a:t>-genie library)</a:t>
+            </a:r>
+          </a:p>
+          <a:p>
+            <a:r>
+              <a:rPr lang="en-US" dirty="0" smtClean="0"/>
+              <a:t>Currently running on an </a:t>
+            </a:r>
+            <a:r>
+              <a:rPr lang="en-US" dirty="0" err="1" smtClean="0"/>
+              <a:t>Arduino</a:t>
+            </a:r>
+            <a:r>
+              <a:rPr lang="en-US" dirty="0" smtClean="0"/>
+              <a:t> Due but will port over to the custom PCB</a:t>
+            </a:r>
+            <a:endParaRPr lang="en-US" dirty="0"/>
+          </a:p>
+        </p:txBody>
+      </p:sp>
+      <p:sp>
+        <p:nvSpPr>
+          <p:cNvPr id="11" name="Text Placeholder 10"/>
+          <p:cNvSpPr>
+            <a:spLocks noGrp="1"/>
+          </p:cNvSpPr>
+          <p:nvPr>
+            <p:ph type="body" sz="quarter" idx="3"/>
+          </p:nvPr>
+        </p:nvSpPr>
+        <p:spPr>
+          <a:xfrm>
+            <a:off x="4645025" y="1017055"/>
+            <a:ext cx="4041775" cy="639762"/>
+          </a:xfrm>
+        </p:spPr>
+        <p:txBody>
+          <a:bodyPr/>
+          <a:lstStyle/>
+          <a:p>
+            <a:r>
+              <a:rPr lang="en-US" dirty="0" smtClean="0"/>
+              <a:t>4D </a:t>
+            </a:r>
+            <a:r>
+              <a:rPr lang="en-US" dirty="0" err="1" smtClean="0"/>
+              <a:t>Visi</a:t>
+            </a:r>
+            <a:r>
+              <a:rPr lang="en-US" dirty="0" smtClean="0"/>
+              <a:t>-Genie</a:t>
+            </a:r>
+            <a:endParaRPr lang="en-US" dirty="0"/>
+          </a:p>
+        </p:txBody>
+      </p:sp>
+      <p:sp>
+        <p:nvSpPr>
+          <p:cNvPr id="12" name="Content Placeholder 11"/>
+          <p:cNvSpPr>
+            <a:spLocks noGrp="1"/>
+          </p:cNvSpPr>
+          <p:nvPr>
+            <p:ph sz="quarter" idx="4"/>
+          </p:nvPr>
+        </p:nvSpPr>
+        <p:spPr>
+          <a:xfrm>
+            <a:off x="4644665" y="2158165"/>
+            <a:ext cx="4041775" cy="3951288"/>
+          </a:xfrm>
+        </p:spPr>
+        <p:txBody>
+          <a:bodyPr/>
+          <a:lstStyle/>
+          <a:p>
+            <a:r>
+              <a:rPr lang="en-US" dirty="0" smtClean="0"/>
+              <a:t>Controls the positioning of the gauges, bars and symbols</a:t>
+            </a:r>
+          </a:p>
+          <a:p>
+            <a:r>
+              <a:rPr lang="en-US" dirty="0" smtClean="0"/>
+              <a:t>Handles button presses and their submenus</a:t>
+            </a:r>
+          </a:p>
+          <a:p>
+            <a:r>
+              <a:rPr lang="en-US" dirty="0" smtClean="0"/>
+              <a:t>Scales code sent from </a:t>
+            </a:r>
+            <a:r>
+              <a:rPr lang="en-US" dirty="0" err="1" smtClean="0"/>
+              <a:t>Arduino</a:t>
+            </a:r>
+            <a:r>
+              <a:rPr lang="en-US" dirty="0" smtClean="0"/>
+              <a:t> Due to match output data</a:t>
+            </a:r>
+            <a:endParaRPr lang="en-US" dirty="0"/>
+          </a:p>
+        </p:txBody>
+      </p:sp>
+      <p:pic>
+        <p:nvPicPr>
+          <p:cNvPr id="13" name="Picture 12"/>
+          <p:cNvPicPr>
+            <a:picLocks noChangeAspect="1"/>
+          </p:cNvPicPr>
+          <p:nvPr/>
+        </p:nvPicPr>
+        <p:blipFill>
+          <a:blip r:embed="rId3"/>
+          <a:stretch>
+            <a:fillRect/>
+          </a:stretch>
+        </p:blipFill>
+        <p:spPr>
+          <a:xfrm>
+            <a:off x="6762750" y="735765"/>
+            <a:ext cx="1587500" cy="1422400"/>
+          </a:xfrm>
+          <a:prstGeom prst="rect">
+            <a:avLst/>
+          </a:prstGeom>
+        </p:spPr>
+      </p:pic>
+    </p:spTree>
+    <p:extLst>
+      <p:ext uri="{BB962C8B-B14F-4D97-AF65-F5344CB8AC3E}">
+        <p14:creationId xmlns:p14="http://schemas.microsoft.com/office/powerpoint/2010/main" val="1980682995"/>
+      </p:ext>
+    </p:extLst>
+  </p:cSld>
+  <p:clrMapOvr>
+    <a:masterClrMapping/>
+  </p:clrMapOvr>
+  <p:timing>
+    <p:tnLst>
+      <p:par>
+        <p:cTn xmlns:p14="http://schemas.microsoft.com/office/powerpoint/2010/main" id="1" dur="indefinite" restart="never" nodeType="tmRoot">
+          <p:childTnLst>
+            <p:seq>
+              <p:cTn id="2" nodeType="mainSeq"/>
+              <p:prevCondLst>
+                <p:cond evt="onPrev" delay="0">
+                  <p:tgtEl>
+                    <p:sldTgt/>
+                  </p:tgtEl>
+                </p:cond>
+              </p:prevCondLst>
+              <p:nextCondLst>
+                <p:cond evt="onNext" delay="0">
+                  <p:tgtEl>
+                    <p:sldTgt/>
+                  </p:tgtEl>
+                </p:cond>
+              </p:nextCondLst>
+            </p:seq>
+          </p:childTnLst>
+        </p:cTn>
+      </p:par>
+    </p:tnLst>
+  </p:timing>
+</p:sld>
+</file>
+
+<file path=ppt/slides/slide6.xml><?xml version="1.0" encoding="utf-8"?>
+<p:sld xmlns:a="http://schemas.openxmlformats.org/drawingml/2006/main" xmlns:r="http://schemas.openxmlformats.org/officeDocument/2006/relationships" xmlns:p="http://schemas.openxmlformats.org/presentationml/2006/main">
+  <p:cSld>
+    <p:spTree>
+      <p:nvGrpSpPr>
+        <p:cNvPr id="1" name=""/>
+        <p:cNvGrpSpPr/>
+        <p:nvPr/>
+      </p:nvGrpSpPr>
+      <p:grpSpPr>
+        <a:xfrm>
+          <a:off x="0" y="0"/>
+          <a:ext cx="0" cy="0"/>
+          <a:chOff x="0" y="0"/>
+          <a:chExt cx="0" cy="0"/>
+        </a:xfrm>
+      </p:grpSpPr>
+      <p:sp>
+        <p:nvSpPr>
+          <p:cNvPr id="207" name="TextShape 1"/>
+          <p:cNvSpPr txBox="1"/>
+          <p:nvPr/>
+        </p:nvSpPr>
+        <p:spPr>
+          <a:xfrm>
+            <a:off x="457110" y="44998"/>
+            <a:ext cx="8229330" cy="1142640"/>
+          </a:xfrm>
+          <a:prstGeom prst="rect">
+            <a:avLst/>
+          </a:prstGeom>
+        </p:spPr>
+        <p:txBody>
+          <a:bodyPr lIns="90000" tIns="46800" rIns="90000" bIns="46800" anchor="ctr"/>
+          <a:lstStyle/>
+          <a:p>
+            <a:pPr>
+              <a:lnSpc>
+                <a:spcPct val="100000"/>
+              </a:lnSpc>
+            </a:pPr>
             <a:r>
               <a:rPr lang="en-US" sz="2800" b="1" dirty="0" smtClean="0">
                 <a:solidFill>
@@ -3922,19 +7396,560 @@
                 <a:latin typeface="Arial"/>
                 <a:ea typeface="MS PGothic"/>
               </a:rPr>
-              <a:t>Prototype boards</a:t>
-            </a:r>
-            <a:r>
-              <a:rPr lang="en-US" dirty="0" smtClean="0"/>
-              <a:t/>
-            </a:r>
-            <a:br>
-              <a:rPr lang="en-US" dirty="0" smtClean="0"/>
-            </a:br>
-            <a:endParaRPr lang="en-US" dirty="0"/>
-          </a:p>
-        </p:txBody>
-      </p:sp>
+              <a:t>Screen Module</a:t>
+            </a:r>
+            <a:endParaRPr dirty="0"/>
+          </a:p>
+        </p:txBody>
+      </p:sp>
+      <p:pic>
+        <p:nvPicPr>
+          <p:cNvPr id="2" name="Picture 1" descr="MainScreen.PNG"/>
+          <p:cNvPicPr>
+            <a:picLocks noChangeAspect="1"/>
+          </p:cNvPicPr>
+          <p:nvPr/>
+        </p:nvPicPr>
+        <p:blipFill>
+          <a:blip r:embed="rId2">
+            <a:extLst>
+              <a:ext uri="{28A0092B-C50C-407E-A947-70E740481C1C}">
+                <a14:useLocalDpi xmlns:a14="http://schemas.microsoft.com/office/drawing/2010/main" val="0"/>
+              </a:ext>
+            </a:extLst>
+          </a:blip>
+          <a:stretch>
+            <a:fillRect/>
+          </a:stretch>
+        </p:blipFill>
+        <p:spPr>
+          <a:xfrm>
+            <a:off x="4703345" y="682057"/>
+            <a:ext cx="3457575" cy="3086100"/>
+          </a:xfrm>
+          <a:prstGeom prst="rect">
+            <a:avLst/>
+          </a:prstGeom>
+        </p:spPr>
+      </p:pic>
+      <p:pic>
+        <p:nvPicPr>
+          <p:cNvPr id="3" name="Picture 2" descr="BMS_Error_Screen.PNG"/>
+          <p:cNvPicPr>
+            <a:picLocks noChangeAspect="1"/>
+          </p:cNvPicPr>
+          <p:nvPr/>
+        </p:nvPicPr>
+        <p:blipFill>
+          <a:blip r:embed="rId3">
+            <a:extLst>
+              <a:ext uri="{28A0092B-C50C-407E-A947-70E740481C1C}">
+                <a14:useLocalDpi xmlns:a14="http://schemas.microsoft.com/office/drawing/2010/main" val="0"/>
+              </a:ext>
+            </a:extLst>
+          </a:blip>
+          <a:stretch>
+            <a:fillRect/>
+          </a:stretch>
+        </p:blipFill>
+        <p:spPr>
+          <a:xfrm>
+            <a:off x="3997073" y="4511625"/>
+            <a:ext cx="2418293" cy="2154054"/>
+          </a:xfrm>
+          <a:prstGeom prst="rect">
+            <a:avLst/>
+          </a:prstGeom>
+        </p:spPr>
+      </p:pic>
+      <p:pic>
+        <p:nvPicPr>
+          <p:cNvPr id="4" name="Picture 3" descr="RMS_Error_Screen.PNG"/>
+          <p:cNvPicPr>
+            <a:picLocks noChangeAspect="1"/>
+          </p:cNvPicPr>
+          <p:nvPr/>
+        </p:nvPicPr>
+        <p:blipFill>
+          <a:blip r:embed="rId4">
+            <a:extLst>
+              <a:ext uri="{28A0092B-C50C-407E-A947-70E740481C1C}">
+                <a14:useLocalDpi xmlns:a14="http://schemas.microsoft.com/office/drawing/2010/main" val="0"/>
+              </a:ext>
+            </a:extLst>
+          </a:blip>
+          <a:stretch>
+            <a:fillRect/>
+          </a:stretch>
+        </p:blipFill>
+        <p:spPr>
+          <a:xfrm>
+            <a:off x="6465493" y="3885138"/>
+            <a:ext cx="2524361" cy="2239211"/>
+          </a:xfrm>
+          <a:prstGeom prst="rect">
+            <a:avLst/>
+          </a:prstGeom>
+        </p:spPr>
+      </p:pic>
+      <p:sp>
+        <p:nvSpPr>
+          <p:cNvPr id="7" name="TextBox 6"/>
+          <p:cNvSpPr txBox="1"/>
+          <p:nvPr/>
+        </p:nvSpPr>
+        <p:spPr>
+          <a:xfrm>
+            <a:off x="457110" y="1187638"/>
+            <a:ext cx="4246235" cy="4862870"/>
+          </a:xfrm>
+          <a:prstGeom prst="rect">
+            <a:avLst/>
+          </a:prstGeom>
+          <a:noFill/>
+        </p:spPr>
+        <p:txBody>
+          <a:bodyPr wrap="square" rtlCol="0">
+            <a:spAutoFit/>
+          </a:bodyPr>
+          <a:lstStyle/>
+          <a:p>
+            <a:pPr marL="342900" indent="-342900">
+              <a:buFont typeface="Arial" panose="020B0604020202020204" pitchFamily="34" charset="0"/>
+              <a:buChar char="•"/>
+            </a:pPr>
+            <a:r>
+              <a:rPr lang="en-US" sz="2000" b="1" dirty="0" smtClean="0">
+                <a:solidFill>
+                  <a:srgbClr val="000000"/>
+                </a:solidFill>
+                <a:ea typeface="MS PGothic"/>
+              </a:rPr>
+              <a:t>4D Systems uLCD-35DT</a:t>
+            </a:r>
+          </a:p>
+          <a:p>
+            <a:pPr marL="800100" lvl="1" indent="-342900">
+              <a:buFont typeface="Arial" panose="020B0604020202020204" pitchFamily="34" charset="0"/>
+              <a:buChar char="•"/>
+            </a:pPr>
+            <a:r>
+              <a:rPr lang="en-US" sz="2000" dirty="0" smtClean="0">
+                <a:solidFill>
+                  <a:srgbClr val="000000"/>
+                </a:solidFill>
+                <a:ea typeface="MS PGothic"/>
+              </a:rPr>
+              <a:t>3.5” Resistive Touch Screen</a:t>
+            </a:r>
+          </a:p>
+          <a:p>
+            <a:pPr marL="800100" lvl="1" indent="-342900">
+              <a:buFont typeface="Arial" panose="020B0604020202020204" pitchFamily="34" charset="0"/>
+              <a:buChar char="•"/>
+            </a:pPr>
+            <a:endParaRPr lang="en-US" sz="2000" dirty="0">
+              <a:solidFill>
+                <a:srgbClr val="000000"/>
+              </a:solidFill>
+              <a:ea typeface="MS PGothic"/>
+            </a:endParaRPr>
+          </a:p>
+          <a:p>
+            <a:pPr marL="800100" lvl="1" indent="-342900">
+              <a:buFont typeface="Arial" panose="020B0604020202020204" pitchFamily="34" charset="0"/>
+              <a:buChar char="•"/>
+            </a:pPr>
+            <a:r>
+              <a:rPr lang="en-US" sz="2000" dirty="0" smtClean="0">
+                <a:solidFill>
+                  <a:srgbClr val="000000"/>
+                </a:solidFill>
+                <a:ea typeface="MS PGothic"/>
+              </a:rPr>
+              <a:t>Display Module handles graphics processing and image storage</a:t>
+            </a:r>
+          </a:p>
+          <a:p>
+            <a:pPr marL="800100" lvl="1" indent="-342900">
+              <a:buFont typeface="Arial" panose="020B0604020202020204" pitchFamily="34" charset="0"/>
+              <a:buChar char="•"/>
+            </a:pPr>
+            <a:endParaRPr lang="en-US" sz="2000" dirty="0" smtClean="0">
+              <a:solidFill>
+                <a:srgbClr val="000000"/>
+              </a:solidFill>
+              <a:ea typeface="MS PGothic"/>
+            </a:endParaRPr>
+          </a:p>
+          <a:p>
+            <a:pPr marL="342900" indent="-342900">
+              <a:buFont typeface="Arial" panose="020B0604020202020204" pitchFamily="34" charset="0"/>
+              <a:buChar char="•"/>
+            </a:pPr>
+            <a:r>
+              <a:rPr lang="en-US" sz="2000" b="1" dirty="0" smtClean="0">
+                <a:solidFill>
+                  <a:srgbClr val="000000"/>
+                </a:solidFill>
+                <a:ea typeface="MS PGothic"/>
+              </a:rPr>
+              <a:t>User Interface</a:t>
+            </a:r>
+            <a:endParaRPr lang="en-US" sz="2000" dirty="0" smtClean="0">
+              <a:solidFill>
+                <a:srgbClr val="000000"/>
+              </a:solidFill>
+              <a:ea typeface="MS PGothic"/>
+            </a:endParaRPr>
+          </a:p>
+          <a:p>
+            <a:pPr marL="800100" lvl="1" indent="-342900">
+              <a:buFont typeface="Arial" panose="020B0604020202020204" pitchFamily="34" charset="0"/>
+              <a:buChar char="•"/>
+            </a:pPr>
+            <a:endParaRPr lang="en-US" dirty="0" smtClean="0">
+              <a:solidFill>
+                <a:srgbClr val="000000"/>
+              </a:solidFill>
+              <a:ea typeface="MS PGothic"/>
+            </a:endParaRPr>
+          </a:p>
+          <a:p>
+            <a:pPr marL="800100" lvl="1" indent="-342900">
+              <a:buFont typeface="Arial" panose="020B0604020202020204" pitchFamily="34" charset="0"/>
+              <a:buChar char="•"/>
+            </a:pPr>
+            <a:r>
+              <a:rPr lang="en-US" dirty="0" smtClean="0">
+                <a:solidFill>
+                  <a:srgbClr val="000000"/>
+                </a:solidFill>
+                <a:ea typeface="MS PGothic"/>
+              </a:rPr>
+              <a:t>IMD, BMS and Motor symbols act as buttons to get into submenus</a:t>
+            </a:r>
+          </a:p>
+          <a:p>
+            <a:pPr marL="800100" lvl="1" indent="-342900">
+              <a:buFont typeface="Arial" panose="020B0604020202020204" pitchFamily="34" charset="0"/>
+              <a:buChar char="•"/>
+            </a:pPr>
+            <a:endParaRPr lang="en-US" dirty="0" smtClean="0">
+              <a:solidFill>
+                <a:srgbClr val="000000"/>
+              </a:solidFill>
+              <a:ea typeface="MS PGothic"/>
+            </a:endParaRPr>
+          </a:p>
+          <a:p>
+            <a:pPr marL="800100" lvl="1" indent="-342900">
+              <a:buFont typeface="Arial" panose="020B0604020202020204" pitchFamily="34" charset="0"/>
+              <a:buChar char="•"/>
+            </a:pPr>
+            <a:r>
+              <a:rPr lang="en-US" sz="2000" dirty="0" smtClean="0">
+                <a:solidFill>
+                  <a:srgbClr val="000000"/>
+                </a:solidFill>
+                <a:ea typeface="MS PGothic"/>
+              </a:rPr>
+              <a:t>Battery level, Motor </a:t>
+            </a:r>
+          </a:p>
+          <a:p>
+            <a:pPr lvl="1"/>
+            <a:r>
+              <a:rPr lang="en-US" sz="2000" dirty="0" smtClean="0">
+                <a:solidFill>
+                  <a:srgbClr val="000000"/>
+                </a:solidFill>
+                <a:ea typeface="MS PGothic"/>
+              </a:rPr>
+              <a:t>	temp and amperage </a:t>
+            </a:r>
+          </a:p>
+          <a:p>
+            <a:pPr lvl="1"/>
+            <a:r>
+              <a:rPr lang="en-US" sz="2000" dirty="0" smtClean="0">
+                <a:solidFill>
+                  <a:srgbClr val="000000"/>
+                </a:solidFill>
+                <a:ea typeface="MS PGothic"/>
+              </a:rPr>
+              <a:t>	displayed</a:t>
+            </a:r>
+          </a:p>
+          <a:p>
+            <a:pPr lvl="2"/>
+            <a:r>
+              <a:rPr lang="en-US" dirty="0" smtClean="0">
+                <a:solidFill>
+                  <a:srgbClr val="000000"/>
+                </a:solidFill>
+                <a:ea typeface="MS PGothic"/>
+              </a:rPr>
+              <a:t> </a:t>
+            </a:r>
+          </a:p>
+        </p:txBody>
+      </p:sp>
+    </p:spTree>
+    <p:extLst>
+      <p:ext uri="{BB962C8B-B14F-4D97-AF65-F5344CB8AC3E}">
+        <p14:creationId xmlns:p14="http://schemas.microsoft.com/office/powerpoint/2010/main" val="2332349970"/>
+      </p:ext>
+    </p:extLst>
+  </p:cSld>
+  <p:clrMapOvr>
+    <a:masterClrMapping/>
+  </p:clrMapOvr>
+  <p:timing>
+    <p:tnLst>
+      <p:par>
+        <p:cTn xmlns:p14="http://schemas.microsoft.com/office/powerpoint/2010/main" id="1" dur="indefinite" restart="never" nodeType="tmRoot">
+          <p:childTnLst>
+            <p:seq>
+              <p:cTn id="2" nodeType="mainSeq"/>
+              <p:prevCondLst>
+                <p:cond evt="onPrev" delay="0">
+                  <p:tgtEl>
+                    <p:sldTgt/>
+                  </p:tgtEl>
+                </p:cond>
+              </p:prevCondLst>
+              <p:nextCondLst>
+                <p:cond evt="onNext" delay="0">
+                  <p:tgtEl>
+                    <p:sldTgt/>
+                  </p:tgtEl>
+                </p:cond>
+              </p:nextCondLst>
+            </p:seq>
+          </p:childTnLst>
+        </p:cTn>
+      </p:par>
+    </p:tnLst>
+  </p:timing>
+</p:sld>
+</file>
+
+<file path=ppt/slides/slide7.xml><?xml version="1.0" encoding="utf-8"?>
+<p:sld xmlns:a="http://schemas.openxmlformats.org/drawingml/2006/main" xmlns:r="http://schemas.openxmlformats.org/officeDocument/2006/relationships" xmlns:p="http://schemas.openxmlformats.org/presentationml/2006/main">
+  <p:cSld>
+    <p:spTree>
+      <p:nvGrpSpPr>
+        <p:cNvPr id="1" name=""/>
+        <p:cNvGrpSpPr/>
+        <p:nvPr/>
+      </p:nvGrpSpPr>
+      <p:grpSpPr>
+        <a:xfrm>
+          <a:off x="0" y="0"/>
+          <a:ext cx="0" cy="0"/>
+          <a:chOff x="0" y="0"/>
+          <a:chExt cx="0" cy="0"/>
+        </a:xfrm>
+      </p:grpSpPr>
+      <p:sp>
+        <p:nvSpPr>
+          <p:cNvPr id="207" name="TextShape 1"/>
+          <p:cNvSpPr txBox="1"/>
+          <p:nvPr/>
+        </p:nvSpPr>
+        <p:spPr>
+          <a:xfrm>
+            <a:off x="457110" y="44998"/>
+            <a:ext cx="8229330" cy="1142640"/>
+          </a:xfrm>
+          <a:prstGeom prst="rect">
+            <a:avLst/>
+          </a:prstGeom>
+        </p:spPr>
+        <p:txBody>
+          <a:bodyPr lIns="90000" tIns="46800" rIns="90000" bIns="46800" anchor="ctr"/>
+          <a:lstStyle/>
+          <a:p>
+            <a:pPr>
+              <a:lnSpc>
+                <a:spcPct val="100000"/>
+              </a:lnSpc>
+            </a:pPr>
+            <a:r>
+              <a:rPr lang="en-US" sz="2800" b="1" dirty="0" smtClean="0">
+                <a:solidFill>
+                  <a:srgbClr val="24459C"/>
+                </a:solidFill>
+                <a:latin typeface="Arial"/>
+                <a:ea typeface="MS PGothic"/>
+              </a:rPr>
+              <a:t>Enclosure Designs</a:t>
+            </a:r>
+            <a:endParaRPr dirty="0"/>
+          </a:p>
+        </p:txBody>
+      </p:sp>
+      <p:sp>
+        <p:nvSpPr>
+          <p:cNvPr id="12" name="Rectangle 11"/>
+          <p:cNvSpPr/>
+          <p:nvPr/>
+        </p:nvSpPr>
+        <p:spPr>
+          <a:xfrm>
+            <a:off x="3770467" y="1174537"/>
+            <a:ext cx="1603067" cy="4508927"/>
+          </a:xfrm>
+          <a:prstGeom prst="rect">
+            <a:avLst/>
+          </a:prstGeom>
+          <a:noFill/>
+        </p:spPr>
+        <p:txBody>
+          <a:bodyPr wrap="square" lIns="91440" tIns="45720" rIns="91440" bIns="45720">
+            <a:spAutoFit/>
+          </a:bodyPr>
+          <a:lstStyle/>
+          <a:p>
+            <a:pPr algn="ctr"/>
+            <a:r>
+              <a:rPr lang="en-US" sz="28700" b="1" dirty="0" smtClean="0">
+                <a:ln w="31550" cmpd="sng">
+                  <a:gradFill>
+                    <a:gsLst>
+                      <a:gs pos="70000">
+                        <a:schemeClr val="accent6">
+                          <a:shade val="50000"/>
+                          <a:satMod val="190000"/>
+                        </a:schemeClr>
+                      </a:gs>
+                      <a:gs pos="0">
+                        <a:schemeClr val="accent6">
+                          <a:tint val="77000"/>
+                          <a:satMod val="180000"/>
+                        </a:schemeClr>
+                      </a:gs>
+                    </a:gsLst>
+                    <a:lin ang="5400000"/>
+                  </a:gradFill>
+                  <a:prstDash val="solid"/>
+                </a:ln>
+                <a:solidFill>
+                  <a:schemeClr val="accent6">
+                    <a:tint val="15000"/>
+                    <a:satMod val="200000"/>
+                  </a:schemeClr>
+                </a:solidFill>
+                <a:effectLst>
+                  <a:outerShdw blurRad="50800" dist="40000" dir="5400000" algn="tl" rotWithShape="0">
+                    <a:srgbClr val="000000">
+                      <a:shade val="5000"/>
+                      <a:satMod val="120000"/>
+                      <a:alpha val="33000"/>
+                    </a:srgbClr>
+                  </a:outerShdw>
+                </a:effectLst>
+              </a:rPr>
+              <a:t>?</a:t>
+            </a:r>
+            <a:endParaRPr lang="en-US" sz="5400" b="1" dirty="0">
+              <a:ln w="31550" cmpd="sng">
+                <a:gradFill>
+                  <a:gsLst>
+                    <a:gs pos="70000">
+                      <a:schemeClr val="accent6">
+                        <a:shade val="50000"/>
+                        <a:satMod val="190000"/>
+                      </a:schemeClr>
+                    </a:gs>
+                    <a:gs pos="0">
+                      <a:schemeClr val="accent6">
+                        <a:tint val="77000"/>
+                        <a:satMod val="180000"/>
+                      </a:schemeClr>
+                    </a:gs>
+                  </a:gsLst>
+                  <a:lin ang="5400000"/>
+                </a:gradFill>
+                <a:prstDash val="solid"/>
+              </a:ln>
+              <a:solidFill>
+                <a:schemeClr val="accent6">
+                  <a:tint val="15000"/>
+                  <a:satMod val="200000"/>
+                </a:schemeClr>
+              </a:solidFill>
+              <a:effectLst>
+                <a:outerShdw blurRad="50800" dist="40000" dir="5400000" algn="tl" rotWithShape="0">
+                  <a:srgbClr val="000000">
+                    <a:shade val="5000"/>
+                    <a:satMod val="120000"/>
+                    <a:alpha val="33000"/>
+                  </a:srgbClr>
+                </a:outerShdw>
+              </a:effectLst>
+            </a:endParaRPr>
+          </a:p>
+        </p:txBody>
+      </p:sp>
+    </p:spTree>
+    <p:extLst>
+      <p:ext uri="{BB962C8B-B14F-4D97-AF65-F5344CB8AC3E}">
+        <p14:creationId xmlns:p14="http://schemas.microsoft.com/office/powerpoint/2010/main" val="3425313821"/>
+      </p:ext>
+    </p:extLst>
+  </p:cSld>
+  <p:clrMapOvr>
+    <a:masterClrMapping/>
+  </p:clrMapOvr>
+  <p:timing>
+    <p:tnLst>
+      <p:par>
+        <p:cTn xmlns:p14="http://schemas.microsoft.com/office/powerpoint/2010/main" id="1" dur="indefinite" restart="never" nodeType="tmRoot">
+          <p:childTnLst>
+            <p:seq>
+              <p:cTn id="2" nodeType="mainSeq"/>
+              <p:prevCondLst>
+                <p:cond evt="onPrev" delay="0">
+                  <p:tgtEl>
+                    <p:sldTgt/>
+                  </p:tgtEl>
+                </p:cond>
+              </p:prevCondLst>
+              <p:nextCondLst>
+                <p:cond evt="onNext" delay="0">
+                  <p:tgtEl>
+                    <p:sldTgt/>
+                  </p:tgtEl>
+                </p:cond>
+              </p:nextCondLst>
+            </p:seq>
+          </p:childTnLst>
+        </p:cTn>
+      </p:par>
+    </p:tnLst>
+  </p:timing>
+</p:sld>
+</file>
+
+<file path=ppt/slides/slide8.xml><?xml version="1.0" encoding="utf-8"?>
+<p:sld xmlns:a="http://schemas.openxmlformats.org/drawingml/2006/main" xmlns:r="http://schemas.openxmlformats.org/officeDocument/2006/relationships" xmlns:p="http://schemas.openxmlformats.org/presentationml/2006/main">
+  <p:cSld>
+    <p:spTree>
+      <p:nvGrpSpPr>
+        <p:cNvPr id="1" name=""/>
+        <p:cNvGrpSpPr/>
+        <p:nvPr/>
+      </p:nvGrpSpPr>
+      <p:grpSpPr>
+        <a:xfrm>
+          <a:off x="0" y="0"/>
+          <a:ext cx="0" cy="0"/>
+          <a:chOff x="0" y="0"/>
+          <a:chExt cx="0" cy="0"/>
+        </a:xfrm>
+      </p:grpSpPr>
       <p:pic>
         <p:nvPicPr>
           <p:cNvPr id="7" name="Picture 6"/>
@@ -3973,7 +7988,7 @@
         <p:spPr>
           <a:xfrm>
             <a:off x="3715684" y="1421600"/>
-            <a:ext cx="4354589" cy="4308872"/>
+            <a:ext cx="5064213" cy="4708982"/>
           </a:xfrm>
           <a:prstGeom prst="rect">
             <a:avLst/>
@@ -3991,25 +8006,14 @@
               <a:buChar char="•"/>
             </a:pPr>
             <a:r>
-              <a:rPr lang="en-US" sz="2000" b="1" dirty="0">
+              <a:rPr lang="en-US" sz="2000" b="1" dirty="0" smtClean="0">
                 <a:solidFill>
                   <a:srgbClr val="000000"/>
                 </a:solidFill>
                 <a:ea typeface="MS PGothic"/>
               </a:rPr>
-              <a:t>Boards to be used in prototype </a:t>
-            </a:r>
-            <a:r>
-              <a:rPr lang="en-US" sz="2000" b="1" dirty="0" smtClean="0">
-                <a:solidFill>
-                  <a:srgbClr val="000000"/>
-                </a:solidFill>
-                <a:ea typeface="MS PGothic"/>
-              </a:rPr>
-              <a:t>enclosure</a:t>
-            </a:r>
-          </a:p>
-          <a:p>
+              <a:t>Power &amp; Can Transceivers</a:t>
+            </a:r>
             <a:endParaRPr lang="en-US" sz="2000" dirty="0" smtClean="0">
               <a:solidFill>
                 <a:srgbClr val="000000"/>
@@ -4029,7 +8033,338 @@
                 </a:solidFill>
                 <a:ea typeface="MS PGothic"/>
               </a:rPr>
-              <a:t>Power Board steps 12V down to 5V also includes CAN transceiver circuitry</a:t>
+              <a:t>The CAN transceivers receive data from the BMS and RMS and send </a:t>
+            </a:r>
+            <a:r>
+              <a:rPr lang="en-US" dirty="0" smtClean="0">
+                <a:solidFill>
+                  <a:srgbClr val="000000"/>
+                </a:solidFill>
+                <a:ea typeface="MS PGothic"/>
+              </a:rPr>
+              <a:t>them to the </a:t>
+            </a:r>
+            <a:r>
+              <a:rPr lang="en-US" dirty="0" err="1" smtClean="0">
+                <a:solidFill>
+                  <a:srgbClr val="000000"/>
+                </a:solidFill>
+                <a:ea typeface="MS PGothic"/>
+              </a:rPr>
+              <a:t>Arduino</a:t>
+            </a:r>
+            <a:r>
+              <a:rPr lang="en-US" dirty="0" smtClean="0">
+                <a:solidFill>
+                  <a:srgbClr val="000000"/>
+                </a:solidFill>
+                <a:ea typeface="MS PGothic"/>
+              </a:rPr>
+              <a:t> Due</a:t>
+            </a:r>
+          </a:p>
+          <a:p>
+            <a:pPr marL="800100" lvl="1" indent="-342900">
+              <a:buFont typeface="Arial" panose="020B0604020202020204" pitchFamily="34" charset="0"/>
+              <a:buChar char="•"/>
+            </a:pPr>
+            <a:endParaRPr lang="en-US" dirty="0" smtClean="0">
+              <a:solidFill>
+                <a:srgbClr val="000000"/>
+              </a:solidFill>
+              <a:ea typeface="MS PGothic"/>
+            </a:endParaRPr>
+          </a:p>
+          <a:p>
+            <a:pPr marL="800100" lvl="1" indent="-342900">
+              <a:buFont typeface="Arial" panose="020B0604020202020204" pitchFamily="34" charset="0"/>
+              <a:buChar char="•"/>
+            </a:pPr>
+            <a:r>
+              <a:rPr lang="en-US" dirty="0" smtClean="0">
+                <a:solidFill>
+                  <a:srgbClr val="000000"/>
+                </a:solidFill>
+                <a:ea typeface="MS PGothic"/>
+              </a:rPr>
+              <a:t>Power </a:t>
+            </a:r>
+            <a:r>
+              <a:rPr lang="en-US" dirty="0" smtClean="0">
+                <a:solidFill>
+                  <a:srgbClr val="000000"/>
+                </a:solidFill>
+                <a:ea typeface="MS PGothic"/>
+              </a:rPr>
+              <a:t>Board steps 12V down to 5V also includes CAN transceiver </a:t>
+            </a:r>
+            <a:r>
+              <a:rPr lang="en-US" dirty="0" smtClean="0">
+                <a:solidFill>
+                  <a:srgbClr val="000000"/>
+                </a:solidFill>
+                <a:ea typeface="MS PGothic"/>
+              </a:rPr>
+              <a:t>circuitry</a:t>
+            </a:r>
+          </a:p>
+          <a:p>
+            <a:pPr marL="1257300" lvl="2" indent="-342900">
+              <a:buFont typeface="Arial" panose="020B0604020202020204" pitchFamily="34" charset="0"/>
+              <a:buChar char="•"/>
+            </a:pPr>
+            <a:r>
+              <a:rPr lang="en-US" dirty="0" smtClean="0">
+                <a:solidFill>
+                  <a:srgbClr val="000000"/>
+                </a:solidFill>
+                <a:ea typeface="MS PGothic"/>
+              </a:rPr>
+              <a:t>The TLF1963 Voltage runs very hot</a:t>
+            </a:r>
+          </a:p>
+          <a:p>
+            <a:pPr marL="1257300" lvl="2" indent="-342900">
+              <a:buFont typeface="Arial" panose="020B0604020202020204" pitchFamily="34" charset="0"/>
+              <a:buChar char="•"/>
+            </a:pPr>
+            <a:r>
+              <a:rPr lang="en-US" dirty="0" smtClean="0">
+                <a:solidFill>
+                  <a:srgbClr val="000000"/>
+                </a:solidFill>
+                <a:ea typeface="MS PGothic"/>
+              </a:rPr>
+              <a:t>May end up just using 5V from </a:t>
+            </a:r>
+            <a:r>
+              <a:rPr lang="en-US" dirty="0" err="1" smtClean="0">
+                <a:solidFill>
+                  <a:srgbClr val="000000"/>
+                </a:solidFill>
+                <a:ea typeface="MS PGothic"/>
+              </a:rPr>
+              <a:t>GeVCU</a:t>
+            </a:r>
+            <a:endParaRPr lang="en-US" dirty="0" smtClean="0">
+              <a:solidFill>
+                <a:srgbClr val="000000"/>
+              </a:solidFill>
+              <a:ea typeface="MS PGothic"/>
+            </a:endParaRPr>
+          </a:p>
+          <a:p>
+            <a:pPr marL="1257300" lvl="2" indent="-342900">
+              <a:buFont typeface="Arial" panose="020B0604020202020204" pitchFamily="34" charset="0"/>
+              <a:buChar char="•"/>
+            </a:pPr>
+            <a:endParaRPr lang="en-US" dirty="0" smtClean="0">
+              <a:solidFill>
+                <a:srgbClr val="000000"/>
+              </a:solidFill>
+              <a:ea typeface="MS PGothic"/>
+            </a:endParaRPr>
+          </a:p>
+          <a:p>
+            <a:pPr marL="342900" indent="-342900">
+              <a:buFont typeface="Arial" panose="020B0604020202020204" pitchFamily="34" charset="0"/>
+              <a:buChar char="•"/>
+            </a:pPr>
+            <a:r>
+              <a:rPr lang="en-US" sz="2000" b="1" dirty="0" err="1">
+                <a:solidFill>
+                  <a:srgbClr val="000000"/>
+                </a:solidFill>
+                <a:ea typeface="MS PGothic"/>
+              </a:rPr>
+              <a:t>Arduino</a:t>
+            </a:r>
+            <a:r>
+              <a:rPr lang="en-US" sz="2000" b="1" dirty="0">
+                <a:solidFill>
+                  <a:srgbClr val="000000"/>
+                </a:solidFill>
+                <a:ea typeface="MS PGothic"/>
+              </a:rPr>
+              <a:t> Due</a:t>
+            </a:r>
+          </a:p>
+          <a:p>
+            <a:pPr marL="800100" lvl="1" indent="-342900">
+              <a:buFont typeface="Arial" panose="020B0604020202020204" pitchFamily="34" charset="0"/>
+              <a:buChar char="•"/>
+            </a:pPr>
+            <a:r>
+              <a:rPr lang="en-US" sz="2000" dirty="0">
+                <a:solidFill>
+                  <a:srgbClr val="000000"/>
+                </a:solidFill>
+                <a:ea typeface="MS PGothic"/>
+              </a:rPr>
+              <a:t>Runs the software for processing CAN messages and mapping them to the screen module</a:t>
+            </a:r>
+          </a:p>
+          <a:p>
+            <a:pPr marL="800100" lvl="1" indent="-342900">
+              <a:buFont typeface="Arial" panose="020B0604020202020204" pitchFamily="34" charset="0"/>
+              <a:buChar char="•"/>
+            </a:pPr>
+            <a:endParaRPr lang="en-US" sz="2000" dirty="0">
+              <a:solidFill>
+                <a:srgbClr val="000000"/>
+              </a:solidFill>
+              <a:ea typeface="MS PGothic"/>
+            </a:endParaRPr>
+          </a:p>
+          <a:p>
+            <a:pPr marL="1257300" lvl="2" indent="-342900">
+              <a:buFont typeface="Arial" panose="020B0604020202020204" pitchFamily="34" charset="0"/>
+              <a:buChar char="•"/>
+            </a:pPr>
+            <a:endParaRPr lang="en-US" dirty="0" smtClean="0">
+              <a:solidFill>
+                <a:srgbClr val="000000"/>
+              </a:solidFill>
+              <a:ea typeface="MS PGothic"/>
+            </a:endParaRPr>
+          </a:p>
+        </p:txBody>
+      </p:sp>
+      <p:sp>
+        <p:nvSpPr>
+          <p:cNvPr id="5" name="TextShape 1"/>
+          <p:cNvSpPr txBox="1"/>
+          <p:nvPr/>
+        </p:nvSpPr>
+        <p:spPr>
+          <a:xfrm>
+            <a:off x="457110" y="44998"/>
+            <a:ext cx="8229330" cy="1142640"/>
+          </a:xfrm>
+          <a:prstGeom prst="rect">
+            <a:avLst/>
+          </a:prstGeom>
+        </p:spPr>
+        <p:txBody>
+          <a:bodyPr lIns="90000" tIns="46800" rIns="90000" bIns="46800" anchor="ctr"/>
+          <a:lstStyle/>
+          <a:p>
+            <a:pPr>
+              <a:lnSpc>
+                <a:spcPct val="100000"/>
+              </a:lnSpc>
+            </a:pPr>
+            <a:r>
+              <a:rPr lang="en-US" sz="2800" b="1" dirty="0" smtClean="0">
+                <a:solidFill>
+                  <a:srgbClr val="24459C"/>
+                </a:solidFill>
+                <a:latin typeface="Arial"/>
+                <a:ea typeface="MS PGothic"/>
+              </a:rPr>
+              <a:t>Prototype Boards</a:t>
+            </a:r>
+            <a:endParaRPr dirty="0"/>
+          </a:p>
+        </p:txBody>
+      </p:sp>
+    </p:spTree>
+    <p:extLst>
+      <p:ext uri="{BB962C8B-B14F-4D97-AF65-F5344CB8AC3E}">
+        <p14:creationId xmlns:p14="http://schemas.microsoft.com/office/powerpoint/2010/main" val="1901800224"/>
+      </p:ext>
+    </p:extLst>
+  </p:cSld>
+  <p:clrMapOvr>
+    <a:masterClrMapping/>
+  </p:clrMapOvr>
+</p:sld>
+</file>
+
+<file path=ppt/slides/slide9.xml><?xml version="1.0" encoding="utf-8"?>
+<p:sld xmlns:a="http://schemas.openxmlformats.org/drawingml/2006/main" xmlns:r="http://schemas.openxmlformats.org/officeDocument/2006/relationships" xmlns:p="http://schemas.openxmlformats.org/presentationml/2006/main">
+  <p:cSld>
+    <p:spTree>
+      <p:nvGrpSpPr>
+        <p:cNvPr id="1" name=""/>
+        <p:cNvGrpSpPr/>
+        <p:nvPr/>
+      </p:nvGrpSpPr>
+      <p:grpSpPr>
+        <a:xfrm>
+          <a:off x="0" y="0"/>
+          <a:ext cx="0" cy="0"/>
+          <a:chOff x="0" y="0"/>
+          <a:chExt cx="0" cy="0"/>
+        </a:xfrm>
+      </p:grpSpPr>
+      <p:sp>
+        <p:nvSpPr>
+          <p:cNvPr id="10" name="TextBox 9"/>
+          <p:cNvSpPr txBox="1"/>
+          <p:nvPr/>
+        </p:nvSpPr>
+        <p:spPr>
+          <a:xfrm>
+            <a:off x="3715684" y="1421600"/>
+            <a:ext cx="5064213" cy="4216539"/>
+          </a:xfrm>
+          <a:prstGeom prst="rect">
+            <a:avLst/>
+          </a:prstGeom>
+          <a:noFill/>
+        </p:spPr>
+        <p:txBody>
+          <a:bodyPr wrap="square" rtlCol="0">
+            <a:spAutoFit/>
+          </a:bodyPr>
+          <a:lstStyle/>
+          <a:p>
+            <a:pPr marL="342900" indent="-342900">
+              <a:buFont typeface="Arial" panose="020B0604020202020204" pitchFamily="34" charset="0"/>
+              <a:buChar char="•"/>
+            </a:pPr>
+            <a:r>
+              <a:rPr lang="en-US" sz="2000" b="1" dirty="0" smtClean="0">
+                <a:solidFill>
+                  <a:srgbClr val="000000"/>
+                </a:solidFill>
+                <a:ea typeface="MS PGothic"/>
+              </a:rPr>
+              <a:t>Simple enclosure for track day testing</a:t>
+            </a:r>
+            <a:endParaRPr lang="en-US" sz="2000" dirty="0" smtClean="0">
+              <a:solidFill>
+                <a:srgbClr val="000000"/>
+              </a:solidFill>
+              <a:ea typeface="MS PGothic"/>
+            </a:endParaRPr>
+          </a:p>
+          <a:p>
+            <a:pPr marL="800100" lvl="1" indent="-342900">
+              <a:buFont typeface="Arial" panose="020B0604020202020204" pitchFamily="34" charset="0"/>
+              <a:buChar char="•"/>
+            </a:pPr>
+            <a:endParaRPr lang="en-US" dirty="0" smtClean="0">
+              <a:solidFill>
+                <a:srgbClr val="000000"/>
+              </a:solidFill>
+              <a:ea typeface="MS PGothic"/>
+            </a:endParaRPr>
+          </a:p>
+          <a:p>
+            <a:pPr marL="800100" lvl="1" indent="-342900">
+              <a:buFont typeface="Arial" panose="020B0604020202020204" pitchFamily="34" charset="0"/>
+              <a:buChar char="•"/>
+            </a:pPr>
+            <a:r>
+              <a:rPr lang="en-US" dirty="0" smtClean="0">
+                <a:solidFill>
+                  <a:srgbClr val="000000"/>
+                </a:solidFill>
+                <a:ea typeface="MS PGothic"/>
+              </a:rPr>
+              <a:t>Mounted to the driver side pod to eliminate blind spots</a:t>
             </a:r>
           </a:p>
           <a:p>
@@ -4053,7 +8388,7 @@
                 </a:solidFill>
                 <a:ea typeface="MS PGothic"/>
               </a:rPr>
-              <a:t>Arduino Due interprets data from CAN lines and passes data to the display</a:t>
+              <a:t>Track day enclosure is also water resistant</a:t>
             </a:r>
           </a:p>
           <a:p>
@@ -4061,7 +8396,7 @@
               <a:buFont typeface="Arial" panose="020B0604020202020204" pitchFamily="34" charset="0"/>
               <a:buChar char="•"/>
             </a:pPr>
-            <a:endParaRPr lang="en-US" dirty="0">
+            <a:endParaRPr lang="en-US" sz="2000" dirty="0" smtClean="0">
               <a:solidFill>
                 <a:srgbClr val="000000"/>
               </a:solidFill>
@@ -4074,30 +8409,142 @@
               <a:buChar char="•"/>
             </a:pPr>
             <a:r>
-              <a:rPr lang="en-US" dirty="0"/>
-              <a:t>Production board will be same size as due and will contain the power supply </a:t>
-            </a:r>
-            <a:r>
-              <a:rPr lang="en-US" dirty="0" smtClean="0"/>
-              <a:t>CAN transceiver circuitry</a:t>
-            </a:r>
-            <a:endParaRPr lang="en-US" dirty="0"/>
-          </a:p>
-          <a:p>
-            <a:pPr lvl="1"/>
-            <a:endParaRPr lang="en-US" sz="1600" dirty="0" smtClean="0">
+              <a:rPr lang="en-US" sz="2000" dirty="0" err="1" smtClean="0">
+                <a:solidFill>
+                  <a:srgbClr val="000000"/>
+                </a:solidFill>
+                <a:ea typeface="MS PGothic"/>
+              </a:rPr>
+              <a:t>Arduino</a:t>
+            </a:r>
+            <a:r>
+              <a:rPr lang="en-US" sz="2000" dirty="0" smtClean="0">
+                <a:solidFill>
+                  <a:srgbClr val="000000"/>
+                </a:solidFill>
+                <a:ea typeface="MS PGothic"/>
+              </a:rPr>
+              <a:t> Due, power board and screen secured in box</a:t>
+            </a:r>
+          </a:p>
+          <a:p>
+            <a:pPr marL="800100" lvl="1" indent="-342900">
+              <a:buFont typeface="Arial" panose="020B0604020202020204" pitchFamily="34" charset="0"/>
+              <a:buChar char="•"/>
+            </a:pPr>
+            <a:endParaRPr lang="en-US" sz="2000" dirty="0">
               <a:solidFill>
                 <a:srgbClr val="000000"/>
               </a:solidFill>
               <a:ea typeface="MS PGothic"/>
             </a:endParaRPr>
           </a:p>
+          <a:p>
+            <a:pPr marL="800100" lvl="1" indent="-342900">
+              <a:buFont typeface="Arial" panose="020B0604020202020204" pitchFamily="34" charset="0"/>
+              <a:buChar char="•"/>
+            </a:pPr>
+            <a:r>
+              <a:rPr lang="en-US" sz="2000" dirty="0" smtClean="0">
+                <a:solidFill>
+                  <a:srgbClr val="000000"/>
+                </a:solidFill>
+                <a:ea typeface="MS PGothic"/>
+              </a:rPr>
+              <a:t>This enclosure was quickly created for a track day prototype and is not intended for the final unit</a:t>
+            </a:r>
+            <a:endParaRPr lang="en-US" sz="2000" dirty="0">
+              <a:solidFill>
+                <a:srgbClr val="000000"/>
+              </a:solidFill>
+              <a:ea typeface="MS PGothic"/>
+            </a:endParaRPr>
+          </a:p>
+          <a:p>
+            <a:pPr marL="1257300" lvl="2" indent="-342900">
+              <a:buFont typeface="Arial" panose="020B0604020202020204" pitchFamily="34" charset="0"/>
+              <a:buChar char="•"/>
+            </a:pPr>
+            <a:endParaRPr lang="en-US" dirty="0" smtClean="0">
+              <a:solidFill>
+                <a:srgbClr val="000000"/>
+              </a:solidFill>
+              <a:ea typeface="MS PGothic"/>
+            </a:endParaRPr>
+          </a:p>
+        </p:txBody>
+      </p:sp>
+      <p:pic>
+        <p:nvPicPr>
+          <p:cNvPr id="5" name="Picture 4"/>
+          <p:cNvPicPr>
+            <a:picLocks noChangeAspect="1"/>
+          </p:cNvPicPr>
+          <p:nvPr/>
+        </p:nvPicPr>
+        <p:blipFill rotWithShape="1">
+          <a:blip r:embed="rId2">
+            <a:extLst>
+              <a:ext uri="{28A0092B-C50C-407E-A947-70E740481C1C}">
+                <a14:useLocalDpi xmlns:a14="http://schemas.microsoft.com/office/drawing/2010/main" val="0"/>
+              </a:ext>
+            </a:extLst>
+          </a:blip>
+          <a:srcRect t="8223" b="9892"/>
+          <a:stretch/>
+        </p:blipFill>
+        <p:spPr>
+          <a:xfrm>
+            <a:off x="560206" y="1673709"/>
+            <a:ext cx="3177420" cy="3266843"/>
+          </a:xfrm>
+          <a:prstGeom prst="rect">
+            <a:avLst/>
+          </a:prstGeom>
+        </p:spPr>
+      </p:pic>
+      <p:sp>
+        <p:nvSpPr>
+          <p:cNvPr id="6" name="TextShape 1"/>
+          <p:cNvSpPr txBox="1"/>
+          <p:nvPr/>
+        </p:nvSpPr>
+        <p:spPr>
+          <a:xfrm>
+            <a:off x="457110" y="44998"/>
+            <a:ext cx="8229330" cy="1142640"/>
+          </a:xfrm>
+          <a:prstGeom prst="rect">
+            <a:avLst/>
+          </a:prstGeom>
+        </p:spPr>
+        <p:txBody>
+          <a:bodyPr lIns="90000" tIns="46800" rIns="90000" bIns="46800" anchor="ctr"/>
+          <a:lstStyle/>
+          <a:p>
+            <a:pPr>
+              <a:lnSpc>
+                <a:spcPct val="100000"/>
+              </a:lnSpc>
+            </a:pPr>
+            <a:r>
+              <a:rPr lang="en-US" sz="2800" b="1" dirty="0" smtClean="0">
+                <a:solidFill>
+                  <a:srgbClr val="24459C"/>
+                </a:solidFill>
+                <a:latin typeface="Arial"/>
+                <a:ea typeface="MS PGothic"/>
+              </a:rPr>
+              <a:t>Prototype Enclosure</a:t>
+            </a:r>
+            <a:endParaRPr dirty="0"/>
+          </a:p>
         </p:txBody>
       </p:sp>
     </p:spTree>
     <p:extLst>
       <p:ext uri="{BB962C8B-B14F-4D97-AF65-F5344CB8AC3E}">
-        <p14:creationId xmlns:p14="http://schemas.microsoft.com/office/powerpoint/2010/main" val="1901800224"/>
+        <p14:creationId xmlns:p14="http://schemas.microsoft.com/office/powerpoint/2010/main" val="2379183471"/>
       </p:ext>
     </p:extLst>
   </p:cSld>
@@ -4425,4 +8872,324 @@
   </a:objectDefaults>
   <a:extraClrSchemeLst/>
 </a:theme>
+</file>
+
+<file path=ppt/theme/theme2.xml><?xml version="1.0" encoding="utf-8"?>
+<a:theme xmlns:a="http://schemas.openxmlformats.org/drawingml/2006/main" name="Office Theme">
+  <a:themeElements>
+    <a:clrScheme name="Office">
+      <a:dk1>
+        <a:sysClr val="windowText" lastClr="000000"/>
+      </a:dk1>
+      <a:lt1>
+        <a:sysClr val="window" lastClr="FFFFFF"/>
+      </a:lt1>
+      <a:dk2>
+        <a:srgbClr val="1F497D"/>
+      </a:dk2>
+      <a:lt2>
+        <a:srgbClr val="EEECE1"/>
+      </a:lt2>
+      <a:accent1>
+        <a:srgbClr val="4F81BD"/>
+      </a:accent1>
+      <a:accent2>
+        <a:srgbClr val="C0504D"/>
+      </a:accent2>
+      <a:accent3>
+        <a:srgbClr val="9BBB59"/>
+      </a:accent3>
+      <a:accent4>
+        <a:srgbClr val="8064A2"/>
+      </a:accent4>
+      <a:accent5>
+        <a:srgbClr val="4BACC6"/>
+      </a:accent5>
+      <a:accent6>
+        <a:srgbClr val="F79646"/>
+      </a:accent6>
+      <a:hlink>
+        <a:srgbClr val="0000FF"/>
+      </a:hlink>
+      <a:folHlink>
+        <a:srgbClr val="800080"/>
+      </a:folHlink>
+    </a:clrScheme>
+    <a:fontScheme name="Office">
+      <a:majorFont>
+        <a:latin typeface="Calibri"/>
+        <a:ea typeface=""/>
+        <a:cs typeface=""/>
+        <a:font script="Jpan" typeface="ＭＳ Ｐゴシック"/>
+        <a:font script="Hang" typeface="맑은 고딕"/>
+        <a:font script="Hans" typeface="宋体"/>
+        <a:font script="Hant" typeface="新細明體"/>
+        <a:font script="Arab" typeface="Times New Roman"/>
+        <a:font script="Hebr" typeface="Times New Roman"/>
+        <a:font script="Thai" typeface="Angsana New"/>
+        <a:font script="Ethi" typeface="Nyala"/>
+        <a:font script="Beng" typeface="Vrinda"/>
+        <a:font script="Gujr" typeface="Shruti"/>
+        <a:font script="Khmr" typeface="MoolBoran"/>
+        <a:font script="Knda" typeface="Tunga"/>
+        <a:font script="Guru" typeface="Raavi"/>
+        <a:font script="Cans" typeface="Euphemia"/>
+        <a:font script="Cher" typeface="Plantagenet Cherokee"/>
+        <a:font script="Yiii" typeface="Microsoft Yi Baiti"/>
+        <a:font script="Tibt" typeface="Microsoft Himalaya"/>
+        <a:font script="Thaa" typeface="MV Boli"/>
+        <a:font script="Deva" typeface="Mangal"/>
+        <a:font script="Telu" typeface="Gautami"/>
+        <a:font script="Taml" typeface="Latha"/>
+        <a:font script="Syrc" typeface="Estrangelo Edessa"/>
+        <a:font script="Orya" typeface="Kalinga"/>
+        <a:font script="Mlym" typeface="Kartika"/>
+        <a:font script="Laoo" typeface="DokChampa"/>
+        <a:font script="Sinh" typeface="Iskoola Pota"/>
+        <a:font script="Mong" typeface="Mongolian Baiti"/>
+        <a:font script="Viet" typeface="Times New Roman"/>
+        <a:font script="Uigh" typeface="Microsoft Uighur"/>
+        <a:font script="Geor" typeface="Sylfaen"/>
+      </a:majorFont>
+      <a:minorFont>
+        <a:latin typeface="Calibri"/>
+        <a:ea typeface=""/>
+        <a:cs typeface=""/>
+        <a:font script="Jpan" typeface="ＭＳ Ｐゴシック"/>
+        <a:font script="Hang" typeface="맑은 고딕"/>
+        <a:font script="Hans" typeface="宋体"/>
+        <a:font script="Hant" typeface="新細明體"/>
+        <a:font script="Arab" typeface="Arial"/>
+        <a:font script="Hebr" typeface="Arial"/>
+        <a:font script="Thai" typeface="Cordia New"/>
+        <a:font script="Ethi" typeface="Nyala"/>
+        <a:font script="Beng" typeface="Vrinda"/>
+        <a:font script="Gujr" typeface="Shruti"/>
+        <a:font script="Khmr" typeface="DaunPenh"/>
+        <a:font script="Knda" typeface="Tunga"/>
+        <a:font script="Guru" typeface="Raavi"/>
+        <a:font script="Cans" typeface="Euphemia"/>
+        <a:font script="Cher" typeface="Plantagenet Cherokee"/>
+        <a:font script="Yiii" typeface="Microsoft Yi Baiti"/>
+        <a:font script="Tibt" typeface="Microsoft Himalaya"/>
+        <a:font script="Thaa" typeface="MV Boli"/>
+        <a:font script="Deva" typeface="Mangal"/>
+        <a:font script="Telu" typeface="Gautami"/>
+        <a:font script="Taml" typeface="Latha"/>
+        <a:font script="Syrc" typeface="Estrangelo Edessa"/>
+        <a:font script="Orya" typeface="Kalinga"/>
+        <a:font script="Mlym" typeface="Kartika"/>
+        <a:font script="Laoo" typeface="DokChampa"/>
+        <a:font script="Sinh" typeface="Iskoola Pota"/>
+        <a:font script="Mong" typeface="Mongolian Baiti"/>
+        <a:font script="Viet" typeface="Arial"/>
+        <a:font script="Uigh" typeface="Microsoft Uighur"/>
+        <a:font script="Geor" typeface="Sylfaen"/>
+      </a:minorFont>
+    </a:fontScheme>
+    <a:fmtScheme name="Office">
+      <a:fillStyleLst>
+        <a:solidFill>
+          <a:schemeClr val="phClr"/>
+        </a:solidFill>
+        <a:gradFill rotWithShape="1">
+          <a:gsLst>
+            <a:gs pos="0">
+              <a:schemeClr val="phClr">
+                <a:tint val="50000"/>
+                <a:satMod val="300000"/>
+              </a:schemeClr>
+            </a:gs>
+            <a:gs pos="35000">
+              <a:schemeClr val="phClr">
+                <a:tint val="37000"/>
+                <a:satMod val="300000"/>
+              </a:schemeClr>
+            </a:gs>
+            <a:gs pos="100000">
+              <a:schemeClr val="phClr">
+                <a:tint val="15000"/>
+                <a:satMod val="350000"/>
+              </a:schemeClr>
+            </a:gs>
+          </a:gsLst>
+          <a:lin ang="16200000" scaled="1"/>
+        </a:gradFill>
+        <a:gradFill rotWithShape="1">
+          <a:gsLst>
+            <a:gs pos="0">
+              <a:schemeClr val="phClr">
+                <a:tint val="100000"/>
+                <a:shade val="100000"/>
+                <a:satMod val="130000"/>
+              </a:schemeClr>
+            </a:gs>
+            <a:gs pos="100000">
+              <a:schemeClr val="phClr">
+                <a:tint val="50000"/>
+                <a:shade val="100000"/>
+                <a:satMod val="350000"/>
+              </a:schemeClr>
+            </a:gs>
+          </a:gsLst>
+          <a:lin ang="16200000" scaled="0"/>
+        </a:gradFill>
+      </a:fillStyleLst>
+      <a:lnStyleLst>
+        <a:ln w="9525" cap="flat" cmpd="sng" algn="ctr">
+          <a:solidFill>
+            <a:schemeClr val="phClr">
+              <a:shade val="95000"/>
+              <a:satMod val="105000"/>
+            </a:schemeClr>
+          </a:solidFill>
+          <a:prstDash val="solid"/>
+        </a:ln>
+        <a:ln w="25400" cap="flat" cmpd="sng" algn="ctr">
+          <a:solidFill>
+            <a:schemeClr val="phClr"/>
+          </a:solidFill>
+          <a:prstDash val="solid"/>
+        </a:ln>
+        <a:ln w="38100" cap="flat" cmpd="sng" algn="ctr">
+          <a:solidFill>
+            <a:schemeClr val="phClr"/>
+          </a:solidFill>
+          <a:prstDash val="solid"/>
+        </a:ln>
+      </a:lnStyleLst>
+      <a:effectStyleLst>
+        <a:effectStyle>
+          <a:effectLst>
+            <a:outerShdw blurRad="40000" dist="20000" dir="5400000" rotWithShape="0">
+              <a:srgbClr val="000000">
+                <a:alpha val="38000"/>
+              </a:srgbClr>
+            </a:outerShdw>
+          </a:effectLst>
+        </a:effectStyle>
+        <a:effectStyle>
+          <a:effectLst>
+            <a:outerShdw blurRad="40000" dist="23000" dir="5400000" rotWithShape="0">
+              <a:srgbClr val="000000">
+                <a:alpha val="35000"/>
+              </a:srgbClr>
+            </a:outerShdw>
+          </a:effectLst>
+        </a:effectStyle>
+        <a:effectStyle>
+          <a:effectLst>
+            <a:outerShdw blurRad="40000" dist="23000" dir="5400000" rotWithShape="0">
+              <a:srgbClr val="000000">
+                <a:alpha val="35000"/>
+              </a:srgbClr>
+            </a:outerShdw>
+          </a:effectLst>
+          <a:scene3d>
+            <a:camera prst="orthographicFront">
+              <a:rot lat="0" lon="0" rev="0"/>
+            </a:camera>
+            <a:lightRig rig="threePt" dir="t">
+              <a:rot lat="0" lon="0" rev="1200000"/>
+            </a:lightRig>
+          </a:scene3d>
+          <a:sp3d>
+            <a:bevelT w="63500" h="25400"/>
+          </a:sp3d>
+        </a:effectStyle>
+      </a:effectStyleLst>
+      <a:bgFillStyleLst>
+        <a:solidFill>
+          <a:schemeClr val="phClr"/>
+        </a:solidFill>
+        <a:gradFill rotWithShape="1">
+          <a:gsLst>
+            <a:gs pos="0">
+              <a:schemeClr val="phClr">
+                <a:tint val="40000"/>
+                <a:satMod val="350000"/>
+              </a:schemeClr>
+            </a:gs>
+            <a:gs pos="40000">
+              <a:schemeClr val="phClr">
+                <a:tint val="45000"/>
+                <a:shade val="99000"/>
+                <a:satMod val="350000"/>
+              </a:schemeClr>
+            </a:gs>
+            <a:gs pos="100000">
+              <a:schemeClr val="phClr">
+                <a:shade val="20000"/>
+                <a:satMod val="255000"/>
+              </a:schemeClr>
+            </a:gs>
+          </a:gsLst>
+          <a:path path="circle">
+            <a:fillToRect l="50000" t="-80000" r="50000" b="180000"/>
+          </a:path>
+        </a:gradFill>
+        <a:gradFill rotWithShape="1">
+          <a:gsLst>
+            <a:gs pos="0">
+              <a:schemeClr val="phClr">
+                <a:tint val="80000"/>
+                <a:satMod val="300000"/>
+              </a:schemeClr>
+            </a:gs>
+            <a:gs pos="100000">
+              <a:schemeClr val="phClr">
+                <a:shade val="30000"/>
+                <a:satMod val="200000"/>
+              </a:schemeClr>
+            </a:gs>
+          </a:gsLst>
+          <a:path path="circle">
+            <a:fillToRect l="50000" t="50000" r="50000" b="50000"/>
+          </a:path>
+        </a:gradFill>
+      </a:bgFillStyleLst>
+    </a:fmtScheme>
+  </a:themeElements>
+  <a:objectDefaults>
+    <a:spDef>
+      <a:spPr/>
+      <a:bodyPr/>
+      <a:lstStyle/>
+      <a:style>
+        <a:lnRef idx="1">
+          <a:schemeClr val="accent1"/>
+        </a:lnRef>
+        <a:fillRef idx="3">
+          <a:schemeClr val="accent1"/>
+        </a:fillRef>
+        <a:effectRef idx="2">
+          <a:schemeClr val="accent1"/>
+        </a:effectRef>
+        <a:fontRef idx="minor">
+          <a:schemeClr val="lt1"/>
+        </a:fontRef>
+      </a:style>
+    </a:spDef>
+    <a:lnDef>
+      <a:spPr/>
+      <a:bodyPr/>
+      <a:lstStyle/>
+      <a:style>
+        <a:lnRef idx="2">
+          <a:schemeClr val="accent1"/>
+        </a:lnRef>
+        <a:fillRef idx="0">
+          <a:schemeClr val="accent1"/>
+        </a:fillRef>
+        <a:effectRef idx="1">
+          <a:schemeClr val="accent1"/>
+        </a:effectRef>
+        <a:fontRef idx="minor">
+          <a:schemeClr val="tx1"/>
+        </a:fontRef>
+      </a:style>
+    </a:lnDef>
+  </a:objectDefaults>
+  <a:extraClrSchemeLst/>
+</a:theme>
 </file>